--- a/docs/R3 - Reto Caso Práctico [Equipo 2] - CRITERIOS ACEPTACIÓN.pptx
+++ b/docs/R3 - Reto Caso Práctico [Equipo 2] - CRITERIOS ACEPTACIÓN.pptx
@@ -6,10 +6,10 @@
     <p:sldMasterId id="2147484088" r:id="rId5"/>
   </p:sldMasterIdLst>
   <p:notesMasterIdLst>
-    <p:notesMasterId r:id="rId22"/>
+    <p:notesMasterId r:id="rId26"/>
   </p:notesMasterIdLst>
   <p:handoutMasterIdLst>
-    <p:handoutMasterId r:id="rId23"/>
+    <p:handoutMasterId r:id="rId27"/>
   </p:handoutMasterIdLst>
   <p:sldIdLst>
     <p:sldId id="442" r:id="rId6"/>
@@ -23,16 +23,20 @@
     <p:sldId id="444" r:id="rId14"/>
     <p:sldId id="445" r:id="rId15"/>
     <p:sldId id="451" r:id="rId16"/>
-    <p:sldId id="262" r:id="rId17"/>
-    <p:sldId id="452" r:id="rId18"/>
-    <p:sldId id="453" r:id="rId19"/>
-    <p:sldId id="454" r:id="rId20"/>
-    <p:sldId id="263" r:id="rId21"/>
+    <p:sldId id="456" r:id="rId17"/>
+    <p:sldId id="457" r:id="rId18"/>
+    <p:sldId id="455" r:id="rId19"/>
+    <p:sldId id="262" r:id="rId20"/>
+    <p:sldId id="452" r:id="rId21"/>
+    <p:sldId id="453" r:id="rId22"/>
+    <p:sldId id="454" r:id="rId23"/>
+    <p:sldId id="458" r:id="rId24"/>
+    <p:sldId id="263" r:id="rId25"/>
   </p:sldIdLst>
   <p:sldSz cx="12192000" cy="6858000"/>
   <p:notesSz cx="6797675" cy="9926638"/>
   <p:custDataLst>
-    <p:tags r:id="rId24"/>
+    <p:tags r:id="rId28"/>
   </p:custDataLst>
   <p:defaultTextStyle>
     <a:defPPr>
@@ -145,10 +149,14 @@
             <p14:sldId id="444"/>
             <p14:sldId id="445"/>
             <p14:sldId id="451"/>
+            <p14:sldId id="456"/>
+            <p14:sldId id="457"/>
+            <p14:sldId id="455"/>
             <p14:sldId id="262"/>
             <p14:sldId id="452"/>
             <p14:sldId id="453"/>
             <p14:sldId id="454"/>
+            <p14:sldId id="458"/>
             <p14:sldId id="263"/>
           </p14:sldIdLst>
         </p14:section>
@@ -8852,1695 +8860,6 @@
       </p:grpSpPr>
       <p:sp>
         <p:nvSpPr>
-          <p:cNvPr id="2" name="object 2"/>
-          <p:cNvSpPr txBox="1">
-            <a:spLocks noGrp="1"/>
-          </p:cNvSpPr>
-          <p:nvPr>
-            <p:ph type="title"/>
-          </p:nvPr>
-        </p:nvSpPr>
-        <p:spPr>
-          <a:xfrm>
-            <a:off x="2907575" y="4176817"/>
-            <a:ext cx="6347766" cy="1490152"/>
-          </a:xfrm>
-          <a:prstGeom prst="rect">
-            <a:avLst/>
-          </a:prstGeom>
-        </p:spPr>
-        <p:txBody>
-          <a:bodyPr vert="horz" wrap="square" lIns="0" tIns="12700" rIns="0" bIns="0" rtlCol="0">
-            <a:spAutoFit/>
-          </a:bodyPr>
-          <a:lstStyle/>
-          <a:p>
-            <a:pPr marL="12700" algn="ctr">
-              <a:lnSpc>
-                <a:spcPct val="100000"/>
-              </a:lnSpc>
-              <a:spcBef>
-                <a:spcPts val="100"/>
-              </a:spcBef>
-            </a:pPr>
-            <a:r>
-              <a:rPr lang="es-ES" sz="4800" b="0" spc="-10" dirty="0">
-                <a:latin typeface="Tahoma"/>
-                <a:cs typeface="Tahoma"/>
-              </a:rPr>
-              <a:t>Pruebas Unitarias y Pruebas de Integración</a:t>
-            </a:r>
-            <a:endParaRPr sz="4800" dirty="0">
-              <a:latin typeface="Tahoma"/>
-              <a:cs typeface="Tahoma"/>
-            </a:endParaRPr>
-          </a:p>
-        </p:txBody>
-      </p:sp>
-      <p:sp>
-        <p:nvSpPr>
-          <p:cNvPr id="6" name="object 6"/>
-          <p:cNvSpPr txBox="1"/>
-          <p:nvPr/>
-        </p:nvSpPr>
-        <p:spPr>
-          <a:xfrm>
-            <a:off x="351231" y="6555080"/>
-            <a:ext cx="988694" cy="136576"/>
-          </a:xfrm>
-          <a:prstGeom prst="rect">
-            <a:avLst/>
-          </a:prstGeom>
-        </p:spPr>
-        <p:txBody>
-          <a:bodyPr vert="horz" wrap="square" lIns="0" tIns="13335" rIns="0" bIns="0" rtlCol="0">
-            <a:spAutoFit/>
-          </a:bodyPr>
-          <a:lstStyle/>
-          <a:p>
-            <a:pPr marL="12700">
-              <a:lnSpc>
-                <a:spcPct val="100000"/>
-              </a:lnSpc>
-              <a:spcBef>
-                <a:spcPts val="105"/>
-              </a:spcBef>
-            </a:pPr>
-            <a:r>
-              <a:rPr sz="800" dirty="0">
-                <a:solidFill>
-                  <a:srgbClr val="FFFFFF"/>
-                </a:solidFill>
-                <a:latin typeface="Tahoma"/>
-                <a:cs typeface="Tahoma"/>
-              </a:rPr>
-              <a:t>©</a:t>
-            </a:r>
-            <a:r>
-              <a:rPr sz="800" spc="-30" dirty="0">
-                <a:solidFill>
-                  <a:srgbClr val="FFFFFF"/>
-                </a:solidFill>
-                <a:latin typeface="Tahoma"/>
-                <a:cs typeface="Tahoma"/>
-              </a:rPr>
-              <a:t> </a:t>
-            </a:r>
-            <a:r>
-              <a:rPr sz="800" dirty="0">
-                <a:solidFill>
-                  <a:srgbClr val="FFFFFF"/>
-                </a:solidFill>
-                <a:latin typeface="Tahoma"/>
-                <a:cs typeface="Tahoma"/>
-              </a:rPr>
-              <a:t>202</a:t>
-            </a:r>
-            <a:r>
-              <a:rPr lang="es-ES" sz="800" dirty="0">
-                <a:solidFill>
-                  <a:srgbClr val="FFFFFF"/>
-                </a:solidFill>
-                <a:latin typeface="Tahoma"/>
-                <a:cs typeface="Tahoma"/>
-              </a:rPr>
-              <a:t>3</a:t>
-            </a:r>
-            <a:r>
-              <a:rPr sz="800" spc="-35" dirty="0">
-                <a:solidFill>
-                  <a:srgbClr val="FFFFFF"/>
-                </a:solidFill>
-                <a:latin typeface="Tahoma"/>
-                <a:cs typeface="Tahoma"/>
-              </a:rPr>
-              <a:t> </a:t>
-            </a:r>
-            <a:r>
-              <a:rPr sz="800" dirty="0">
-                <a:solidFill>
-                  <a:srgbClr val="FFFFFF"/>
-                </a:solidFill>
-                <a:latin typeface="Tahoma"/>
-                <a:cs typeface="Tahoma"/>
-              </a:rPr>
-              <a:t>Netmind</a:t>
-            </a:r>
-            <a:r>
-              <a:rPr sz="800" spc="-5" dirty="0">
-                <a:solidFill>
-                  <a:srgbClr val="FFFFFF"/>
-                </a:solidFill>
-                <a:latin typeface="Tahoma"/>
-                <a:cs typeface="Tahoma"/>
-              </a:rPr>
-              <a:t> </a:t>
-            </a:r>
-            <a:r>
-              <a:rPr sz="800" spc="-25" dirty="0">
-                <a:solidFill>
-                  <a:srgbClr val="FFFFFF"/>
-                </a:solidFill>
-                <a:latin typeface="Tahoma"/>
-                <a:cs typeface="Tahoma"/>
-              </a:rPr>
-              <a:t>SLU</a:t>
-            </a:r>
-            <a:endParaRPr sz="800" dirty="0">
-              <a:latin typeface="Tahoma"/>
-              <a:cs typeface="Tahoma"/>
-            </a:endParaRPr>
-          </a:p>
-        </p:txBody>
-      </p:sp>
-      <p:sp>
-        <p:nvSpPr>
-          <p:cNvPr id="7" name="object 7"/>
-          <p:cNvSpPr txBox="1"/>
-          <p:nvPr/>
-        </p:nvSpPr>
-        <p:spPr>
-          <a:xfrm>
-            <a:off x="11727810" y="6555081"/>
-            <a:ext cx="179202" cy="136576"/>
-          </a:xfrm>
-          <a:prstGeom prst="rect">
-            <a:avLst/>
-          </a:prstGeom>
-        </p:spPr>
-        <p:txBody>
-          <a:bodyPr vert="horz" wrap="square" lIns="0" tIns="13335" rIns="0" bIns="0" rtlCol="0">
-            <a:spAutoFit/>
-          </a:bodyPr>
-          <a:lstStyle/>
-          <a:p>
-            <a:pPr marL="38100">
-              <a:lnSpc>
-                <a:spcPct val="100000"/>
-              </a:lnSpc>
-              <a:spcBef>
-                <a:spcPts val="105"/>
-              </a:spcBef>
-            </a:pPr>
-            <a:fld id="{81D60167-4931-47E6-BA6A-407CBD079E47}" type="slidenum">
-              <a:rPr sz="800" dirty="0">
-                <a:solidFill>
-                  <a:srgbClr val="FFFFFF"/>
-                </a:solidFill>
-                <a:latin typeface="Tahoma"/>
-                <a:cs typeface="Tahoma"/>
-              </a:rPr>
-              <a:t>12</a:t>
-            </a:fld>
-            <a:endParaRPr sz="800" dirty="0">
-              <a:latin typeface="Tahoma"/>
-              <a:cs typeface="Tahoma"/>
-            </a:endParaRPr>
-          </a:p>
-        </p:txBody>
-      </p:sp>
-      <p:pic>
-        <p:nvPicPr>
-          <p:cNvPr id="8" name="object 4">
-            <a:extLst>
-              <a:ext uri="{FF2B5EF4-FFF2-40B4-BE49-F238E27FC236}">
-                <a16:creationId xmlns:a16="http://schemas.microsoft.com/office/drawing/2014/main" id="{2DC3A10A-AE65-94C4-206D-8FFDF2A9686F}"/>
-              </a:ext>
-            </a:extLst>
-          </p:cNvPr>
-          <p:cNvPicPr/>
-          <p:nvPr/>
-        </p:nvPicPr>
-        <p:blipFill>
-          <a:blip r:embed="rId2" cstate="print"/>
-          <a:stretch>
-            <a:fillRect/>
-          </a:stretch>
-        </p:blipFill>
-        <p:spPr>
-          <a:xfrm>
-            <a:off x="1511003" y="806540"/>
-            <a:ext cx="3704844" cy="3200400"/>
-          </a:xfrm>
-          <a:prstGeom prst="rect">
-            <a:avLst/>
-          </a:prstGeom>
-        </p:spPr>
-      </p:pic>
-      <p:pic>
-        <p:nvPicPr>
-          <p:cNvPr id="3" name="object 4">
-            <a:extLst>
-              <a:ext uri="{FF2B5EF4-FFF2-40B4-BE49-F238E27FC236}">
-                <a16:creationId xmlns:a16="http://schemas.microsoft.com/office/drawing/2014/main" id="{5BFD5F36-9FCE-5785-80B8-5CA41793AAA9}"/>
-              </a:ext>
-            </a:extLst>
-          </p:cNvPr>
-          <p:cNvPicPr/>
-          <p:nvPr/>
-        </p:nvPicPr>
-        <p:blipFill>
-          <a:blip r:embed="rId3" cstate="print"/>
-          <a:stretch>
-            <a:fillRect/>
-          </a:stretch>
-        </p:blipFill>
-        <p:spPr>
-          <a:xfrm>
-            <a:off x="7092025" y="806540"/>
-            <a:ext cx="3712464" cy="3200400"/>
-          </a:xfrm>
-          <a:prstGeom prst="rect">
-            <a:avLst/>
-          </a:prstGeom>
-        </p:spPr>
-      </p:pic>
-    </p:spTree>
-  </p:cSld>
-  <p:clrMapOvr>
-    <a:masterClrMapping/>
-  </p:clrMapOvr>
-</p:sld>
-</file>
-
-<file path=ppt/slides/slide13.xml><?xml version="1.0" encoding="utf-8"?>
-<p:sld xmlns:a="http://schemas.openxmlformats.org/drawingml/2006/main" xmlns:r="http://schemas.openxmlformats.org/officeDocument/2006/relationships" xmlns:p="http://schemas.openxmlformats.org/presentationml/2006/main">
-  <p:cSld>
-    <p:spTree>
-      <p:nvGrpSpPr>
-        <p:cNvPr id="1" name=""/>
-        <p:cNvGrpSpPr/>
-        <p:nvPr/>
-      </p:nvGrpSpPr>
-      <p:grpSpPr>
-        <a:xfrm>
-          <a:off x="0" y="0"/>
-          <a:ext cx="0" cy="0"/>
-          <a:chOff x="0" y="0"/>
-          <a:chExt cx="0" cy="0"/>
-        </a:xfrm>
-      </p:grpSpPr>
-      <p:sp>
-        <p:nvSpPr>
-          <p:cNvPr id="10" name="Marcador de contenido 9">
-            <a:extLst>
-              <a:ext uri="{FF2B5EF4-FFF2-40B4-BE49-F238E27FC236}">
-                <a16:creationId xmlns:a16="http://schemas.microsoft.com/office/drawing/2014/main" id="{00830425-2A63-5EDF-2785-C0DEBA82D4E8}"/>
-              </a:ext>
-            </a:extLst>
-          </p:cNvPr>
-          <p:cNvSpPr>
-            <a:spLocks noGrp="1"/>
-          </p:cNvSpPr>
-          <p:nvPr>
-            <p:ph sz="quarter" idx="14"/>
-          </p:nvPr>
-        </p:nvSpPr>
-        <p:spPr>
-          <a:xfrm>
-            <a:off x="614245" y="1186004"/>
-            <a:ext cx="5255688" cy="4662534"/>
-          </a:xfrm>
-        </p:spPr>
-        <p:txBody>
-          <a:bodyPr>
-            <a:normAutofit fontScale="25000" lnSpcReduction="20000"/>
-          </a:bodyPr>
-          <a:lstStyle/>
-          <a:p>
-            <a:r>
-              <a:rPr lang="es-ES" b="1" dirty="0"/>
-              <a:t>Historia Usuario 1</a:t>
-            </a:r>
-          </a:p>
-          <a:p>
-            <a:pPr marL="0" indent="0">
-              <a:buNone/>
-            </a:pPr>
-            <a:endParaRPr lang="es-ES" dirty="0"/>
-          </a:p>
-          <a:p>
-            <a:pPr marL="0" indent="0">
-              <a:buNone/>
-            </a:pPr>
-            <a:r>
-              <a:rPr lang="es-ES" b="1" dirty="0"/>
-              <a:t>Nombre de historia: </a:t>
-            </a:r>
-            <a:r>
-              <a:rPr lang="es-ES" dirty="0"/>
-              <a:t>Lista de clientes.</a:t>
-            </a:r>
-          </a:p>
-          <a:p>
-            <a:pPr marL="0" indent="0">
-              <a:buNone/>
-            </a:pPr>
-            <a:r>
-              <a:rPr lang="es-ES" b="1" dirty="0"/>
-              <a:t>Descripción:</a:t>
-            </a:r>
-            <a:r>
-              <a:rPr lang="es-ES" dirty="0"/>
-              <a:t> Como usuario del sistema, quiero poder ver nuestra lista de clientes para tener una visión general de los mismos.</a:t>
-            </a:r>
-          </a:p>
-          <a:p>
-            <a:pPr marL="0" indent="0">
-              <a:buNone/>
-            </a:pPr>
-            <a:r>
-              <a:rPr lang="es-ES" b="1" dirty="0"/>
-              <a:t>Clase Test: </a:t>
-            </a:r>
-            <a:r>
-              <a:rPr lang="es-ES" dirty="0"/>
-              <a:t>ClientesControllerTest.java </a:t>
-            </a:r>
-            <a:r>
-              <a:rPr lang="es-ES" dirty="0">
-                <a:sym typeface="Wingdings" panose="05000000000000000000" pitchFamily="2" charset="2"/>
-              </a:rPr>
-              <a:t> </a:t>
-            </a:r>
-            <a:r>
-              <a:rPr lang="es-ES" dirty="0"/>
-              <a:t>ClientesController.java</a:t>
-            </a:r>
-          </a:p>
-          <a:p>
-            <a:pPr marL="0" indent="0">
-              <a:buNone/>
-            </a:pPr>
-            <a:r>
-              <a:rPr lang="es-ES" b="1" dirty="0"/>
-              <a:t>Método:</a:t>
-            </a:r>
-            <a:r>
-              <a:rPr lang="es-ES" dirty="0"/>
-              <a:t> </a:t>
-            </a:r>
-            <a:r>
-              <a:rPr lang="es-ES" dirty="0" err="1"/>
-              <a:t>void</a:t>
-            </a:r>
-            <a:r>
-              <a:rPr lang="es-ES" dirty="0"/>
-              <a:t> </a:t>
-            </a:r>
-            <a:r>
-              <a:rPr lang="es-ES" dirty="0" err="1"/>
-              <a:t>mostrarLista</a:t>
-            </a:r>
-            <a:r>
-              <a:rPr lang="es-ES" dirty="0"/>
-              <a:t>()</a:t>
-            </a:r>
-          </a:p>
-          <a:p>
-            <a:pPr marL="0" indent="0">
-              <a:buNone/>
-            </a:pPr>
-            <a:endParaRPr lang="es-ES" dirty="0"/>
-          </a:p>
-          <a:p>
-            <a:pPr marL="0" indent="0">
-              <a:buNone/>
-            </a:pPr>
-            <a:r>
-              <a:rPr lang="es-ES" b="1" dirty="0"/>
-              <a:t>Escenario 1: Lista de clientes (</a:t>
-            </a:r>
-            <a:r>
-              <a:rPr lang="es-ES" b="1" dirty="0" err="1"/>
-              <a:t>Happy</a:t>
-            </a:r>
-            <a:r>
-              <a:rPr lang="es-ES" b="1" dirty="0"/>
-              <a:t> </a:t>
-            </a:r>
-            <a:r>
-              <a:rPr lang="es-ES" b="1" dirty="0" err="1"/>
-              <a:t>Path</a:t>
-            </a:r>
-            <a:r>
-              <a:rPr lang="es-ES" b="1" dirty="0"/>
-              <a:t>)</a:t>
-            </a:r>
-          </a:p>
-          <a:p>
-            <a:r>
-              <a:rPr lang="es-ES" dirty="0">
-                <a:solidFill>
-                  <a:srgbClr val="9E880D"/>
-                </a:solidFill>
-                <a:effectLst/>
-                <a:latin typeface="JetBrains Mono"/>
-              </a:rPr>
-              <a:t>@Test</a:t>
-            </a:r>
-            <a:br>
-              <a:rPr lang="es-ES" dirty="0">
-                <a:solidFill>
-                  <a:srgbClr val="9E880D"/>
-                </a:solidFill>
-                <a:effectLst/>
-                <a:latin typeface="JetBrains Mono"/>
-              </a:rPr>
-            </a:br>
-            <a:r>
-              <a:rPr lang="es-ES" dirty="0">
-                <a:solidFill>
-                  <a:srgbClr val="9E880D"/>
-                </a:solidFill>
-                <a:effectLst/>
-                <a:latin typeface="JetBrains Mono"/>
-              </a:rPr>
-              <a:t>@Order</a:t>
-            </a:r>
-            <a:r>
-              <a:rPr lang="es-ES" dirty="0">
-                <a:solidFill>
-                  <a:srgbClr val="080808"/>
-                </a:solidFill>
-                <a:effectLst/>
-                <a:latin typeface="JetBrains Mono"/>
-              </a:rPr>
-              <a:t>(</a:t>
-            </a:r>
-            <a:r>
-              <a:rPr lang="es-ES" dirty="0">
-                <a:solidFill>
-                  <a:srgbClr val="1750EB"/>
-                </a:solidFill>
-                <a:effectLst/>
-                <a:latin typeface="JetBrains Mono"/>
-              </a:rPr>
-              <a:t>3</a:t>
-            </a:r>
-            <a:r>
-              <a:rPr lang="es-ES" dirty="0">
-                <a:solidFill>
-                  <a:srgbClr val="080808"/>
-                </a:solidFill>
-                <a:effectLst/>
-                <a:latin typeface="JetBrains Mono"/>
-              </a:rPr>
-              <a:t>)</a:t>
-            </a:r>
-            <a:br>
-              <a:rPr lang="es-ES" dirty="0">
-                <a:solidFill>
-                  <a:srgbClr val="080808"/>
-                </a:solidFill>
-                <a:effectLst/>
-                <a:latin typeface="JetBrains Mono"/>
-              </a:rPr>
-            </a:br>
-            <a:r>
-              <a:rPr lang="es-ES" dirty="0" err="1">
-                <a:solidFill>
-                  <a:srgbClr val="0033B3"/>
-                </a:solidFill>
-                <a:effectLst/>
-                <a:latin typeface="JetBrains Mono"/>
-              </a:rPr>
-              <a:t>void</a:t>
-            </a:r>
-            <a:r>
-              <a:rPr lang="es-ES" dirty="0">
-                <a:solidFill>
-                  <a:srgbClr val="0033B3"/>
-                </a:solidFill>
-                <a:effectLst/>
-                <a:latin typeface="JetBrains Mono"/>
-              </a:rPr>
-              <a:t> </a:t>
-            </a:r>
-            <a:r>
-              <a:rPr lang="es-ES" dirty="0">
-                <a:solidFill>
-                  <a:srgbClr val="00627A"/>
-                </a:solidFill>
-                <a:effectLst/>
-                <a:latin typeface="JetBrains Mono"/>
-              </a:rPr>
-              <a:t>dadoUsuarioQuiereConsultar_cuandoHayClientes_entoncesObtieneListaClientes</a:t>
-            </a:r>
-            <a:r>
-              <a:rPr lang="es-ES" dirty="0">
-                <a:solidFill>
-                  <a:srgbClr val="080808"/>
-                </a:solidFill>
-                <a:effectLst/>
-                <a:latin typeface="JetBrains Mono"/>
-              </a:rPr>
-              <a:t>() {</a:t>
-            </a:r>
-            <a:br>
-              <a:rPr lang="es-ES" dirty="0">
-                <a:solidFill>
-                  <a:srgbClr val="080808"/>
-                </a:solidFill>
-                <a:effectLst/>
-                <a:latin typeface="JetBrains Mono"/>
-              </a:rPr>
-            </a:br>
-            <a:r>
-              <a:rPr lang="es-ES" dirty="0">
-                <a:solidFill>
-                  <a:srgbClr val="080808"/>
-                </a:solidFill>
-                <a:effectLst/>
-                <a:latin typeface="JetBrains Mono"/>
-              </a:rPr>
-              <a:t>    </a:t>
-            </a:r>
-            <a:r>
-              <a:rPr lang="es-ES" i="1" dirty="0">
-                <a:solidFill>
-                  <a:srgbClr val="8C8C8C"/>
-                </a:solidFill>
-                <a:effectLst/>
-                <a:latin typeface="JetBrains Mono"/>
-              </a:rPr>
-              <a:t>//</a:t>
-            </a:r>
-            <a:r>
-              <a:rPr lang="es-ES" i="1" dirty="0" err="1">
-                <a:solidFill>
-                  <a:srgbClr val="8C8C8C"/>
-                </a:solidFill>
-                <a:effectLst/>
-                <a:latin typeface="JetBrains Mono"/>
-              </a:rPr>
-              <a:t>given</a:t>
-            </a:r>
-            <a:br>
-              <a:rPr lang="es-ES" i="1" dirty="0">
-                <a:solidFill>
-                  <a:srgbClr val="8C8C8C"/>
-                </a:solidFill>
-                <a:effectLst/>
-                <a:latin typeface="JetBrains Mono"/>
-              </a:rPr>
-            </a:br>
-            <a:r>
-              <a:rPr lang="es-ES" i="1" dirty="0">
-                <a:solidFill>
-                  <a:srgbClr val="8C8C8C"/>
-                </a:solidFill>
-                <a:effectLst/>
-                <a:latin typeface="JetBrains Mono"/>
-              </a:rPr>
-              <a:t>    </a:t>
-            </a:r>
-            <a:r>
-              <a:rPr lang="es-ES" dirty="0" err="1">
-                <a:solidFill>
-                  <a:srgbClr val="0033B3"/>
-                </a:solidFill>
-                <a:effectLst/>
-                <a:latin typeface="JetBrains Mono"/>
-              </a:rPr>
-              <a:t>int</a:t>
-            </a:r>
-            <a:r>
-              <a:rPr lang="es-ES" dirty="0">
-                <a:solidFill>
-                  <a:srgbClr val="0033B3"/>
-                </a:solidFill>
-                <a:effectLst/>
-                <a:latin typeface="JetBrains Mono"/>
-              </a:rPr>
-              <a:t> </a:t>
-            </a:r>
-            <a:r>
-              <a:rPr lang="es-ES" dirty="0">
-                <a:solidFill>
-                  <a:srgbClr val="000000"/>
-                </a:solidFill>
-                <a:effectLst/>
-                <a:latin typeface="JetBrains Mono"/>
-              </a:rPr>
-              <a:t>long1 </a:t>
-            </a:r>
-            <a:r>
-              <a:rPr lang="es-ES" dirty="0">
-                <a:solidFill>
-                  <a:srgbClr val="080808"/>
-                </a:solidFill>
-                <a:effectLst/>
-                <a:latin typeface="JetBrains Mono"/>
-              </a:rPr>
-              <a:t>= </a:t>
-            </a:r>
-            <a:r>
-              <a:rPr lang="es-ES" dirty="0" err="1">
-                <a:solidFill>
-                  <a:srgbClr val="000000"/>
-                </a:solidFill>
-                <a:effectLst/>
-                <a:latin typeface="JetBrains Mono"/>
-              </a:rPr>
-              <a:t>ClientesController</a:t>
-            </a:r>
-            <a:r>
-              <a:rPr lang="es-ES" dirty="0" err="1">
-                <a:solidFill>
-                  <a:srgbClr val="080808"/>
-                </a:solidFill>
-                <a:effectLst/>
-                <a:latin typeface="JetBrains Mono"/>
-              </a:rPr>
-              <a:t>.</a:t>
-            </a:r>
-            <a:r>
-              <a:rPr lang="es-ES" i="1" dirty="0" err="1">
-                <a:solidFill>
-                  <a:srgbClr val="080808"/>
-                </a:solidFill>
-                <a:effectLst/>
-                <a:latin typeface="JetBrains Mono"/>
-              </a:rPr>
-              <a:t>numeroClientes</a:t>
-            </a:r>
-            <a:r>
-              <a:rPr lang="es-ES" dirty="0">
-                <a:solidFill>
-                  <a:srgbClr val="080808"/>
-                </a:solidFill>
-                <a:effectLst/>
-                <a:latin typeface="JetBrains Mono"/>
-              </a:rPr>
-              <a:t>();</a:t>
-            </a:r>
-            <a:br>
-              <a:rPr lang="es-ES" dirty="0">
-                <a:solidFill>
-                  <a:srgbClr val="080808"/>
-                </a:solidFill>
-                <a:effectLst/>
-                <a:latin typeface="JetBrains Mono"/>
-              </a:rPr>
-            </a:br>
-            <a:r>
-              <a:rPr lang="es-ES" dirty="0">
-                <a:solidFill>
-                  <a:srgbClr val="080808"/>
-                </a:solidFill>
-                <a:effectLst/>
-                <a:latin typeface="JetBrains Mono"/>
-              </a:rPr>
-              <a:t>    </a:t>
-            </a:r>
-            <a:r>
-              <a:rPr lang="es-ES" i="1" dirty="0">
-                <a:solidFill>
-                  <a:srgbClr val="8C8C8C"/>
-                </a:solidFill>
-                <a:effectLst/>
-                <a:latin typeface="JetBrains Mono"/>
-              </a:rPr>
-              <a:t>//</a:t>
-            </a:r>
-            <a:r>
-              <a:rPr lang="es-ES" i="1" dirty="0" err="1">
-                <a:solidFill>
-                  <a:srgbClr val="8C8C8C"/>
-                </a:solidFill>
-                <a:effectLst/>
-                <a:latin typeface="JetBrains Mono"/>
-              </a:rPr>
-              <a:t>when</a:t>
-            </a:r>
-            <a:br>
-              <a:rPr lang="es-ES" i="1" dirty="0">
-                <a:solidFill>
-                  <a:srgbClr val="8C8C8C"/>
-                </a:solidFill>
-                <a:effectLst/>
-                <a:latin typeface="JetBrains Mono"/>
-              </a:rPr>
-            </a:br>
-            <a:r>
-              <a:rPr lang="es-ES" i="1" dirty="0">
-                <a:solidFill>
-                  <a:srgbClr val="8C8C8C"/>
-                </a:solidFill>
-                <a:effectLst/>
-                <a:latin typeface="JetBrains Mono"/>
-              </a:rPr>
-              <a:t>    </a:t>
-            </a:r>
-            <a:r>
-              <a:rPr lang="es-ES" dirty="0" err="1">
-                <a:solidFill>
-                  <a:srgbClr val="000000"/>
-                </a:solidFill>
-                <a:effectLst/>
-                <a:latin typeface="JetBrains Mono"/>
-              </a:rPr>
-              <a:t>ClientesController</a:t>
-            </a:r>
-            <a:r>
-              <a:rPr lang="es-ES" dirty="0" err="1">
-                <a:solidFill>
-                  <a:srgbClr val="080808"/>
-                </a:solidFill>
-                <a:effectLst/>
-                <a:latin typeface="JetBrains Mono"/>
-              </a:rPr>
-              <a:t>.</a:t>
-            </a:r>
-            <a:r>
-              <a:rPr lang="es-ES" i="1" dirty="0" err="1">
-                <a:solidFill>
-                  <a:srgbClr val="080808"/>
-                </a:solidFill>
-                <a:effectLst/>
-                <a:latin typeface="JetBrains Mono"/>
-              </a:rPr>
-              <a:t>mostrarLista</a:t>
-            </a:r>
-            <a:r>
-              <a:rPr lang="es-ES" dirty="0">
-                <a:solidFill>
-                  <a:srgbClr val="080808"/>
-                </a:solidFill>
-                <a:effectLst/>
-                <a:latin typeface="JetBrains Mono"/>
-              </a:rPr>
-              <a:t>();</a:t>
-            </a:r>
-            <a:br>
-              <a:rPr lang="es-ES" dirty="0">
-                <a:solidFill>
-                  <a:srgbClr val="080808"/>
-                </a:solidFill>
-                <a:effectLst/>
-                <a:latin typeface="JetBrains Mono"/>
-              </a:rPr>
-            </a:br>
-            <a:r>
-              <a:rPr lang="es-ES" dirty="0">
-                <a:solidFill>
-                  <a:srgbClr val="080808"/>
-                </a:solidFill>
-                <a:effectLst/>
-                <a:latin typeface="JetBrains Mono"/>
-              </a:rPr>
-              <a:t>    </a:t>
-            </a:r>
-            <a:r>
-              <a:rPr lang="es-ES" i="1" dirty="0">
-                <a:solidFill>
-                  <a:srgbClr val="8C8C8C"/>
-                </a:solidFill>
-                <a:effectLst/>
-                <a:latin typeface="JetBrains Mono"/>
-              </a:rPr>
-              <a:t>//</a:t>
-            </a:r>
-            <a:r>
-              <a:rPr lang="es-ES" i="1" dirty="0" err="1">
-                <a:solidFill>
-                  <a:srgbClr val="8C8C8C"/>
-                </a:solidFill>
-                <a:effectLst/>
-                <a:latin typeface="JetBrains Mono"/>
-              </a:rPr>
-              <a:t>then</a:t>
-            </a:r>
-            <a:br>
-              <a:rPr lang="es-ES" i="1" dirty="0">
-                <a:solidFill>
-                  <a:srgbClr val="8C8C8C"/>
-                </a:solidFill>
-                <a:effectLst/>
-                <a:latin typeface="JetBrains Mono"/>
-              </a:rPr>
-            </a:br>
-            <a:r>
-              <a:rPr lang="es-ES" i="1" dirty="0">
-                <a:solidFill>
-                  <a:srgbClr val="8C8C8C"/>
-                </a:solidFill>
-                <a:effectLst/>
-                <a:latin typeface="JetBrains Mono"/>
-              </a:rPr>
-              <a:t>    </a:t>
-            </a:r>
-            <a:r>
-              <a:rPr lang="es-ES" i="1" dirty="0" err="1">
-                <a:solidFill>
-                  <a:srgbClr val="080808"/>
-                </a:solidFill>
-                <a:effectLst/>
-                <a:latin typeface="JetBrains Mono"/>
-              </a:rPr>
-              <a:t>assertEquals</a:t>
-            </a:r>
-            <a:r>
-              <a:rPr lang="es-ES" dirty="0">
-                <a:solidFill>
-                  <a:srgbClr val="080808"/>
-                </a:solidFill>
-                <a:effectLst/>
-                <a:latin typeface="JetBrains Mono"/>
-              </a:rPr>
-              <a:t>(</a:t>
-            </a:r>
-            <a:r>
-              <a:rPr lang="es-ES" dirty="0">
-                <a:solidFill>
-                  <a:srgbClr val="1750EB"/>
-                </a:solidFill>
-                <a:effectLst/>
-                <a:latin typeface="JetBrains Mono"/>
-              </a:rPr>
-              <a:t>3</a:t>
-            </a:r>
-            <a:r>
-              <a:rPr lang="es-ES" dirty="0">
-                <a:solidFill>
-                  <a:srgbClr val="080808"/>
-                </a:solidFill>
-                <a:effectLst/>
-                <a:latin typeface="JetBrains Mono"/>
-              </a:rPr>
-              <a:t>, </a:t>
-            </a:r>
-            <a:r>
-              <a:rPr lang="es-ES" dirty="0">
-                <a:solidFill>
-                  <a:srgbClr val="000000"/>
-                </a:solidFill>
-                <a:effectLst/>
-                <a:latin typeface="JetBrains Mono"/>
-              </a:rPr>
-              <a:t>long1</a:t>
-            </a:r>
-            <a:r>
-              <a:rPr lang="es-ES" dirty="0">
-                <a:solidFill>
-                  <a:srgbClr val="080808"/>
-                </a:solidFill>
-                <a:effectLst/>
-                <a:latin typeface="JetBrains Mono"/>
-              </a:rPr>
-              <a:t>);</a:t>
-            </a:r>
-            <a:br>
-              <a:rPr lang="es-ES" dirty="0">
-                <a:solidFill>
-                  <a:srgbClr val="080808"/>
-                </a:solidFill>
-                <a:effectLst/>
-                <a:latin typeface="JetBrains Mono"/>
-              </a:rPr>
-            </a:br>
-            <a:r>
-              <a:rPr lang="es-ES" dirty="0">
-                <a:solidFill>
-                  <a:srgbClr val="080808"/>
-                </a:solidFill>
-                <a:effectLst/>
-                <a:latin typeface="JetBrains Mono"/>
-              </a:rPr>
-              <a:t>}</a:t>
-            </a:r>
-          </a:p>
-          <a:p>
-            <a:pPr marL="0" indent="0">
-              <a:buNone/>
-            </a:pPr>
-            <a:endParaRPr lang="es-ES" dirty="0"/>
-          </a:p>
-          <a:p>
-            <a:pPr marL="0" indent="0">
-              <a:buNone/>
-            </a:pPr>
-            <a:r>
-              <a:rPr lang="es-ES" b="1" dirty="0"/>
-              <a:t>Escenario 2: Lista de clientes (Negativo/Alternativo)</a:t>
-            </a:r>
-          </a:p>
-          <a:p>
-            <a:r>
-              <a:rPr lang="es-ES" dirty="0">
-                <a:solidFill>
-                  <a:srgbClr val="9E880D"/>
-                </a:solidFill>
-                <a:effectLst/>
-                <a:latin typeface="JetBrains Mono"/>
-              </a:rPr>
-              <a:t>@Test</a:t>
-            </a:r>
-            <a:br>
-              <a:rPr lang="es-ES" dirty="0">
-                <a:solidFill>
-                  <a:srgbClr val="9E880D"/>
-                </a:solidFill>
-                <a:effectLst/>
-                <a:latin typeface="JetBrains Mono"/>
-              </a:rPr>
-            </a:br>
-            <a:r>
-              <a:rPr lang="es-ES" dirty="0">
-                <a:solidFill>
-                  <a:srgbClr val="9E880D"/>
-                </a:solidFill>
-                <a:effectLst/>
-                <a:latin typeface="JetBrains Mono"/>
-              </a:rPr>
-              <a:t>@Order</a:t>
-            </a:r>
-            <a:r>
-              <a:rPr lang="es-ES" dirty="0">
-                <a:solidFill>
-                  <a:srgbClr val="080808"/>
-                </a:solidFill>
-                <a:effectLst/>
-                <a:latin typeface="JetBrains Mono"/>
-              </a:rPr>
-              <a:t>(</a:t>
-            </a:r>
-            <a:r>
-              <a:rPr lang="es-ES" dirty="0">
-                <a:solidFill>
-                  <a:srgbClr val="1750EB"/>
-                </a:solidFill>
-                <a:effectLst/>
-                <a:latin typeface="JetBrains Mono"/>
-              </a:rPr>
-              <a:t>4</a:t>
-            </a:r>
-            <a:r>
-              <a:rPr lang="es-ES" dirty="0">
-                <a:solidFill>
-                  <a:srgbClr val="080808"/>
-                </a:solidFill>
-                <a:effectLst/>
-                <a:latin typeface="JetBrains Mono"/>
-              </a:rPr>
-              <a:t>)</a:t>
-            </a:r>
-            <a:br>
-              <a:rPr lang="es-ES" dirty="0">
-                <a:solidFill>
-                  <a:srgbClr val="080808"/>
-                </a:solidFill>
-                <a:effectLst/>
-                <a:latin typeface="JetBrains Mono"/>
-              </a:rPr>
-            </a:br>
-            <a:r>
-              <a:rPr lang="es-ES" dirty="0" err="1">
-                <a:solidFill>
-                  <a:srgbClr val="0033B3"/>
-                </a:solidFill>
-                <a:effectLst/>
-                <a:latin typeface="JetBrains Mono"/>
-              </a:rPr>
-              <a:t>void</a:t>
-            </a:r>
-            <a:r>
-              <a:rPr lang="es-ES" dirty="0">
-                <a:solidFill>
-                  <a:srgbClr val="0033B3"/>
-                </a:solidFill>
-                <a:effectLst/>
-                <a:latin typeface="JetBrains Mono"/>
-              </a:rPr>
-              <a:t> </a:t>
-            </a:r>
-            <a:r>
-              <a:rPr lang="es-ES" dirty="0">
-                <a:solidFill>
-                  <a:srgbClr val="00627A"/>
-                </a:solidFill>
-                <a:effectLst/>
-                <a:latin typeface="JetBrains Mono"/>
-              </a:rPr>
-              <a:t>dadoUsuarioQuiereConsultar_cuandoNoHayClientes_entoncesObtieneListaVacia</a:t>
-            </a:r>
-            <a:r>
-              <a:rPr lang="es-ES" dirty="0">
-                <a:solidFill>
-                  <a:srgbClr val="080808"/>
-                </a:solidFill>
-                <a:effectLst/>
-                <a:latin typeface="JetBrains Mono"/>
-              </a:rPr>
-              <a:t>() {</a:t>
-            </a:r>
-            <a:br>
-              <a:rPr lang="es-ES" dirty="0">
-                <a:solidFill>
-                  <a:srgbClr val="080808"/>
-                </a:solidFill>
-                <a:effectLst/>
-                <a:latin typeface="JetBrains Mono"/>
-              </a:rPr>
-            </a:br>
-            <a:r>
-              <a:rPr lang="es-ES" dirty="0">
-                <a:solidFill>
-                  <a:srgbClr val="080808"/>
-                </a:solidFill>
-                <a:effectLst/>
-                <a:latin typeface="JetBrains Mono"/>
-              </a:rPr>
-              <a:t>    </a:t>
-            </a:r>
-            <a:r>
-              <a:rPr lang="es-ES" i="1" dirty="0">
-                <a:solidFill>
-                  <a:srgbClr val="8C8C8C"/>
-                </a:solidFill>
-                <a:effectLst/>
-                <a:latin typeface="JetBrains Mono"/>
-              </a:rPr>
-              <a:t>//</a:t>
-            </a:r>
-            <a:r>
-              <a:rPr lang="es-ES" i="1" dirty="0" err="1">
-                <a:solidFill>
-                  <a:srgbClr val="8C8C8C"/>
-                </a:solidFill>
-                <a:effectLst/>
-                <a:latin typeface="JetBrains Mono"/>
-              </a:rPr>
-              <a:t>given</a:t>
-            </a:r>
-            <a:br>
-              <a:rPr lang="es-ES" i="1" dirty="0">
-                <a:solidFill>
-                  <a:srgbClr val="8C8C8C"/>
-                </a:solidFill>
-                <a:effectLst/>
-                <a:latin typeface="JetBrains Mono"/>
-              </a:rPr>
-            </a:br>
-            <a:r>
-              <a:rPr lang="es-ES" i="1" dirty="0">
-                <a:solidFill>
-                  <a:srgbClr val="8C8C8C"/>
-                </a:solidFill>
-                <a:effectLst/>
-                <a:latin typeface="JetBrains Mono"/>
-              </a:rPr>
-              <a:t>    </a:t>
-            </a:r>
-            <a:r>
-              <a:rPr lang="es-ES" dirty="0" err="1">
-                <a:solidFill>
-                  <a:srgbClr val="000000"/>
-                </a:solidFill>
-                <a:effectLst/>
-                <a:latin typeface="JetBrains Mono"/>
-              </a:rPr>
-              <a:t>ClientesController</a:t>
-            </a:r>
-            <a:r>
-              <a:rPr lang="es-ES" dirty="0" err="1">
-                <a:solidFill>
-                  <a:srgbClr val="080808"/>
-                </a:solidFill>
-                <a:effectLst/>
-                <a:latin typeface="JetBrains Mono"/>
-              </a:rPr>
-              <a:t>.</a:t>
-            </a:r>
-            <a:r>
-              <a:rPr lang="es-ES" i="1" dirty="0" err="1">
-                <a:solidFill>
-                  <a:srgbClr val="080808"/>
-                </a:solidFill>
-                <a:effectLst/>
-                <a:latin typeface="JetBrains Mono"/>
-              </a:rPr>
-              <a:t>eliminar</a:t>
-            </a:r>
-            <a:r>
-              <a:rPr lang="es-ES" dirty="0">
-                <a:solidFill>
-                  <a:srgbClr val="080808"/>
-                </a:solidFill>
-                <a:effectLst/>
-                <a:latin typeface="JetBrains Mono"/>
-              </a:rPr>
-              <a:t>(</a:t>
-            </a:r>
-            <a:r>
-              <a:rPr lang="es-ES" dirty="0">
-                <a:solidFill>
-                  <a:srgbClr val="1750EB"/>
-                </a:solidFill>
-                <a:effectLst/>
-                <a:latin typeface="JetBrains Mono"/>
-              </a:rPr>
-              <a:t>1</a:t>
-            </a:r>
-            <a:r>
-              <a:rPr lang="es-ES" dirty="0">
-                <a:solidFill>
-                  <a:srgbClr val="080808"/>
-                </a:solidFill>
-                <a:effectLst/>
-                <a:latin typeface="JetBrains Mono"/>
-              </a:rPr>
-              <a:t>);</a:t>
-            </a:r>
-            <a:br>
-              <a:rPr lang="es-ES" dirty="0">
-                <a:solidFill>
-                  <a:srgbClr val="080808"/>
-                </a:solidFill>
-                <a:effectLst/>
-                <a:latin typeface="JetBrains Mono"/>
-              </a:rPr>
-            </a:br>
-            <a:r>
-              <a:rPr lang="es-ES" dirty="0">
-                <a:solidFill>
-                  <a:srgbClr val="080808"/>
-                </a:solidFill>
-                <a:effectLst/>
-                <a:latin typeface="JetBrains Mono"/>
-              </a:rPr>
-              <a:t>    </a:t>
-            </a:r>
-            <a:r>
-              <a:rPr lang="es-ES" dirty="0" err="1">
-                <a:solidFill>
-                  <a:srgbClr val="000000"/>
-                </a:solidFill>
-                <a:effectLst/>
-                <a:latin typeface="JetBrains Mono"/>
-              </a:rPr>
-              <a:t>ClientesController</a:t>
-            </a:r>
-            <a:r>
-              <a:rPr lang="es-ES" dirty="0" err="1">
-                <a:solidFill>
-                  <a:srgbClr val="080808"/>
-                </a:solidFill>
-                <a:effectLst/>
-                <a:latin typeface="JetBrains Mono"/>
-              </a:rPr>
-              <a:t>.</a:t>
-            </a:r>
-            <a:r>
-              <a:rPr lang="es-ES" i="1" dirty="0" err="1">
-                <a:solidFill>
-                  <a:srgbClr val="080808"/>
-                </a:solidFill>
-                <a:effectLst/>
-                <a:latin typeface="JetBrains Mono"/>
-              </a:rPr>
-              <a:t>eliminar</a:t>
-            </a:r>
-            <a:r>
-              <a:rPr lang="es-ES" dirty="0">
-                <a:solidFill>
-                  <a:srgbClr val="080808"/>
-                </a:solidFill>
-                <a:effectLst/>
-                <a:latin typeface="JetBrains Mono"/>
-              </a:rPr>
-              <a:t>(</a:t>
-            </a:r>
-            <a:r>
-              <a:rPr lang="es-ES" dirty="0">
-                <a:solidFill>
-                  <a:srgbClr val="1750EB"/>
-                </a:solidFill>
-                <a:effectLst/>
-                <a:latin typeface="JetBrains Mono"/>
-              </a:rPr>
-              <a:t>2</a:t>
-            </a:r>
-            <a:r>
-              <a:rPr lang="es-ES" dirty="0">
-                <a:solidFill>
-                  <a:srgbClr val="080808"/>
-                </a:solidFill>
-                <a:effectLst/>
-                <a:latin typeface="JetBrains Mono"/>
-              </a:rPr>
-              <a:t>);</a:t>
-            </a:r>
-            <a:br>
-              <a:rPr lang="es-ES" dirty="0">
-                <a:solidFill>
-                  <a:srgbClr val="080808"/>
-                </a:solidFill>
-                <a:effectLst/>
-                <a:latin typeface="JetBrains Mono"/>
-              </a:rPr>
-            </a:br>
-            <a:r>
-              <a:rPr lang="es-ES" dirty="0">
-                <a:solidFill>
-                  <a:srgbClr val="080808"/>
-                </a:solidFill>
-                <a:effectLst/>
-                <a:latin typeface="JetBrains Mono"/>
-              </a:rPr>
-              <a:t>    </a:t>
-            </a:r>
-            <a:r>
-              <a:rPr lang="es-ES" dirty="0" err="1">
-                <a:solidFill>
-                  <a:srgbClr val="000000"/>
-                </a:solidFill>
-                <a:effectLst/>
-                <a:latin typeface="JetBrains Mono"/>
-              </a:rPr>
-              <a:t>ClientesController</a:t>
-            </a:r>
-            <a:r>
-              <a:rPr lang="es-ES" dirty="0" err="1">
-                <a:solidFill>
-                  <a:srgbClr val="080808"/>
-                </a:solidFill>
-                <a:effectLst/>
-                <a:latin typeface="JetBrains Mono"/>
-              </a:rPr>
-              <a:t>.</a:t>
-            </a:r>
-            <a:r>
-              <a:rPr lang="es-ES" i="1" dirty="0" err="1">
-                <a:solidFill>
-                  <a:srgbClr val="080808"/>
-                </a:solidFill>
-                <a:effectLst/>
-                <a:latin typeface="JetBrains Mono"/>
-              </a:rPr>
-              <a:t>eliminar</a:t>
-            </a:r>
-            <a:r>
-              <a:rPr lang="es-ES" dirty="0">
-                <a:solidFill>
-                  <a:srgbClr val="080808"/>
-                </a:solidFill>
-                <a:effectLst/>
-                <a:latin typeface="JetBrains Mono"/>
-              </a:rPr>
-              <a:t>(</a:t>
-            </a:r>
-            <a:r>
-              <a:rPr lang="es-ES" dirty="0">
-                <a:solidFill>
-                  <a:srgbClr val="1750EB"/>
-                </a:solidFill>
-                <a:effectLst/>
-                <a:latin typeface="JetBrains Mono"/>
-              </a:rPr>
-              <a:t>3</a:t>
-            </a:r>
-            <a:r>
-              <a:rPr lang="es-ES" dirty="0">
-                <a:solidFill>
-                  <a:srgbClr val="080808"/>
-                </a:solidFill>
-                <a:effectLst/>
-                <a:latin typeface="JetBrains Mono"/>
-              </a:rPr>
-              <a:t>);</a:t>
-            </a:r>
-            <a:br>
-              <a:rPr lang="es-ES" dirty="0">
-                <a:solidFill>
-                  <a:srgbClr val="080808"/>
-                </a:solidFill>
-                <a:effectLst/>
-                <a:latin typeface="JetBrains Mono"/>
-              </a:rPr>
-            </a:br>
-            <a:r>
-              <a:rPr lang="es-ES" dirty="0">
-                <a:solidFill>
-                  <a:srgbClr val="080808"/>
-                </a:solidFill>
-                <a:effectLst/>
-                <a:latin typeface="JetBrains Mono"/>
-              </a:rPr>
-              <a:t>    </a:t>
-            </a:r>
-            <a:r>
-              <a:rPr lang="es-ES" dirty="0" err="1">
-                <a:solidFill>
-                  <a:srgbClr val="0033B3"/>
-                </a:solidFill>
-                <a:effectLst/>
-                <a:latin typeface="JetBrains Mono"/>
-              </a:rPr>
-              <a:t>int</a:t>
-            </a:r>
-            <a:r>
-              <a:rPr lang="es-ES" dirty="0">
-                <a:solidFill>
-                  <a:srgbClr val="0033B3"/>
-                </a:solidFill>
-                <a:effectLst/>
-                <a:latin typeface="JetBrains Mono"/>
-              </a:rPr>
-              <a:t> </a:t>
-            </a:r>
-            <a:r>
-              <a:rPr lang="es-ES" dirty="0">
-                <a:solidFill>
-                  <a:srgbClr val="000000"/>
-                </a:solidFill>
-                <a:effectLst/>
-                <a:latin typeface="JetBrains Mono"/>
-              </a:rPr>
-              <a:t>long1 </a:t>
-            </a:r>
-            <a:r>
-              <a:rPr lang="es-ES" dirty="0">
-                <a:solidFill>
-                  <a:srgbClr val="080808"/>
-                </a:solidFill>
-                <a:effectLst/>
-                <a:latin typeface="JetBrains Mono"/>
-              </a:rPr>
-              <a:t>= </a:t>
-            </a:r>
-            <a:r>
-              <a:rPr lang="es-ES" dirty="0" err="1">
-                <a:solidFill>
-                  <a:srgbClr val="000000"/>
-                </a:solidFill>
-                <a:effectLst/>
-                <a:latin typeface="JetBrains Mono"/>
-              </a:rPr>
-              <a:t>ClientesController</a:t>
-            </a:r>
-            <a:r>
-              <a:rPr lang="es-ES" dirty="0" err="1">
-                <a:solidFill>
-                  <a:srgbClr val="080808"/>
-                </a:solidFill>
-                <a:effectLst/>
-                <a:latin typeface="JetBrains Mono"/>
-              </a:rPr>
-              <a:t>.</a:t>
-            </a:r>
-            <a:r>
-              <a:rPr lang="es-ES" i="1" dirty="0" err="1">
-                <a:solidFill>
-                  <a:srgbClr val="080808"/>
-                </a:solidFill>
-                <a:effectLst/>
-                <a:latin typeface="JetBrains Mono"/>
-              </a:rPr>
-              <a:t>numeroClientes</a:t>
-            </a:r>
-            <a:r>
-              <a:rPr lang="es-ES" dirty="0">
-                <a:solidFill>
-                  <a:srgbClr val="080808"/>
-                </a:solidFill>
-                <a:effectLst/>
-                <a:latin typeface="JetBrains Mono"/>
-              </a:rPr>
-              <a:t>();</a:t>
-            </a:r>
-            <a:br>
-              <a:rPr lang="es-ES" dirty="0">
-                <a:solidFill>
-                  <a:srgbClr val="080808"/>
-                </a:solidFill>
-                <a:effectLst/>
-                <a:latin typeface="JetBrains Mono"/>
-              </a:rPr>
-            </a:br>
-            <a:r>
-              <a:rPr lang="es-ES" dirty="0">
-                <a:solidFill>
-                  <a:srgbClr val="080808"/>
-                </a:solidFill>
-                <a:effectLst/>
-                <a:latin typeface="JetBrains Mono"/>
-              </a:rPr>
-              <a:t>    </a:t>
-            </a:r>
-            <a:r>
-              <a:rPr lang="es-ES" i="1" dirty="0">
-                <a:solidFill>
-                  <a:srgbClr val="8C8C8C"/>
-                </a:solidFill>
-                <a:effectLst/>
-                <a:latin typeface="JetBrains Mono"/>
-              </a:rPr>
-              <a:t>//</a:t>
-            </a:r>
-            <a:r>
-              <a:rPr lang="es-ES" i="1" dirty="0" err="1">
-                <a:solidFill>
-                  <a:srgbClr val="8C8C8C"/>
-                </a:solidFill>
-                <a:effectLst/>
-                <a:latin typeface="JetBrains Mono"/>
-              </a:rPr>
-              <a:t>when</a:t>
-            </a:r>
-            <a:br>
-              <a:rPr lang="es-ES" i="1" dirty="0">
-                <a:solidFill>
-                  <a:srgbClr val="8C8C8C"/>
-                </a:solidFill>
-                <a:effectLst/>
-                <a:latin typeface="JetBrains Mono"/>
-              </a:rPr>
-            </a:br>
-            <a:r>
-              <a:rPr lang="es-ES" i="1" dirty="0">
-                <a:solidFill>
-                  <a:srgbClr val="8C8C8C"/>
-                </a:solidFill>
-                <a:effectLst/>
-                <a:latin typeface="JetBrains Mono"/>
-              </a:rPr>
-              <a:t>    </a:t>
-            </a:r>
-            <a:r>
-              <a:rPr lang="es-ES" dirty="0" err="1">
-                <a:solidFill>
-                  <a:srgbClr val="000000"/>
-                </a:solidFill>
-                <a:effectLst/>
-                <a:latin typeface="JetBrains Mono"/>
-              </a:rPr>
-              <a:t>ClientesController</a:t>
-            </a:r>
-            <a:r>
-              <a:rPr lang="es-ES" dirty="0" err="1">
-                <a:solidFill>
-                  <a:srgbClr val="080808"/>
-                </a:solidFill>
-                <a:effectLst/>
-                <a:latin typeface="JetBrains Mono"/>
-              </a:rPr>
-              <a:t>.</a:t>
-            </a:r>
-            <a:r>
-              <a:rPr lang="es-ES" i="1" dirty="0" err="1">
-                <a:solidFill>
-                  <a:srgbClr val="080808"/>
-                </a:solidFill>
-                <a:effectLst/>
-                <a:latin typeface="JetBrains Mono"/>
-              </a:rPr>
-              <a:t>mostrarLista</a:t>
-            </a:r>
-            <a:r>
-              <a:rPr lang="es-ES" dirty="0">
-                <a:solidFill>
-                  <a:srgbClr val="080808"/>
-                </a:solidFill>
-                <a:effectLst/>
-                <a:latin typeface="JetBrains Mono"/>
-              </a:rPr>
-              <a:t>();</a:t>
-            </a:r>
-            <a:br>
-              <a:rPr lang="es-ES" dirty="0">
-                <a:solidFill>
-                  <a:srgbClr val="080808"/>
-                </a:solidFill>
-                <a:effectLst/>
-                <a:latin typeface="JetBrains Mono"/>
-              </a:rPr>
-            </a:br>
-            <a:r>
-              <a:rPr lang="es-ES" dirty="0">
-                <a:solidFill>
-                  <a:srgbClr val="080808"/>
-                </a:solidFill>
-                <a:effectLst/>
-                <a:latin typeface="JetBrains Mono"/>
-              </a:rPr>
-              <a:t>    </a:t>
-            </a:r>
-            <a:r>
-              <a:rPr lang="es-ES" i="1" dirty="0">
-                <a:solidFill>
-                  <a:srgbClr val="8C8C8C"/>
-                </a:solidFill>
-                <a:effectLst/>
-                <a:latin typeface="JetBrains Mono"/>
-              </a:rPr>
-              <a:t>//</a:t>
-            </a:r>
-            <a:r>
-              <a:rPr lang="es-ES" i="1" dirty="0" err="1">
-                <a:solidFill>
-                  <a:srgbClr val="8C8C8C"/>
-                </a:solidFill>
-                <a:effectLst/>
-                <a:latin typeface="JetBrains Mono"/>
-              </a:rPr>
-              <a:t>then</a:t>
-            </a:r>
-            <a:br>
-              <a:rPr lang="es-ES" i="1" dirty="0">
-                <a:solidFill>
-                  <a:srgbClr val="8C8C8C"/>
-                </a:solidFill>
-                <a:effectLst/>
-                <a:latin typeface="JetBrains Mono"/>
-              </a:rPr>
-            </a:br>
-            <a:r>
-              <a:rPr lang="es-ES" i="1" dirty="0">
-                <a:solidFill>
-                  <a:srgbClr val="8C8C8C"/>
-                </a:solidFill>
-                <a:effectLst/>
-                <a:latin typeface="JetBrains Mono"/>
-              </a:rPr>
-              <a:t>    </a:t>
-            </a:r>
-            <a:r>
-              <a:rPr lang="es-ES" i="1" dirty="0" err="1">
-                <a:solidFill>
-                  <a:srgbClr val="080808"/>
-                </a:solidFill>
-                <a:effectLst/>
-                <a:latin typeface="JetBrains Mono"/>
-              </a:rPr>
-              <a:t>assertEquals</a:t>
-            </a:r>
-            <a:r>
-              <a:rPr lang="es-ES" dirty="0">
-                <a:solidFill>
-                  <a:srgbClr val="080808"/>
-                </a:solidFill>
-                <a:effectLst/>
-                <a:latin typeface="JetBrains Mono"/>
-              </a:rPr>
-              <a:t>(</a:t>
-            </a:r>
-            <a:r>
-              <a:rPr lang="es-ES" dirty="0">
-                <a:solidFill>
-                  <a:srgbClr val="1750EB"/>
-                </a:solidFill>
-                <a:effectLst/>
-                <a:latin typeface="JetBrains Mono"/>
-              </a:rPr>
-              <a:t>0</a:t>
-            </a:r>
-            <a:r>
-              <a:rPr lang="es-ES" dirty="0">
-                <a:solidFill>
-                  <a:srgbClr val="080808"/>
-                </a:solidFill>
-                <a:effectLst/>
-                <a:latin typeface="JetBrains Mono"/>
-              </a:rPr>
-              <a:t>, </a:t>
-            </a:r>
-            <a:r>
-              <a:rPr lang="es-ES" dirty="0">
-                <a:solidFill>
-                  <a:srgbClr val="000000"/>
-                </a:solidFill>
-                <a:effectLst/>
-                <a:latin typeface="JetBrains Mono"/>
-              </a:rPr>
-              <a:t>long1</a:t>
-            </a:r>
-            <a:r>
-              <a:rPr lang="es-ES" dirty="0">
-                <a:solidFill>
-                  <a:srgbClr val="080808"/>
-                </a:solidFill>
-                <a:effectLst/>
-                <a:latin typeface="JetBrains Mono"/>
-              </a:rPr>
-              <a:t>);</a:t>
-            </a:r>
-            <a:br>
-              <a:rPr lang="es-ES" dirty="0">
-                <a:solidFill>
-                  <a:srgbClr val="080808"/>
-                </a:solidFill>
-                <a:effectLst/>
-                <a:latin typeface="JetBrains Mono"/>
-              </a:rPr>
-            </a:br>
-            <a:r>
-              <a:rPr lang="es-ES" dirty="0">
-                <a:solidFill>
-                  <a:srgbClr val="080808"/>
-                </a:solidFill>
-                <a:effectLst/>
-                <a:latin typeface="JetBrains Mono"/>
-              </a:rPr>
-              <a:t>}</a:t>
-            </a:r>
-          </a:p>
-        </p:txBody>
-      </p:sp>
-      <p:pic>
-        <p:nvPicPr>
-          <p:cNvPr id="5" name="Imagen 4">
-            <a:extLst>
-              <a:ext uri="{FF2B5EF4-FFF2-40B4-BE49-F238E27FC236}">
-                <a16:creationId xmlns:a16="http://schemas.microsoft.com/office/drawing/2014/main" id="{77E68A0A-74FB-B524-FC62-82D76DFD1473}"/>
-              </a:ext>
-            </a:extLst>
-          </p:cNvPr>
-          <p:cNvPicPr>
-            <a:picLocks noChangeAspect="1"/>
-          </p:cNvPicPr>
-          <p:nvPr/>
-        </p:nvPicPr>
-        <p:blipFill>
-          <a:blip r:embed="rId2"/>
-          <a:stretch>
-            <a:fillRect/>
-          </a:stretch>
-        </p:blipFill>
-        <p:spPr>
-          <a:xfrm>
-            <a:off x="6322069" y="1815271"/>
-            <a:ext cx="5255688" cy="3404000"/>
-          </a:xfrm>
-          <a:prstGeom prst="rect">
-            <a:avLst/>
-          </a:prstGeom>
-          <a:noFill/>
-        </p:spPr>
-      </p:pic>
-      <p:sp>
-        <p:nvSpPr>
           <p:cNvPr id="9" name="Título 8">
             <a:extLst>
               <a:ext uri="{FF2B5EF4-FFF2-40B4-BE49-F238E27FC236}">
@@ -10563,13 +8882,13 @@
         </p:spPr>
         <p:txBody>
           <a:bodyPr anchor="t">
-            <a:normAutofit/>
+            <a:normAutofit fontScale="90000"/>
           </a:bodyPr>
           <a:lstStyle/>
           <a:p>
             <a:r>
               <a:rPr lang="es-ES" dirty="0"/>
-              <a:t>Reto 3: Test de Integración (historia de usuario 1)</a:t>
+              <a:t>Reto 3: Criterios de aceptación (historia de usuario 4)</a:t>
             </a:r>
           </a:p>
         </p:txBody>
@@ -10614,7 +8933,7 @@
                   <a:spcPts val="600"/>
                 </a:spcAft>
               </a:pPr>
-              <a:t>13</a:t>
+              <a:t>12</a:t>
             </a:fld>
             <a:endParaRPr lang="es-ES"/>
           </a:p>
@@ -10643,7 +8962,9 @@
           </a:xfrm>
         </p:spPr>
         <p:txBody>
-          <a:bodyPr/>
+          <a:bodyPr anchor="ctr">
+            <a:normAutofit/>
+          </a:bodyPr>
           <a:lstStyle/>
           <a:p>
             <a:pPr>
@@ -10652,24 +8973,723 @@
               </a:spcAft>
             </a:pPr>
             <a:r>
+              <a:rPr lang="es-ES"/>
+              <a:t>© 2023 Netmind SLU</a:t>
+            </a:r>
+            <a:endParaRPr lang="es-ES" dirty="0"/>
+          </a:p>
+        </p:txBody>
+      </p:sp>
+      <p:pic>
+        <p:nvPicPr>
+          <p:cNvPr id="5" name="Imagen 4">
+            <a:extLst>
+              <a:ext uri="{FF2B5EF4-FFF2-40B4-BE49-F238E27FC236}">
+                <a16:creationId xmlns:a16="http://schemas.microsoft.com/office/drawing/2014/main" id="{9BB3D2B7-5BEC-80E4-DA31-7437FA630512}"/>
+              </a:ext>
+            </a:extLst>
+          </p:cNvPr>
+          <p:cNvPicPr>
+            <a:picLocks noChangeAspect="1"/>
+          </p:cNvPicPr>
+          <p:nvPr/>
+        </p:nvPicPr>
+        <p:blipFill>
+          <a:blip r:embed="rId2"/>
+          <a:stretch>
+            <a:fillRect/>
+          </a:stretch>
+        </p:blipFill>
+        <p:spPr>
+          <a:xfrm>
+            <a:off x="6537339" y="1919287"/>
+            <a:ext cx="4486275" cy="3019425"/>
+          </a:xfrm>
+          <a:prstGeom prst="rect">
+            <a:avLst/>
+          </a:prstGeom>
+        </p:spPr>
+      </p:pic>
+      <p:sp>
+        <p:nvSpPr>
+          <p:cNvPr id="2" name="Marcador de contenido 9">
+            <a:extLst>
+              <a:ext uri="{FF2B5EF4-FFF2-40B4-BE49-F238E27FC236}">
+                <a16:creationId xmlns:a16="http://schemas.microsoft.com/office/drawing/2014/main" id="{CA8EED0A-9109-D7C2-8F72-4B06E286B59B}"/>
+              </a:ext>
+            </a:extLst>
+          </p:cNvPr>
+          <p:cNvSpPr txBox="1">
+            <a:spLocks/>
+          </p:cNvSpPr>
+          <p:nvPr/>
+        </p:nvSpPr>
+        <p:spPr>
+          <a:xfrm>
+            <a:off x="614244" y="1175737"/>
+            <a:ext cx="5255688" cy="4662534"/>
+          </a:xfrm>
+          <a:prstGeom prst="rect">
+            <a:avLst/>
+          </a:prstGeom>
+        </p:spPr>
+        <p:txBody>
+          <a:bodyPr>
+            <a:normAutofit fontScale="47500" lnSpcReduction="20000"/>
+          </a:bodyPr>
+          <a:lstStyle>
+            <a:lvl1pPr marL="449263" indent="-449263" algn="l" defTabSz="914400" rtl="0" eaLnBrk="1" latinLnBrk="0" hangingPunct="1">
+              <a:lnSpc>
+                <a:spcPct val="90000"/>
+              </a:lnSpc>
+              <a:spcBef>
+                <a:spcPts val="1000"/>
+              </a:spcBef>
+              <a:buFontTx/>
+              <a:buBlip>
+                <a:blip r:embed="rId3"/>
+              </a:buBlip>
+              <a:defRPr sz="2800" kern="1200">
+                <a:solidFill>
+                  <a:schemeClr val="tx2"/>
+                </a:solidFill>
+                <a:latin typeface="+mn-lt"/>
+                <a:ea typeface="+mn-ea"/>
+                <a:cs typeface="+mn-cs"/>
+              </a:defRPr>
+            </a:lvl1pPr>
+            <a:lvl2pPr marL="896938" indent="-439738" algn="l" defTabSz="914400" rtl="0" eaLnBrk="1" latinLnBrk="0" hangingPunct="1">
+              <a:lnSpc>
+                <a:spcPct val="90000"/>
+              </a:lnSpc>
+              <a:spcBef>
+                <a:spcPts val="500"/>
+              </a:spcBef>
+              <a:buFontTx/>
+              <a:buBlip>
+                <a:blip r:embed="rId3"/>
+              </a:buBlip>
+              <a:defRPr sz="2400" kern="1200">
+                <a:solidFill>
+                  <a:schemeClr val="tx2"/>
+                </a:solidFill>
+                <a:latin typeface="+mn-lt"/>
+                <a:ea typeface="+mn-ea"/>
+                <a:cs typeface="+mn-cs"/>
+              </a:defRPr>
+            </a:lvl2pPr>
+            <a:lvl3pPr marL="1346200" indent="-431800" algn="l" defTabSz="914400" rtl="0" eaLnBrk="1" latinLnBrk="0" hangingPunct="1">
+              <a:lnSpc>
+                <a:spcPct val="90000"/>
+              </a:lnSpc>
+              <a:spcBef>
+                <a:spcPts val="500"/>
+              </a:spcBef>
+              <a:buFontTx/>
+              <a:buBlip>
+                <a:blip r:embed="rId3"/>
+              </a:buBlip>
+              <a:defRPr sz="2000" kern="1200">
+                <a:solidFill>
+                  <a:schemeClr val="tx2"/>
+                </a:solidFill>
+                <a:latin typeface="+mn-lt"/>
+                <a:ea typeface="+mn-ea"/>
+                <a:cs typeface="+mn-cs"/>
+              </a:defRPr>
+            </a:lvl3pPr>
+            <a:lvl4pPr marL="1600200" indent="-228600" algn="l" defTabSz="914400" rtl="0" eaLnBrk="1" latinLnBrk="0" hangingPunct="1">
+              <a:lnSpc>
+                <a:spcPct val="90000"/>
+              </a:lnSpc>
+              <a:spcBef>
+                <a:spcPts val="500"/>
+              </a:spcBef>
+              <a:buFont typeface="Arial" panose="020B0604020202020204" pitchFamily="34" charset="0"/>
+              <a:buChar char="•"/>
+              <a:defRPr sz="1800" kern="1200">
+                <a:solidFill>
+                  <a:schemeClr val="tx1"/>
+                </a:solidFill>
+                <a:latin typeface="+mn-lt"/>
+                <a:ea typeface="+mn-ea"/>
+                <a:cs typeface="+mn-cs"/>
+              </a:defRPr>
+            </a:lvl4pPr>
+            <a:lvl5pPr marL="2057400" indent="-228600" algn="l" defTabSz="914400" rtl="0" eaLnBrk="1" latinLnBrk="0" hangingPunct="1">
+              <a:lnSpc>
+                <a:spcPct val="90000"/>
+              </a:lnSpc>
+              <a:spcBef>
+                <a:spcPts val="500"/>
+              </a:spcBef>
+              <a:buFont typeface="Arial" panose="020B0604020202020204" pitchFamily="34" charset="0"/>
+              <a:buChar char="•"/>
+              <a:defRPr sz="1800" kern="1200">
+                <a:solidFill>
+                  <a:schemeClr val="tx1"/>
+                </a:solidFill>
+                <a:latin typeface="+mn-lt"/>
+                <a:ea typeface="+mn-ea"/>
+                <a:cs typeface="+mn-cs"/>
+              </a:defRPr>
+            </a:lvl5pPr>
+            <a:lvl6pPr marL="2514600" indent="-228600" algn="l" defTabSz="914400" rtl="0" eaLnBrk="1" latinLnBrk="0" hangingPunct="1">
+              <a:lnSpc>
+                <a:spcPct val="90000"/>
+              </a:lnSpc>
+              <a:spcBef>
+                <a:spcPts val="500"/>
+              </a:spcBef>
+              <a:buFont typeface="Arial" panose="020B0604020202020204" pitchFamily="34" charset="0"/>
+              <a:buChar char="•"/>
+              <a:defRPr sz="1800" kern="1200">
+                <a:solidFill>
+                  <a:schemeClr val="tx1"/>
+                </a:solidFill>
+                <a:latin typeface="+mn-lt"/>
+                <a:ea typeface="+mn-ea"/>
+                <a:cs typeface="+mn-cs"/>
+              </a:defRPr>
+            </a:lvl6pPr>
+            <a:lvl7pPr marL="2971800" indent="-228600" algn="l" defTabSz="914400" rtl="0" eaLnBrk="1" latinLnBrk="0" hangingPunct="1">
+              <a:lnSpc>
+                <a:spcPct val="90000"/>
+              </a:lnSpc>
+              <a:spcBef>
+                <a:spcPts val="500"/>
+              </a:spcBef>
+              <a:buFont typeface="Arial" panose="020B0604020202020204" pitchFamily="34" charset="0"/>
+              <a:buChar char="•"/>
+              <a:defRPr sz="1800" kern="1200">
+                <a:solidFill>
+                  <a:schemeClr val="tx1"/>
+                </a:solidFill>
+                <a:latin typeface="+mn-lt"/>
+                <a:ea typeface="+mn-ea"/>
+                <a:cs typeface="+mn-cs"/>
+              </a:defRPr>
+            </a:lvl7pPr>
+            <a:lvl8pPr marL="3429000" indent="-228600" algn="l" defTabSz="914400" rtl="0" eaLnBrk="1" latinLnBrk="0" hangingPunct="1">
+              <a:lnSpc>
+                <a:spcPct val="90000"/>
+              </a:lnSpc>
+              <a:spcBef>
+                <a:spcPts val="500"/>
+              </a:spcBef>
+              <a:buFont typeface="Arial" panose="020B0604020202020204" pitchFamily="34" charset="0"/>
+              <a:buChar char="•"/>
+              <a:defRPr sz="1800" kern="1200">
+                <a:solidFill>
+                  <a:schemeClr val="tx1"/>
+                </a:solidFill>
+                <a:latin typeface="+mn-lt"/>
+                <a:ea typeface="+mn-ea"/>
+                <a:cs typeface="+mn-cs"/>
+              </a:defRPr>
+            </a:lvl8pPr>
+            <a:lvl9pPr marL="3886200" indent="-228600" algn="l" defTabSz="914400" rtl="0" eaLnBrk="1" latinLnBrk="0" hangingPunct="1">
+              <a:lnSpc>
+                <a:spcPct val="90000"/>
+              </a:lnSpc>
+              <a:spcBef>
+                <a:spcPts val="500"/>
+              </a:spcBef>
+              <a:buFont typeface="Arial" panose="020B0604020202020204" pitchFamily="34" charset="0"/>
+              <a:buChar char="•"/>
+              <a:defRPr sz="1800" kern="1200">
+                <a:solidFill>
+                  <a:schemeClr val="tx1"/>
+                </a:solidFill>
+                <a:latin typeface="+mn-lt"/>
+                <a:ea typeface="+mn-ea"/>
+                <a:cs typeface="+mn-cs"/>
+              </a:defRPr>
+            </a:lvl9pPr>
+          </a:lstStyle>
+          <a:p>
+            <a:r>
+              <a:rPr lang="es-ES" b="1" dirty="0"/>
+              <a:t>Historia Usuario 4</a:t>
+            </a:r>
+          </a:p>
+          <a:p>
+            <a:pPr marL="0" indent="0">
+              <a:buFontTx/>
+              <a:buNone/>
+            </a:pPr>
+            <a:endParaRPr lang="es-ES" dirty="0"/>
+          </a:p>
+          <a:p>
+            <a:pPr marL="0" indent="0">
+              <a:buFontTx/>
+              <a:buNone/>
+            </a:pPr>
+            <a:r>
+              <a:rPr lang="es-ES" b="1" dirty="0"/>
+              <a:t>Nombre de historia: </a:t>
+            </a:r>
+            <a:r>
               <a:rPr lang="es-ES" dirty="0"/>
-              <a:t>© 2023 </a:t>
+              <a:t>Modificar datos de un cliente.</a:t>
+            </a:r>
+          </a:p>
+          <a:p>
+            <a:pPr marL="0" indent="0">
+              <a:buFontTx/>
+              <a:buNone/>
+            </a:pPr>
+            <a:r>
+              <a:rPr lang="es-ES" b="1" dirty="0"/>
+              <a:t>Descripción:</a:t>
+            </a:r>
+            <a:r>
+              <a:rPr lang="es-ES" dirty="0"/>
+              <a:t> Como usuario del sistema, quiero poder modificar los datos de un cliente para mantenerlos actualizados.</a:t>
+            </a:r>
+          </a:p>
+          <a:p>
+            <a:pPr marL="0" indent="0">
+              <a:buFontTx/>
+              <a:buNone/>
+            </a:pPr>
+            <a:endParaRPr lang="es-ES" dirty="0"/>
+          </a:p>
+          <a:p>
+            <a:pPr marL="0" indent="0">
+              <a:buFontTx/>
+              <a:buNone/>
+            </a:pPr>
+            <a:r>
+              <a:rPr lang="es-ES" b="1" dirty="0"/>
+              <a:t>Escenario 1: Modificar cliente cuando datos OK (</a:t>
+            </a:r>
+            <a:r>
+              <a:rPr lang="es-ES" b="1" dirty="0" err="1"/>
+              <a:t>Happy</a:t>
+            </a:r>
+            <a:r>
+              <a:rPr lang="es-ES" b="1" dirty="0"/>
+              <a:t> </a:t>
+            </a:r>
+            <a:r>
+              <a:rPr lang="es-ES" b="1" dirty="0" err="1"/>
+              <a:t>Path</a:t>
+            </a:r>
+            <a:r>
+              <a:rPr lang="es-ES" b="1" dirty="0"/>
+              <a:t>)</a:t>
+            </a:r>
+          </a:p>
+          <a:p>
+            <a:pPr lvl="1">
+              <a:buFont typeface="Arial" panose="020B0604020202020204" pitchFamily="34" charset="0"/>
+              <a:buChar char="•"/>
+            </a:pPr>
+            <a:r>
+              <a:rPr lang="es-ES" b="1" dirty="0"/>
+              <a:t>Dado</a:t>
+            </a:r>
+            <a:r>
+              <a:rPr lang="es-ES" dirty="0"/>
+              <a:t> que un usuario ha accedido a la operativa.</a:t>
+            </a:r>
+          </a:p>
+          <a:p>
+            <a:pPr lvl="1">
+              <a:buFont typeface="Arial" panose="020B0604020202020204" pitchFamily="34" charset="0"/>
+              <a:buChar char="•"/>
+            </a:pPr>
+            <a:r>
+              <a:rPr lang="es-ES" b="1" dirty="0"/>
+              <a:t>Cuando</a:t>
+            </a:r>
+            <a:r>
+              <a:rPr lang="es-ES" dirty="0"/>
+              <a:t> el usuario quiere modificar los datos de un cliente válido.</a:t>
+            </a:r>
+          </a:p>
+          <a:p>
+            <a:pPr lvl="1">
+              <a:buFont typeface="Arial" panose="020B0604020202020204" pitchFamily="34" charset="0"/>
+              <a:buChar char="•"/>
+            </a:pPr>
+            <a:r>
+              <a:rPr lang="es-ES" b="1" dirty="0"/>
+              <a:t>Entonces</a:t>
+            </a:r>
+            <a:r>
+              <a:rPr lang="es-ES" dirty="0"/>
+              <a:t> el usuario debería ver modificado el cliente que ha actualizado:</a:t>
+            </a:r>
+          </a:p>
+          <a:p>
+            <a:pPr lvl="2">
+              <a:buFont typeface="Courier New" panose="02070309020205020404" pitchFamily="49" charset="0"/>
+              <a:buChar char="o"/>
+            </a:pPr>
+            <a:r>
+              <a:rPr lang="es-ES" dirty="0"/>
+              <a:t>Se ha actualizado el cliente correctamente en el repositorio BB.DD.</a:t>
+            </a:r>
+          </a:p>
+          <a:p>
+            <a:pPr marL="0" indent="0">
+              <a:buFontTx/>
+              <a:buNone/>
+            </a:pPr>
+            <a:endParaRPr lang="es-ES" dirty="0"/>
+          </a:p>
+          <a:p>
+            <a:pPr marL="0" indent="0">
+              <a:buFontTx/>
+              <a:buNone/>
+            </a:pPr>
+            <a:r>
+              <a:rPr lang="es-ES" b="1" dirty="0"/>
+              <a:t>Escenario 2: Modificar cliente cuando datos NOK (Negativo/Alternativo)</a:t>
+            </a:r>
+          </a:p>
+          <a:p>
+            <a:pPr lvl="1">
+              <a:buFont typeface="Arial" panose="020B0604020202020204" pitchFamily="34" charset="0"/>
+              <a:buChar char="•"/>
+            </a:pPr>
+            <a:r>
+              <a:rPr lang="es-ES" b="1" dirty="0"/>
+              <a:t>Dado</a:t>
+            </a:r>
+            <a:r>
+              <a:rPr lang="es-ES" dirty="0"/>
+              <a:t> que un usuario ha accedido a la operativa.</a:t>
+            </a:r>
+          </a:p>
+          <a:p>
+            <a:pPr lvl="1">
+              <a:buFont typeface="Arial" panose="020B0604020202020204" pitchFamily="34" charset="0"/>
+              <a:buChar char="•"/>
+            </a:pPr>
+            <a:r>
+              <a:rPr lang="es-ES" b="1" dirty="0"/>
+              <a:t>Cuando</a:t>
+            </a:r>
+            <a:r>
+              <a:rPr lang="es-ES" dirty="0"/>
+              <a:t> el usuario quiere modificar los datos de un cliente NO válido.</a:t>
+            </a:r>
+          </a:p>
+          <a:p>
+            <a:pPr lvl="1">
+              <a:buFont typeface="Arial" panose="020B0604020202020204" pitchFamily="34" charset="0"/>
+              <a:buChar char="•"/>
+            </a:pPr>
+            <a:r>
+              <a:rPr lang="es-ES" b="1" dirty="0"/>
+              <a:t>Entonces</a:t>
+            </a:r>
+            <a:r>
+              <a:rPr lang="es-ES" dirty="0"/>
+              <a:t> el usuario no verá modificado el cliente porque no se ha actualizado al no ser válido:</a:t>
+            </a:r>
+          </a:p>
+          <a:p>
+            <a:pPr lvl="2">
+              <a:buFont typeface="Courier New" panose="02070309020205020404" pitchFamily="49" charset="0"/>
+              <a:buChar char="o"/>
+            </a:pPr>
+            <a:r>
+              <a:rPr lang="es-ES" dirty="0"/>
+              <a:t>No se ha actualizado el cliente en el repositorio BB.DD.</a:t>
+            </a:r>
+          </a:p>
+          <a:p>
+            <a:pPr lvl="2">
+              <a:buFont typeface="Courier New" panose="02070309020205020404" pitchFamily="49" charset="0"/>
+              <a:buChar char="o"/>
+            </a:pPr>
+            <a:r>
+              <a:rPr lang="es-ES" dirty="0"/>
+              <a:t>Se genera una excepción </a:t>
             </a:r>
             <a:r>
               <a:rPr lang="es-ES" dirty="0" err="1"/>
-              <a:t>Netmind</a:t>
-            </a:r>
-            <a:r>
-              <a:rPr lang="es-ES" dirty="0"/>
-              <a:t> SLU</a:t>
-            </a:r>
+              <a:t>ClienteException</a:t>
+            </a:r>
+            <a:endParaRPr lang="es-ES" dirty="0"/>
           </a:p>
         </p:txBody>
       </p:sp>
     </p:spTree>
     <p:extLst>
       <p:ext uri="{BB962C8B-B14F-4D97-AF65-F5344CB8AC3E}">
-        <p14:creationId xmlns:p14="http://schemas.microsoft.com/office/powerpoint/2010/main" val="2843174429"/>
+        <p14:creationId xmlns:p14="http://schemas.microsoft.com/office/powerpoint/2010/main" val="1492233399"/>
+      </p:ext>
+    </p:extLst>
+  </p:cSld>
+  <p:clrMapOvr>
+    <a:masterClrMapping/>
+  </p:clrMapOvr>
+</p:sld>
+</file>
+
+<file path=ppt/slides/slide13.xml><?xml version="1.0" encoding="utf-8"?>
+<p:sld xmlns:a="http://schemas.openxmlformats.org/drawingml/2006/main" xmlns:r="http://schemas.openxmlformats.org/officeDocument/2006/relationships" xmlns:p="http://schemas.openxmlformats.org/presentationml/2006/main">
+  <p:cSld>
+    <p:spTree>
+      <p:nvGrpSpPr>
+        <p:cNvPr id="1" name=""/>
+        <p:cNvGrpSpPr/>
+        <p:nvPr/>
+      </p:nvGrpSpPr>
+      <p:grpSpPr>
+        <a:xfrm>
+          <a:off x="0" y="0"/>
+          <a:ext cx="0" cy="0"/>
+          <a:chOff x="0" y="0"/>
+          <a:chExt cx="0" cy="0"/>
+        </a:xfrm>
+      </p:grpSpPr>
+      <p:sp>
+        <p:nvSpPr>
+          <p:cNvPr id="2" name="object 2"/>
+          <p:cNvSpPr txBox="1">
+            <a:spLocks noGrp="1"/>
+          </p:cNvSpPr>
+          <p:nvPr>
+            <p:ph type="title"/>
+          </p:nvPr>
+        </p:nvSpPr>
+        <p:spPr>
+          <a:xfrm>
+            <a:off x="2907575" y="4176817"/>
+            <a:ext cx="6347766" cy="751488"/>
+          </a:xfrm>
+          <a:prstGeom prst="rect">
+            <a:avLst/>
+          </a:prstGeom>
+        </p:spPr>
+        <p:txBody>
+          <a:bodyPr vert="horz" wrap="square" lIns="0" tIns="12700" rIns="0" bIns="0" rtlCol="0">
+            <a:spAutoFit/>
+          </a:bodyPr>
+          <a:lstStyle/>
+          <a:p>
+            <a:pPr marL="12700" algn="ctr">
+              <a:lnSpc>
+                <a:spcPct val="100000"/>
+              </a:lnSpc>
+              <a:spcBef>
+                <a:spcPts val="100"/>
+              </a:spcBef>
+            </a:pPr>
+            <a:r>
+              <a:rPr lang="es-ES" sz="4800" b="0" spc="-10" dirty="0">
+                <a:latin typeface="Tahoma"/>
+                <a:cs typeface="Tahoma"/>
+              </a:rPr>
+              <a:t>Pruebas Unitarias</a:t>
+            </a:r>
+            <a:endParaRPr sz="4800" dirty="0">
+              <a:latin typeface="Tahoma"/>
+              <a:cs typeface="Tahoma"/>
+            </a:endParaRPr>
+          </a:p>
+        </p:txBody>
+      </p:sp>
+      <p:sp>
+        <p:nvSpPr>
+          <p:cNvPr id="6" name="object 6"/>
+          <p:cNvSpPr txBox="1"/>
+          <p:nvPr/>
+        </p:nvSpPr>
+        <p:spPr>
+          <a:xfrm>
+            <a:off x="351231" y="6555080"/>
+            <a:ext cx="988694" cy="136576"/>
+          </a:xfrm>
+          <a:prstGeom prst="rect">
+            <a:avLst/>
+          </a:prstGeom>
+        </p:spPr>
+        <p:txBody>
+          <a:bodyPr vert="horz" wrap="square" lIns="0" tIns="13335" rIns="0" bIns="0" rtlCol="0">
+            <a:spAutoFit/>
+          </a:bodyPr>
+          <a:lstStyle/>
+          <a:p>
+            <a:pPr marL="12700">
+              <a:lnSpc>
+                <a:spcPct val="100000"/>
+              </a:lnSpc>
+              <a:spcBef>
+                <a:spcPts val="105"/>
+              </a:spcBef>
+            </a:pPr>
+            <a:r>
+              <a:rPr sz="800" dirty="0">
+                <a:solidFill>
+                  <a:srgbClr val="FFFFFF"/>
+                </a:solidFill>
+                <a:latin typeface="Tahoma"/>
+                <a:cs typeface="Tahoma"/>
+              </a:rPr>
+              <a:t>©</a:t>
+            </a:r>
+            <a:r>
+              <a:rPr sz="800" spc="-30" dirty="0">
+                <a:solidFill>
+                  <a:srgbClr val="FFFFFF"/>
+                </a:solidFill>
+                <a:latin typeface="Tahoma"/>
+                <a:cs typeface="Tahoma"/>
+              </a:rPr>
+              <a:t> </a:t>
+            </a:r>
+            <a:r>
+              <a:rPr sz="800" dirty="0">
+                <a:solidFill>
+                  <a:srgbClr val="FFFFFF"/>
+                </a:solidFill>
+                <a:latin typeface="Tahoma"/>
+                <a:cs typeface="Tahoma"/>
+              </a:rPr>
+              <a:t>202</a:t>
+            </a:r>
+            <a:r>
+              <a:rPr lang="es-ES" sz="800" dirty="0">
+                <a:solidFill>
+                  <a:srgbClr val="FFFFFF"/>
+                </a:solidFill>
+                <a:latin typeface="Tahoma"/>
+                <a:cs typeface="Tahoma"/>
+              </a:rPr>
+              <a:t>3</a:t>
+            </a:r>
+            <a:r>
+              <a:rPr sz="800" spc="-35" dirty="0">
+                <a:solidFill>
+                  <a:srgbClr val="FFFFFF"/>
+                </a:solidFill>
+                <a:latin typeface="Tahoma"/>
+                <a:cs typeface="Tahoma"/>
+              </a:rPr>
+              <a:t> </a:t>
+            </a:r>
+            <a:r>
+              <a:rPr sz="800" dirty="0">
+                <a:solidFill>
+                  <a:srgbClr val="FFFFFF"/>
+                </a:solidFill>
+                <a:latin typeface="Tahoma"/>
+                <a:cs typeface="Tahoma"/>
+              </a:rPr>
+              <a:t>Netmind</a:t>
+            </a:r>
+            <a:r>
+              <a:rPr sz="800" spc="-5" dirty="0">
+                <a:solidFill>
+                  <a:srgbClr val="FFFFFF"/>
+                </a:solidFill>
+                <a:latin typeface="Tahoma"/>
+                <a:cs typeface="Tahoma"/>
+              </a:rPr>
+              <a:t> </a:t>
+            </a:r>
+            <a:r>
+              <a:rPr sz="800" spc="-25" dirty="0">
+                <a:solidFill>
+                  <a:srgbClr val="FFFFFF"/>
+                </a:solidFill>
+                <a:latin typeface="Tahoma"/>
+                <a:cs typeface="Tahoma"/>
+              </a:rPr>
+              <a:t>SLU</a:t>
+            </a:r>
+            <a:endParaRPr sz="800" dirty="0">
+              <a:latin typeface="Tahoma"/>
+              <a:cs typeface="Tahoma"/>
+            </a:endParaRPr>
+          </a:p>
+        </p:txBody>
+      </p:sp>
+      <p:sp>
+        <p:nvSpPr>
+          <p:cNvPr id="7" name="object 7"/>
+          <p:cNvSpPr txBox="1"/>
+          <p:nvPr/>
+        </p:nvSpPr>
+        <p:spPr>
+          <a:xfrm>
+            <a:off x="11727810" y="6555081"/>
+            <a:ext cx="179202" cy="136576"/>
+          </a:xfrm>
+          <a:prstGeom prst="rect">
+            <a:avLst/>
+          </a:prstGeom>
+        </p:spPr>
+        <p:txBody>
+          <a:bodyPr vert="horz" wrap="square" lIns="0" tIns="13335" rIns="0" bIns="0" rtlCol="0">
+            <a:spAutoFit/>
+          </a:bodyPr>
+          <a:lstStyle/>
+          <a:p>
+            <a:pPr marL="38100">
+              <a:lnSpc>
+                <a:spcPct val="100000"/>
+              </a:lnSpc>
+              <a:spcBef>
+                <a:spcPts val="105"/>
+              </a:spcBef>
+            </a:pPr>
+            <a:fld id="{81D60167-4931-47E6-BA6A-407CBD079E47}" type="slidenum">
+              <a:rPr sz="800" dirty="0">
+                <a:solidFill>
+                  <a:srgbClr val="FFFFFF"/>
+                </a:solidFill>
+                <a:latin typeface="Tahoma"/>
+                <a:cs typeface="Tahoma"/>
+              </a:rPr>
+              <a:t>13</a:t>
+            </a:fld>
+            <a:endParaRPr sz="800" dirty="0">
+              <a:latin typeface="Tahoma"/>
+              <a:cs typeface="Tahoma"/>
+            </a:endParaRPr>
+          </a:p>
+        </p:txBody>
+      </p:sp>
+      <p:pic>
+        <p:nvPicPr>
+          <p:cNvPr id="8" name="object 4">
+            <a:extLst>
+              <a:ext uri="{FF2B5EF4-FFF2-40B4-BE49-F238E27FC236}">
+                <a16:creationId xmlns:a16="http://schemas.microsoft.com/office/drawing/2014/main" id="{2DC3A10A-AE65-94C4-206D-8FFDF2A9686F}"/>
+              </a:ext>
+            </a:extLst>
+          </p:cNvPr>
+          <p:cNvPicPr/>
+          <p:nvPr/>
+        </p:nvPicPr>
+        <p:blipFill>
+          <a:blip r:embed="rId2" cstate="print"/>
+          <a:stretch>
+            <a:fillRect/>
+          </a:stretch>
+        </p:blipFill>
+        <p:spPr>
+          <a:xfrm>
+            <a:off x="4229036" y="831707"/>
+            <a:ext cx="3704844" cy="3200400"/>
+          </a:xfrm>
+          <a:prstGeom prst="rect">
+            <a:avLst/>
+          </a:prstGeom>
+        </p:spPr>
+      </p:pic>
+    </p:spTree>
+    <p:extLst>
+      <p:ext uri="{BB962C8B-B14F-4D97-AF65-F5344CB8AC3E}">
+        <p14:creationId xmlns:p14="http://schemas.microsoft.com/office/powerpoint/2010/main" val="3368763525"/>
       </p:ext>
     </p:extLst>
   </p:cSld>
@@ -10696,37 +9716,6 @@
           <a:chExt cx="0" cy="0"/>
         </a:xfrm>
       </p:grpSpPr>
-      <p:pic>
-        <p:nvPicPr>
-          <p:cNvPr id="3" name="Imagen 2">
-            <a:extLst>
-              <a:ext uri="{FF2B5EF4-FFF2-40B4-BE49-F238E27FC236}">
-                <a16:creationId xmlns:a16="http://schemas.microsoft.com/office/drawing/2014/main" id="{C3194C87-2C30-35F9-E585-61E4E38CF484}"/>
-              </a:ext>
-            </a:extLst>
-          </p:cNvPr>
-          <p:cNvPicPr>
-            <a:picLocks noChangeAspect="1"/>
-          </p:cNvPicPr>
-          <p:nvPr/>
-        </p:nvPicPr>
-        <p:blipFill>
-          <a:blip r:embed="rId2"/>
-          <a:stretch>
-            <a:fillRect/>
-          </a:stretch>
-        </p:blipFill>
-        <p:spPr>
-          <a:xfrm>
-            <a:off x="6322069" y="1771026"/>
-            <a:ext cx="5255688" cy="3492489"/>
-          </a:xfrm>
-          <a:prstGeom prst="rect">
-            <a:avLst/>
-          </a:prstGeom>
-          <a:noFill/>
-        </p:spPr>
-      </p:pic>
       <p:sp>
         <p:nvSpPr>
           <p:cNvPr id="9" name="Título 8">
@@ -10757,7 +9746,7 @@
           <a:p>
             <a:r>
               <a:rPr lang="es-ES" dirty="0"/>
-              <a:t>Reto 3: Test de Integración (historia de usuario 2)</a:t>
+              <a:t>Reto 3: Test Unitario</a:t>
             </a:r>
           </a:p>
         </p:txBody>
@@ -10842,6 +9831,3275 @@
               </a:spcAft>
             </a:pPr>
             <a:r>
+              <a:rPr lang="es-ES"/>
+              <a:t>© 2023 Netmind SLU</a:t>
+            </a:r>
+            <a:endParaRPr lang="es-ES" dirty="0"/>
+          </a:p>
+        </p:txBody>
+      </p:sp>
+      <p:sp>
+        <p:nvSpPr>
+          <p:cNvPr id="6" name="Marcador de contenido 9">
+            <a:extLst>
+              <a:ext uri="{FF2B5EF4-FFF2-40B4-BE49-F238E27FC236}">
+                <a16:creationId xmlns:a16="http://schemas.microsoft.com/office/drawing/2014/main" id="{62E6DE51-6333-8C22-3E2C-AA946C60F739}"/>
+              </a:ext>
+            </a:extLst>
+          </p:cNvPr>
+          <p:cNvSpPr txBox="1">
+            <a:spLocks/>
+          </p:cNvSpPr>
+          <p:nvPr/>
+        </p:nvSpPr>
+        <p:spPr>
+          <a:xfrm>
+            <a:off x="614243" y="1175736"/>
+            <a:ext cx="10467613" cy="5157951"/>
+          </a:xfrm>
+          <a:prstGeom prst="rect">
+            <a:avLst/>
+          </a:prstGeom>
+        </p:spPr>
+        <p:txBody>
+          <a:bodyPr>
+            <a:normAutofit fontScale="40000" lnSpcReduction="20000"/>
+          </a:bodyPr>
+          <a:lstStyle>
+            <a:lvl1pPr marL="449263" indent="-449263" algn="l" defTabSz="914400" rtl="0" eaLnBrk="1" latinLnBrk="0" hangingPunct="1">
+              <a:lnSpc>
+                <a:spcPct val="90000"/>
+              </a:lnSpc>
+              <a:spcBef>
+                <a:spcPts val="1000"/>
+              </a:spcBef>
+              <a:buFontTx/>
+              <a:buBlip>
+                <a:blip r:embed="rId2"/>
+              </a:buBlip>
+              <a:defRPr sz="2800" kern="1200">
+                <a:solidFill>
+                  <a:schemeClr val="tx2"/>
+                </a:solidFill>
+                <a:latin typeface="+mn-lt"/>
+                <a:ea typeface="+mn-ea"/>
+                <a:cs typeface="+mn-cs"/>
+              </a:defRPr>
+            </a:lvl1pPr>
+            <a:lvl2pPr marL="896938" indent="-439738" algn="l" defTabSz="914400" rtl="0" eaLnBrk="1" latinLnBrk="0" hangingPunct="1">
+              <a:lnSpc>
+                <a:spcPct val="90000"/>
+              </a:lnSpc>
+              <a:spcBef>
+                <a:spcPts val="500"/>
+              </a:spcBef>
+              <a:buFontTx/>
+              <a:buBlip>
+                <a:blip r:embed="rId2"/>
+              </a:buBlip>
+              <a:defRPr sz="2400" kern="1200">
+                <a:solidFill>
+                  <a:schemeClr val="tx2"/>
+                </a:solidFill>
+                <a:latin typeface="+mn-lt"/>
+                <a:ea typeface="+mn-ea"/>
+                <a:cs typeface="+mn-cs"/>
+              </a:defRPr>
+            </a:lvl2pPr>
+            <a:lvl3pPr marL="1346200" indent="-431800" algn="l" defTabSz="914400" rtl="0" eaLnBrk="1" latinLnBrk="0" hangingPunct="1">
+              <a:lnSpc>
+                <a:spcPct val="90000"/>
+              </a:lnSpc>
+              <a:spcBef>
+                <a:spcPts val="500"/>
+              </a:spcBef>
+              <a:buFontTx/>
+              <a:buBlip>
+                <a:blip r:embed="rId2"/>
+              </a:buBlip>
+              <a:defRPr sz="2000" kern="1200">
+                <a:solidFill>
+                  <a:schemeClr val="tx2"/>
+                </a:solidFill>
+                <a:latin typeface="+mn-lt"/>
+                <a:ea typeface="+mn-ea"/>
+                <a:cs typeface="+mn-cs"/>
+              </a:defRPr>
+            </a:lvl3pPr>
+            <a:lvl4pPr marL="1600200" indent="-228600" algn="l" defTabSz="914400" rtl="0" eaLnBrk="1" latinLnBrk="0" hangingPunct="1">
+              <a:lnSpc>
+                <a:spcPct val="90000"/>
+              </a:lnSpc>
+              <a:spcBef>
+                <a:spcPts val="500"/>
+              </a:spcBef>
+              <a:buFont typeface="Arial" panose="020B0604020202020204" pitchFamily="34" charset="0"/>
+              <a:buChar char="•"/>
+              <a:defRPr sz="1800" kern="1200">
+                <a:solidFill>
+                  <a:schemeClr val="tx1"/>
+                </a:solidFill>
+                <a:latin typeface="+mn-lt"/>
+                <a:ea typeface="+mn-ea"/>
+                <a:cs typeface="+mn-cs"/>
+              </a:defRPr>
+            </a:lvl4pPr>
+            <a:lvl5pPr marL="2057400" indent="-228600" algn="l" defTabSz="914400" rtl="0" eaLnBrk="1" latinLnBrk="0" hangingPunct="1">
+              <a:lnSpc>
+                <a:spcPct val="90000"/>
+              </a:lnSpc>
+              <a:spcBef>
+                <a:spcPts val="500"/>
+              </a:spcBef>
+              <a:buFont typeface="Arial" panose="020B0604020202020204" pitchFamily="34" charset="0"/>
+              <a:buChar char="•"/>
+              <a:defRPr sz="1800" kern="1200">
+                <a:solidFill>
+                  <a:schemeClr val="tx1"/>
+                </a:solidFill>
+                <a:latin typeface="+mn-lt"/>
+                <a:ea typeface="+mn-ea"/>
+                <a:cs typeface="+mn-cs"/>
+              </a:defRPr>
+            </a:lvl5pPr>
+            <a:lvl6pPr marL="2514600" indent="-228600" algn="l" defTabSz="914400" rtl="0" eaLnBrk="1" latinLnBrk="0" hangingPunct="1">
+              <a:lnSpc>
+                <a:spcPct val="90000"/>
+              </a:lnSpc>
+              <a:spcBef>
+                <a:spcPts val="500"/>
+              </a:spcBef>
+              <a:buFont typeface="Arial" panose="020B0604020202020204" pitchFamily="34" charset="0"/>
+              <a:buChar char="•"/>
+              <a:defRPr sz="1800" kern="1200">
+                <a:solidFill>
+                  <a:schemeClr val="tx1"/>
+                </a:solidFill>
+                <a:latin typeface="+mn-lt"/>
+                <a:ea typeface="+mn-ea"/>
+                <a:cs typeface="+mn-cs"/>
+              </a:defRPr>
+            </a:lvl6pPr>
+            <a:lvl7pPr marL="2971800" indent="-228600" algn="l" defTabSz="914400" rtl="0" eaLnBrk="1" latinLnBrk="0" hangingPunct="1">
+              <a:lnSpc>
+                <a:spcPct val="90000"/>
+              </a:lnSpc>
+              <a:spcBef>
+                <a:spcPts val="500"/>
+              </a:spcBef>
+              <a:buFont typeface="Arial" panose="020B0604020202020204" pitchFamily="34" charset="0"/>
+              <a:buChar char="•"/>
+              <a:defRPr sz="1800" kern="1200">
+                <a:solidFill>
+                  <a:schemeClr val="tx1"/>
+                </a:solidFill>
+                <a:latin typeface="+mn-lt"/>
+                <a:ea typeface="+mn-ea"/>
+                <a:cs typeface="+mn-cs"/>
+              </a:defRPr>
+            </a:lvl7pPr>
+            <a:lvl8pPr marL="3429000" indent="-228600" algn="l" defTabSz="914400" rtl="0" eaLnBrk="1" latinLnBrk="0" hangingPunct="1">
+              <a:lnSpc>
+                <a:spcPct val="90000"/>
+              </a:lnSpc>
+              <a:spcBef>
+                <a:spcPts val="500"/>
+              </a:spcBef>
+              <a:buFont typeface="Arial" panose="020B0604020202020204" pitchFamily="34" charset="0"/>
+              <a:buChar char="•"/>
+              <a:defRPr sz="1800" kern="1200">
+                <a:solidFill>
+                  <a:schemeClr val="tx1"/>
+                </a:solidFill>
+                <a:latin typeface="+mn-lt"/>
+                <a:ea typeface="+mn-ea"/>
+                <a:cs typeface="+mn-cs"/>
+              </a:defRPr>
+            </a:lvl8pPr>
+            <a:lvl9pPr marL="3886200" indent="-228600" algn="l" defTabSz="914400" rtl="0" eaLnBrk="1" latinLnBrk="0" hangingPunct="1">
+              <a:lnSpc>
+                <a:spcPct val="90000"/>
+              </a:lnSpc>
+              <a:spcBef>
+                <a:spcPts val="500"/>
+              </a:spcBef>
+              <a:buFont typeface="Arial" panose="020B0604020202020204" pitchFamily="34" charset="0"/>
+              <a:buChar char="•"/>
+              <a:defRPr sz="1800" kern="1200">
+                <a:solidFill>
+                  <a:schemeClr val="tx1"/>
+                </a:solidFill>
+                <a:latin typeface="+mn-lt"/>
+                <a:ea typeface="+mn-ea"/>
+                <a:cs typeface="+mn-cs"/>
+              </a:defRPr>
+            </a:lvl9pPr>
+          </a:lstStyle>
+          <a:p>
+            <a:r>
+              <a:rPr lang="es-ES" b="1" dirty="0"/>
+              <a:t>Test Unitario Validar Cliente (Personal)</a:t>
+            </a:r>
+          </a:p>
+          <a:p>
+            <a:pPr marL="0" indent="0">
+              <a:buFontTx/>
+              <a:buNone/>
+            </a:pPr>
+            <a:endParaRPr lang="es-ES" dirty="0"/>
+          </a:p>
+          <a:p>
+            <a:pPr marL="0" indent="0">
+              <a:buFontTx/>
+              <a:buNone/>
+            </a:pPr>
+            <a:r>
+              <a:rPr lang="es-ES" b="1" dirty="0"/>
+              <a:t>Nombre de historia: </a:t>
+            </a:r>
+            <a:r>
+              <a:rPr lang="es-ES" dirty="0"/>
+              <a:t>Validar Cliente.</a:t>
+            </a:r>
+          </a:p>
+          <a:p>
+            <a:pPr marL="0" indent="0">
+              <a:buFontTx/>
+              <a:buNone/>
+            </a:pPr>
+            <a:r>
+              <a:rPr lang="es-ES" b="1" dirty="0"/>
+              <a:t>Descripción:</a:t>
+            </a:r>
+            <a:r>
+              <a:rPr lang="es-ES" dirty="0"/>
+              <a:t> Dado un cliente de tipo personal, queremos poder validar si es correcto mediante el método validar de la clase Personal.java</a:t>
+            </a:r>
+          </a:p>
+          <a:p>
+            <a:pPr marL="0" indent="0">
+              <a:buNone/>
+            </a:pPr>
+            <a:r>
+              <a:rPr lang="es-ES" b="1" dirty="0"/>
+              <a:t>Clase Test: </a:t>
+            </a:r>
+            <a:r>
+              <a:rPr lang="es-ES" dirty="0"/>
+              <a:t>PersonalTest.java </a:t>
+            </a:r>
+            <a:r>
+              <a:rPr lang="es-ES" dirty="0">
+                <a:sym typeface="Wingdings" panose="05000000000000000000" pitchFamily="2" charset="2"/>
+              </a:rPr>
+              <a:t> </a:t>
+            </a:r>
+            <a:r>
+              <a:rPr lang="es-ES" dirty="0"/>
+              <a:t>Personal.java</a:t>
+            </a:r>
+          </a:p>
+          <a:p>
+            <a:pPr marL="0" indent="0">
+              <a:buNone/>
+            </a:pPr>
+            <a:r>
+              <a:rPr lang="es-ES" b="1" dirty="0"/>
+              <a:t>Método:</a:t>
+            </a:r>
+            <a:r>
+              <a:rPr lang="es-ES" dirty="0"/>
+              <a:t> </a:t>
+            </a:r>
+            <a:r>
+              <a:rPr lang="es-ES" dirty="0" err="1"/>
+              <a:t>boolean</a:t>
+            </a:r>
+            <a:r>
+              <a:rPr lang="es-ES" dirty="0"/>
+              <a:t> validar()</a:t>
+            </a:r>
+          </a:p>
+          <a:p>
+            <a:pPr marL="0" indent="0">
+              <a:buFontTx/>
+              <a:buNone/>
+            </a:pPr>
+            <a:endParaRPr lang="es-ES" dirty="0"/>
+          </a:p>
+          <a:p>
+            <a:pPr marL="0" indent="0">
+              <a:buFontTx/>
+              <a:buNone/>
+            </a:pPr>
+            <a:endParaRPr lang="es-ES" dirty="0"/>
+          </a:p>
+          <a:p>
+            <a:pPr marL="0" indent="0">
+              <a:buFontTx/>
+              <a:buNone/>
+            </a:pPr>
+            <a:r>
+              <a:rPr lang="es-ES" b="1" dirty="0"/>
+              <a:t>Escenario 1: Validar un cliente personal OK (</a:t>
+            </a:r>
+            <a:r>
+              <a:rPr lang="es-ES" b="1" dirty="0" err="1"/>
+              <a:t>Happy</a:t>
+            </a:r>
+            <a:r>
+              <a:rPr lang="es-ES" b="1" dirty="0"/>
+              <a:t> </a:t>
+            </a:r>
+            <a:r>
+              <a:rPr lang="es-ES" b="1" dirty="0" err="1"/>
+              <a:t>Path</a:t>
+            </a:r>
+            <a:r>
+              <a:rPr lang="es-ES" b="1" dirty="0"/>
+              <a:t>)</a:t>
+            </a:r>
+          </a:p>
+          <a:p>
+            <a:r>
+              <a:rPr lang="es-ES" dirty="0">
+                <a:solidFill>
+                  <a:srgbClr val="9E880D"/>
+                </a:solidFill>
+                <a:effectLst/>
+                <a:latin typeface="JetBrains Mono"/>
+              </a:rPr>
+              <a:t>@Test</a:t>
+            </a:r>
+            <a:br>
+              <a:rPr lang="es-ES" dirty="0">
+                <a:solidFill>
+                  <a:srgbClr val="9E880D"/>
+                </a:solidFill>
+                <a:effectLst/>
+                <a:latin typeface="JetBrains Mono"/>
+              </a:rPr>
+            </a:br>
+            <a:r>
+              <a:rPr lang="es-ES" dirty="0" err="1">
+                <a:solidFill>
+                  <a:srgbClr val="0033B3"/>
+                </a:solidFill>
+                <a:effectLst/>
+                <a:latin typeface="JetBrains Mono"/>
+              </a:rPr>
+              <a:t>void</a:t>
+            </a:r>
+            <a:r>
+              <a:rPr lang="es-ES" dirty="0">
+                <a:solidFill>
+                  <a:srgbClr val="0033B3"/>
+                </a:solidFill>
+                <a:effectLst/>
+                <a:latin typeface="JetBrains Mono"/>
+              </a:rPr>
+              <a:t> </a:t>
+            </a:r>
+            <a:r>
+              <a:rPr lang="es-ES" dirty="0" err="1">
+                <a:solidFill>
+                  <a:srgbClr val="00627A"/>
+                </a:solidFill>
+                <a:effectLst/>
+                <a:latin typeface="JetBrains Mono"/>
+              </a:rPr>
+              <a:t>dadoUnCliente_cuandoesOK_entoncesValidarOK</a:t>
+            </a:r>
+            <a:r>
+              <a:rPr lang="es-ES" dirty="0">
+                <a:solidFill>
+                  <a:srgbClr val="080808"/>
+                </a:solidFill>
+                <a:effectLst/>
+                <a:latin typeface="JetBrains Mono"/>
+              </a:rPr>
+              <a:t>() </a:t>
+            </a:r>
+            <a:r>
+              <a:rPr lang="es-ES" dirty="0" err="1">
+                <a:solidFill>
+                  <a:srgbClr val="0033B3"/>
+                </a:solidFill>
+                <a:effectLst/>
+                <a:latin typeface="JetBrains Mono"/>
+              </a:rPr>
+              <a:t>throws</a:t>
+            </a:r>
+            <a:r>
+              <a:rPr lang="es-ES" dirty="0">
+                <a:solidFill>
+                  <a:srgbClr val="0033B3"/>
+                </a:solidFill>
+                <a:effectLst/>
+                <a:latin typeface="JetBrains Mono"/>
+              </a:rPr>
+              <a:t> </a:t>
+            </a:r>
+            <a:r>
+              <a:rPr lang="es-ES" dirty="0" err="1">
+                <a:solidFill>
+                  <a:srgbClr val="000000"/>
+                </a:solidFill>
+                <a:effectLst/>
+                <a:latin typeface="JetBrains Mono"/>
+              </a:rPr>
+              <a:t>Exception</a:t>
+            </a:r>
+            <a:r>
+              <a:rPr lang="es-ES" dirty="0">
+                <a:solidFill>
+                  <a:srgbClr val="000000"/>
+                </a:solidFill>
+                <a:effectLst/>
+                <a:latin typeface="JetBrains Mono"/>
+              </a:rPr>
+              <a:t> </a:t>
+            </a:r>
+            <a:r>
+              <a:rPr lang="es-ES" dirty="0">
+                <a:solidFill>
+                  <a:srgbClr val="080808"/>
+                </a:solidFill>
+                <a:effectLst/>
+                <a:latin typeface="JetBrains Mono"/>
+              </a:rPr>
+              <a:t>{</a:t>
+            </a:r>
+            <a:br>
+              <a:rPr lang="es-ES" dirty="0">
+                <a:solidFill>
+                  <a:srgbClr val="080808"/>
+                </a:solidFill>
+                <a:effectLst/>
+                <a:latin typeface="JetBrains Mono"/>
+              </a:rPr>
+            </a:br>
+            <a:br>
+              <a:rPr lang="es-ES" dirty="0">
+                <a:solidFill>
+                  <a:srgbClr val="080808"/>
+                </a:solidFill>
+                <a:effectLst/>
+                <a:latin typeface="JetBrains Mono"/>
+              </a:rPr>
+            </a:br>
+            <a:r>
+              <a:rPr lang="es-ES" dirty="0">
+                <a:solidFill>
+                  <a:srgbClr val="080808"/>
+                </a:solidFill>
+                <a:effectLst/>
+                <a:latin typeface="JetBrains Mono"/>
+              </a:rPr>
+              <a:t>    </a:t>
+            </a:r>
+            <a:r>
+              <a:rPr lang="es-ES" dirty="0" err="1">
+                <a:solidFill>
+                  <a:srgbClr val="000000"/>
+                </a:solidFill>
+                <a:effectLst/>
+                <a:latin typeface="JetBrains Mono"/>
+              </a:rPr>
+              <a:t>IClientesRepo</a:t>
+            </a:r>
+            <a:r>
+              <a:rPr lang="es-ES" dirty="0">
+                <a:solidFill>
+                  <a:srgbClr val="000000"/>
+                </a:solidFill>
+                <a:effectLst/>
+                <a:latin typeface="JetBrains Mono"/>
+              </a:rPr>
+              <a:t> </a:t>
+            </a:r>
+            <a:r>
+              <a:rPr lang="es-ES" dirty="0" err="1">
+                <a:solidFill>
+                  <a:srgbClr val="000000"/>
+                </a:solidFill>
+                <a:effectLst/>
+                <a:latin typeface="JetBrains Mono"/>
+              </a:rPr>
+              <a:t>clientesRepo</a:t>
+            </a:r>
+            <a:r>
+              <a:rPr lang="es-ES" dirty="0">
+                <a:solidFill>
+                  <a:srgbClr val="000000"/>
+                </a:solidFill>
+                <a:effectLst/>
+                <a:latin typeface="JetBrains Mono"/>
+              </a:rPr>
+              <a:t> </a:t>
+            </a:r>
+            <a:r>
+              <a:rPr lang="es-ES" dirty="0">
+                <a:solidFill>
+                  <a:srgbClr val="080808"/>
+                </a:solidFill>
+                <a:effectLst/>
+                <a:latin typeface="JetBrains Mono"/>
+              </a:rPr>
+              <a:t>= </a:t>
+            </a:r>
+            <a:r>
+              <a:rPr lang="es-ES" dirty="0" err="1">
+                <a:solidFill>
+                  <a:srgbClr val="000000"/>
+                </a:solidFill>
+                <a:effectLst/>
+                <a:latin typeface="JetBrains Mono"/>
+              </a:rPr>
+              <a:t>ClientesInMemoryRepo</a:t>
+            </a:r>
+            <a:r>
+              <a:rPr lang="es-ES" dirty="0" err="1">
+                <a:solidFill>
+                  <a:srgbClr val="080808"/>
+                </a:solidFill>
+                <a:effectLst/>
+                <a:latin typeface="JetBrains Mono"/>
+              </a:rPr>
+              <a:t>.</a:t>
+            </a:r>
+            <a:r>
+              <a:rPr lang="es-ES" i="1" dirty="0" err="1">
+                <a:solidFill>
+                  <a:srgbClr val="080808"/>
+                </a:solidFill>
+                <a:effectLst/>
+                <a:latin typeface="JetBrains Mono"/>
+              </a:rPr>
+              <a:t>getInstance</a:t>
+            </a:r>
+            <a:r>
+              <a:rPr lang="es-ES" dirty="0">
+                <a:solidFill>
+                  <a:srgbClr val="080808"/>
+                </a:solidFill>
+                <a:effectLst/>
+                <a:latin typeface="JetBrains Mono"/>
+              </a:rPr>
+              <a:t>();</a:t>
+            </a:r>
+            <a:br>
+              <a:rPr lang="es-ES" dirty="0">
+                <a:solidFill>
+                  <a:srgbClr val="080808"/>
+                </a:solidFill>
+                <a:effectLst/>
+                <a:latin typeface="JetBrains Mono"/>
+              </a:rPr>
+            </a:br>
+            <a:r>
+              <a:rPr lang="es-ES" dirty="0">
+                <a:solidFill>
+                  <a:srgbClr val="080808"/>
+                </a:solidFill>
+                <a:effectLst/>
+                <a:latin typeface="JetBrains Mono"/>
+              </a:rPr>
+              <a:t>    </a:t>
+            </a:r>
+            <a:r>
+              <a:rPr lang="es-ES" dirty="0">
+                <a:solidFill>
+                  <a:srgbClr val="000000"/>
+                </a:solidFill>
+                <a:effectLst/>
+                <a:latin typeface="JetBrains Mono"/>
+              </a:rPr>
+              <a:t>Cliente </a:t>
+            </a:r>
+            <a:r>
+              <a:rPr lang="es-ES" dirty="0" err="1">
+                <a:solidFill>
+                  <a:srgbClr val="000000"/>
+                </a:solidFill>
+                <a:effectLst/>
+                <a:latin typeface="JetBrains Mono"/>
+              </a:rPr>
+              <a:t>cl</a:t>
+            </a:r>
+            <a:r>
+              <a:rPr lang="es-ES" dirty="0">
+                <a:solidFill>
+                  <a:srgbClr val="000000"/>
+                </a:solidFill>
+                <a:effectLst/>
+                <a:latin typeface="JetBrains Mono"/>
+              </a:rPr>
+              <a:t> </a:t>
+            </a:r>
+            <a:r>
+              <a:rPr lang="es-ES" dirty="0">
+                <a:solidFill>
+                  <a:srgbClr val="080808"/>
+                </a:solidFill>
+                <a:effectLst/>
+                <a:latin typeface="JetBrains Mono"/>
+              </a:rPr>
+              <a:t>= </a:t>
+            </a:r>
+            <a:r>
+              <a:rPr lang="es-ES" dirty="0" err="1">
+                <a:solidFill>
+                  <a:srgbClr val="000000"/>
+                </a:solidFill>
+                <a:effectLst/>
+                <a:latin typeface="JetBrains Mono"/>
+              </a:rPr>
+              <a:t>clientesRepo</a:t>
+            </a:r>
+            <a:r>
+              <a:rPr lang="es-ES" dirty="0" err="1">
+                <a:solidFill>
+                  <a:srgbClr val="080808"/>
+                </a:solidFill>
+                <a:effectLst/>
+                <a:latin typeface="JetBrains Mono"/>
+              </a:rPr>
+              <a:t>.getClientById</a:t>
+            </a:r>
+            <a:r>
+              <a:rPr lang="es-ES" dirty="0">
+                <a:solidFill>
+                  <a:srgbClr val="080808"/>
+                </a:solidFill>
+                <a:effectLst/>
+                <a:latin typeface="JetBrains Mono"/>
+              </a:rPr>
+              <a:t>(</a:t>
+            </a:r>
+            <a:r>
+              <a:rPr lang="es-ES" dirty="0">
+                <a:solidFill>
+                  <a:srgbClr val="1750EB"/>
+                </a:solidFill>
+                <a:effectLst/>
+                <a:latin typeface="JetBrains Mono"/>
+              </a:rPr>
+              <a:t>1</a:t>
+            </a:r>
+            <a:r>
+              <a:rPr lang="es-ES" dirty="0">
+                <a:solidFill>
+                  <a:srgbClr val="080808"/>
+                </a:solidFill>
+                <a:effectLst/>
+                <a:latin typeface="JetBrains Mono"/>
+              </a:rPr>
+              <a:t>);</a:t>
+            </a:r>
+            <a:br>
+              <a:rPr lang="es-ES" dirty="0">
+                <a:solidFill>
+                  <a:srgbClr val="080808"/>
+                </a:solidFill>
+                <a:effectLst/>
+                <a:latin typeface="JetBrains Mono"/>
+              </a:rPr>
+            </a:br>
+            <a:r>
+              <a:rPr lang="es-ES" dirty="0">
+                <a:solidFill>
+                  <a:srgbClr val="080808"/>
+                </a:solidFill>
+                <a:effectLst/>
+                <a:latin typeface="JetBrains Mono"/>
+              </a:rPr>
+              <a:t>    </a:t>
+            </a:r>
+            <a:r>
+              <a:rPr lang="es-ES" i="1" dirty="0" err="1">
+                <a:solidFill>
+                  <a:srgbClr val="080808"/>
+                </a:solidFill>
+                <a:effectLst/>
+                <a:latin typeface="JetBrains Mono"/>
+              </a:rPr>
+              <a:t>assertTrue</a:t>
+            </a:r>
+            <a:r>
+              <a:rPr lang="es-ES" dirty="0">
+                <a:solidFill>
+                  <a:srgbClr val="080808"/>
+                </a:solidFill>
+                <a:effectLst/>
+                <a:latin typeface="JetBrains Mono"/>
+              </a:rPr>
+              <a:t>(</a:t>
+            </a:r>
+            <a:r>
+              <a:rPr lang="es-ES" dirty="0" err="1">
+                <a:solidFill>
+                  <a:srgbClr val="000000"/>
+                </a:solidFill>
+                <a:effectLst/>
+                <a:latin typeface="JetBrains Mono"/>
+              </a:rPr>
+              <a:t>cl</a:t>
+            </a:r>
+            <a:r>
+              <a:rPr lang="es-ES" dirty="0" err="1">
+                <a:solidFill>
+                  <a:srgbClr val="080808"/>
+                </a:solidFill>
+                <a:effectLst/>
+                <a:latin typeface="JetBrains Mono"/>
+              </a:rPr>
+              <a:t>.validar</a:t>
+            </a:r>
+            <a:r>
+              <a:rPr lang="es-ES" dirty="0">
+                <a:solidFill>
+                  <a:srgbClr val="080808"/>
+                </a:solidFill>
+                <a:effectLst/>
+                <a:latin typeface="JetBrains Mono"/>
+              </a:rPr>
+              <a:t>());</a:t>
+            </a:r>
+            <a:br>
+              <a:rPr lang="es-ES" dirty="0">
+                <a:solidFill>
+                  <a:srgbClr val="080808"/>
+                </a:solidFill>
+                <a:effectLst/>
+                <a:latin typeface="JetBrains Mono"/>
+              </a:rPr>
+            </a:br>
+            <a:r>
+              <a:rPr lang="es-ES" dirty="0">
+                <a:solidFill>
+                  <a:srgbClr val="080808"/>
+                </a:solidFill>
+                <a:effectLst/>
+                <a:latin typeface="JetBrains Mono"/>
+              </a:rPr>
+              <a:t>}</a:t>
+            </a:r>
+          </a:p>
+          <a:p>
+            <a:pPr marL="0" indent="0">
+              <a:buFontTx/>
+              <a:buNone/>
+            </a:pPr>
+            <a:endParaRPr lang="es-ES" dirty="0"/>
+          </a:p>
+          <a:p>
+            <a:pPr marL="0" indent="0">
+              <a:buFontTx/>
+              <a:buNone/>
+            </a:pPr>
+            <a:r>
+              <a:rPr lang="es-ES" b="1" dirty="0"/>
+              <a:t>Escenario 2: Validar un cliente personal NOK (Negativo/Alternativo)</a:t>
+            </a:r>
+          </a:p>
+          <a:p>
+            <a:r>
+              <a:rPr lang="es-ES" dirty="0">
+                <a:solidFill>
+                  <a:srgbClr val="9E880D"/>
+                </a:solidFill>
+                <a:effectLst/>
+                <a:latin typeface="JetBrains Mono"/>
+              </a:rPr>
+              <a:t>@Test</a:t>
+            </a:r>
+            <a:br>
+              <a:rPr lang="es-ES" dirty="0">
+                <a:solidFill>
+                  <a:srgbClr val="9E880D"/>
+                </a:solidFill>
+                <a:effectLst/>
+                <a:latin typeface="JetBrains Mono"/>
+              </a:rPr>
+            </a:br>
+            <a:r>
+              <a:rPr lang="es-ES" dirty="0" err="1">
+                <a:solidFill>
+                  <a:srgbClr val="0033B3"/>
+                </a:solidFill>
+                <a:effectLst/>
+                <a:latin typeface="JetBrains Mono"/>
+              </a:rPr>
+              <a:t>void</a:t>
+            </a:r>
+            <a:r>
+              <a:rPr lang="es-ES" dirty="0">
+                <a:solidFill>
+                  <a:srgbClr val="0033B3"/>
+                </a:solidFill>
+                <a:effectLst/>
+                <a:latin typeface="JetBrains Mono"/>
+              </a:rPr>
+              <a:t> </a:t>
+            </a:r>
+            <a:r>
+              <a:rPr lang="es-ES" dirty="0" err="1">
+                <a:solidFill>
+                  <a:srgbClr val="00627A"/>
+                </a:solidFill>
+                <a:effectLst/>
+                <a:latin typeface="JetBrains Mono"/>
+              </a:rPr>
+              <a:t>dadoUnCliente_cuandoNoesOK_entoncesValidarNOK</a:t>
+            </a:r>
+            <a:r>
+              <a:rPr lang="es-ES" dirty="0">
+                <a:solidFill>
+                  <a:srgbClr val="080808"/>
+                </a:solidFill>
+                <a:effectLst/>
+                <a:latin typeface="JetBrains Mono"/>
+              </a:rPr>
+              <a:t>() </a:t>
+            </a:r>
+            <a:r>
+              <a:rPr lang="es-ES" dirty="0" err="1">
+                <a:solidFill>
+                  <a:srgbClr val="0033B3"/>
+                </a:solidFill>
+                <a:effectLst/>
+                <a:latin typeface="JetBrains Mono"/>
+              </a:rPr>
+              <a:t>throws</a:t>
+            </a:r>
+            <a:r>
+              <a:rPr lang="es-ES" dirty="0">
+                <a:solidFill>
+                  <a:srgbClr val="0033B3"/>
+                </a:solidFill>
+                <a:effectLst/>
+                <a:latin typeface="JetBrains Mono"/>
+              </a:rPr>
+              <a:t> </a:t>
+            </a:r>
+            <a:r>
+              <a:rPr lang="es-ES" dirty="0" err="1">
+                <a:solidFill>
+                  <a:srgbClr val="000000"/>
+                </a:solidFill>
+                <a:effectLst/>
+                <a:latin typeface="JetBrains Mono"/>
+              </a:rPr>
+              <a:t>Exception</a:t>
+            </a:r>
+            <a:r>
+              <a:rPr lang="es-ES" dirty="0">
+                <a:solidFill>
+                  <a:srgbClr val="000000"/>
+                </a:solidFill>
+                <a:effectLst/>
+                <a:latin typeface="JetBrains Mono"/>
+              </a:rPr>
+              <a:t> </a:t>
+            </a:r>
+            <a:r>
+              <a:rPr lang="es-ES" dirty="0">
+                <a:solidFill>
+                  <a:srgbClr val="080808"/>
+                </a:solidFill>
+                <a:effectLst/>
+                <a:latin typeface="JetBrains Mono"/>
+              </a:rPr>
+              <a:t>{</a:t>
+            </a:r>
+            <a:br>
+              <a:rPr lang="es-ES" dirty="0">
+                <a:solidFill>
+                  <a:srgbClr val="080808"/>
+                </a:solidFill>
+                <a:effectLst/>
+                <a:latin typeface="JetBrains Mono"/>
+              </a:rPr>
+            </a:br>
+            <a:br>
+              <a:rPr lang="es-ES" dirty="0">
+                <a:solidFill>
+                  <a:srgbClr val="080808"/>
+                </a:solidFill>
+                <a:effectLst/>
+                <a:latin typeface="JetBrains Mono"/>
+              </a:rPr>
+            </a:br>
+            <a:r>
+              <a:rPr lang="es-ES" dirty="0">
+                <a:solidFill>
+                  <a:srgbClr val="080808"/>
+                </a:solidFill>
+                <a:effectLst/>
+                <a:latin typeface="JetBrains Mono"/>
+              </a:rPr>
+              <a:t>    </a:t>
+            </a:r>
+            <a:r>
+              <a:rPr lang="es-ES" dirty="0" err="1">
+                <a:solidFill>
+                  <a:srgbClr val="000000"/>
+                </a:solidFill>
+                <a:effectLst/>
+                <a:latin typeface="JetBrains Mono"/>
+              </a:rPr>
+              <a:t>IClientesRepo</a:t>
+            </a:r>
+            <a:r>
+              <a:rPr lang="es-ES" dirty="0">
+                <a:solidFill>
+                  <a:srgbClr val="000000"/>
+                </a:solidFill>
+                <a:effectLst/>
+                <a:latin typeface="JetBrains Mono"/>
+              </a:rPr>
+              <a:t> </a:t>
+            </a:r>
+            <a:r>
+              <a:rPr lang="es-ES" dirty="0" err="1">
+                <a:solidFill>
+                  <a:srgbClr val="000000"/>
+                </a:solidFill>
+                <a:effectLst/>
+                <a:latin typeface="JetBrains Mono"/>
+              </a:rPr>
+              <a:t>clientesRepo</a:t>
+            </a:r>
+            <a:r>
+              <a:rPr lang="es-ES" dirty="0">
+                <a:solidFill>
+                  <a:srgbClr val="000000"/>
+                </a:solidFill>
+                <a:effectLst/>
+                <a:latin typeface="JetBrains Mono"/>
+              </a:rPr>
+              <a:t> </a:t>
+            </a:r>
+            <a:r>
+              <a:rPr lang="es-ES" dirty="0">
+                <a:solidFill>
+                  <a:srgbClr val="080808"/>
+                </a:solidFill>
+                <a:effectLst/>
+                <a:latin typeface="JetBrains Mono"/>
+              </a:rPr>
+              <a:t>= </a:t>
+            </a:r>
+            <a:r>
+              <a:rPr lang="es-ES" dirty="0" err="1">
+                <a:solidFill>
+                  <a:srgbClr val="000000"/>
+                </a:solidFill>
+                <a:effectLst/>
+                <a:latin typeface="JetBrains Mono"/>
+              </a:rPr>
+              <a:t>ClientesInMemoryRepo</a:t>
+            </a:r>
+            <a:r>
+              <a:rPr lang="es-ES" dirty="0" err="1">
+                <a:solidFill>
+                  <a:srgbClr val="080808"/>
+                </a:solidFill>
+                <a:effectLst/>
+                <a:latin typeface="JetBrains Mono"/>
+              </a:rPr>
+              <a:t>.</a:t>
+            </a:r>
+            <a:r>
+              <a:rPr lang="es-ES" i="1" dirty="0" err="1">
+                <a:solidFill>
+                  <a:srgbClr val="080808"/>
+                </a:solidFill>
+                <a:effectLst/>
+                <a:latin typeface="JetBrains Mono"/>
+              </a:rPr>
+              <a:t>getInstance</a:t>
+            </a:r>
+            <a:r>
+              <a:rPr lang="es-ES" dirty="0">
+                <a:solidFill>
+                  <a:srgbClr val="080808"/>
+                </a:solidFill>
+                <a:effectLst/>
+                <a:latin typeface="JetBrains Mono"/>
+              </a:rPr>
+              <a:t>();</a:t>
+            </a:r>
+            <a:br>
+              <a:rPr lang="es-ES" dirty="0">
+                <a:solidFill>
+                  <a:srgbClr val="080808"/>
+                </a:solidFill>
+                <a:effectLst/>
+                <a:latin typeface="JetBrains Mono"/>
+              </a:rPr>
+            </a:br>
+            <a:r>
+              <a:rPr lang="es-ES" dirty="0">
+                <a:solidFill>
+                  <a:srgbClr val="080808"/>
+                </a:solidFill>
+                <a:effectLst/>
+                <a:latin typeface="JetBrains Mono"/>
+              </a:rPr>
+              <a:t>    </a:t>
+            </a:r>
+            <a:r>
+              <a:rPr lang="es-ES" dirty="0">
+                <a:solidFill>
+                  <a:srgbClr val="000000"/>
+                </a:solidFill>
+                <a:effectLst/>
+                <a:latin typeface="JetBrains Mono"/>
+              </a:rPr>
+              <a:t>Cliente </a:t>
+            </a:r>
+            <a:r>
+              <a:rPr lang="es-ES" dirty="0" err="1">
+                <a:solidFill>
+                  <a:srgbClr val="000000"/>
+                </a:solidFill>
+                <a:effectLst/>
+                <a:latin typeface="JetBrains Mono"/>
+              </a:rPr>
+              <a:t>cl</a:t>
+            </a:r>
+            <a:r>
+              <a:rPr lang="es-ES" dirty="0">
+                <a:solidFill>
+                  <a:srgbClr val="000000"/>
+                </a:solidFill>
+                <a:effectLst/>
+                <a:latin typeface="JetBrains Mono"/>
+              </a:rPr>
+              <a:t> </a:t>
+            </a:r>
+            <a:r>
+              <a:rPr lang="es-ES" dirty="0">
+                <a:solidFill>
+                  <a:srgbClr val="080808"/>
+                </a:solidFill>
+                <a:effectLst/>
+                <a:latin typeface="JetBrains Mono"/>
+              </a:rPr>
+              <a:t>= </a:t>
+            </a:r>
+            <a:r>
+              <a:rPr lang="es-ES" dirty="0" err="1">
+                <a:solidFill>
+                  <a:srgbClr val="000000"/>
+                </a:solidFill>
+                <a:effectLst/>
+                <a:latin typeface="JetBrains Mono"/>
+              </a:rPr>
+              <a:t>clientesRepo</a:t>
+            </a:r>
+            <a:r>
+              <a:rPr lang="es-ES" dirty="0" err="1">
+                <a:solidFill>
+                  <a:srgbClr val="080808"/>
+                </a:solidFill>
+                <a:effectLst/>
+                <a:latin typeface="JetBrains Mono"/>
+              </a:rPr>
+              <a:t>.getClientById</a:t>
+            </a:r>
+            <a:r>
+              <a:rPr lang="es-ES" dirty="0">
+                <a:solidFill>
+                  <a:srgbClr val="080808"/>
+                </a:solidFill>
+                <a:effectLst/>
+                <a:latin typeface="JetBrains Mono"/>
+              </a:rPr>
+              <a:t>(</a:t>
+            </a:r>
+            <a:r>
+              <a:rPr lang="es-ES" dirty="0">
+                <a:solidFill>
+                  <a:srgbClr val="1750EB"/>
+                </a:solidFill>
+                <a:effectLst/>
+                <a:latin typeface="JetBrains Mono"/>
+              </a:rPr>
+              <a:t>1</a:t>
+            </a:r>
+            <a:r>
+              <a:rPr lang="es-ES" dirty="0">
+                <a:solidFill>
+                  <a:srgbClr val="080808"/>
+                </a:solidFill>
+                <a:effectLst/>
+                <a:latin typeface="JetBrains Mono"/>
+              </a:rPr>
+              <a:t>);</a:t>
+            </a:r>
+            <a:br>
+              <a:rPr lang="es-ES" dirty="0">
+                <a:solidFill>
+                  <a:srgbClr val="080808"/>
+                </a:solidFill>
+                <a:effectLst/>
+                <a:latin typeface="JetBrains Mono"/>
+              </a:rPr>
+            </a:br>
+            <a:r>
+              <a:rPr lang="es-ES" dirty="0">
+                <a:solidFill>
+                  <a:srgbClr val="080808"/>
+                </a:solidFill>
+                <a:effectLst/>
+                <a:latin typeface="JetBrains Mono"/>
+              </a:rPr>
+              <a:t>    </a:t>
+            </a:r>
+            <a:r>
+              <a:rPr lang="es-ES" dirty="0" err="1">
+                <a:solidFill>
+                  <a:srgbClr val="000000"/>
+                </a:solidFill>
+                <a:effectLst/>
+                <a:latin typeface="JetBrains Mono"/>
+              </a:rPr>
+              <a:t>cl</a:t>
+            </a:r>
+            <a:r>
+              <a:rPr lang="es-ES" dirty="0" err="1">
+                <a:solidFill>
+                  <a:srgbClr val="080808"/>
+                </a:solidFill>
+                <a:effectLst/>
+                <a:latin typeface="JetBrains Mono"/>
+              </a:rPr>
+              <a:t>.setNombre</a:t>
+            </a:r>
+            <a:r>
+              <a:rPr lang="es-ES" dirty="0">
+                <a:solidFill>
+                  <a:srgbClr val="080808"/>
+                </a:solidFill>
+                <a:effectLst/>
+                <a:latin typeface="JetBrains Mono"/>
+              </a:rPr>
+              <a:t>(</a:t>
+            </a:r>
+            <a:r>
+              <a:rPr lang="es-ES" dirty="0">
+                <a:solidFill>
+                  <a:srgbClr val="067D17"/>
+                </a:solidFill>
+                <a:effectLst/>
+                <a:latin typeface="JetBrains Mono"/>
+              </a:rPr>
+              <a:t>"A"</a:t>
+            </a:r>
+            <a:r>
+              <a:rPr lang="es-ES" dirty="0">
+                <a:solidFill>
+                  <a:srgbClr val="080808"/>
+                </a:solidFill>
+                <a:effectLst/>
+                <a:latin typeface="JetBrains Mono"/>
+              </a:rPr>
+              <a:t>);</a:t>
+            </a:r>
+            <a:br>
+              <a:rPr lang="es-ES" dirty="0">
+                <a:solidFill>
+                  <a:srgbClr val="080808"/>
+                </a:solidFill>
+                <a:effectLst/>
+                <a:latin typeface="JetBrains Mono"/>
+              </a:rPr>
+            </a:br>
+            <a:r>
+              <a:rPr lang="es-ES" dirty="0">
+                <a:solidFill>
+                  <a:srgbClr val="080808"/>
+                </a:solidFill>
+                <a:effectLst/>
+                <a:latin typeface="JetBrains Mono"/>
+              </a:rPr>
+              <a:t>    </a:t>
+            </a:r>
+            <a:r>
+              <a:rPr lang="es-ES" i="1" dirty="0" err="1">
+                <a:solidFill>
+                  <a:srgbClr val="080808"/>
+                </a:solidFill>
+                <a:effectLst/>
+                <a:latin typeface="JetBrains Mono"/>
+              </a:rPr>
+              <a:t>assertFalse</a:t>
+            </a:r>
+            <a:r>
+              <a:rPr lang="es-ES" dirty="0">
+                <a:solidFill>
+                  <a:srgbClr val="080808"/>
+                </a:solidFill>
+                <a:effectLst/>
+                <a:latin typeface="JetBrains Mono"/>
+              </a:rPr>
+              <a:t>(</a:t>
+            </a:r>
+            <a:r>
+              <a:rPr lang="es-ES" dirty="0" err="1">
+                <a:solidFill>
+                  <a:srgbClr val="000000"/>
+                </a:solidFill>
+                <a:effectLst/>
+                <a:latin typeface="JetBrains Mono"/>
+              </a:rPr>
+              <a:t>cl</a:t>
+            </a:r>
+            <a:r>
+              <a:rPr lang="es-ES" dirty="0" err="1">
+                <a:solidFill>
+                  <a:srgbClr val="080808"/>
+                </a:solidFill>
+                <a:effectLst/>
+                <a:latin typeface="JetBrains Mono"/>
+              </a:rPr>
+              <a:t>.validar</a:t>
+            </a:r>
+            <a:r>
+              <a:rPr lang="es-ES" dirty="0">
+                <a:solidFill>
+                  <a:srgbClr val="080808"/>
+                </a:solidFill>
+                <a:effectLst/>
+                <a:latin typeface="JetBrains Mono"/>
+              </a:rPr>
+              <a:t>());</a:t>
+            </a:r>
+            <a:br>
+              <a:rPr lang="es-ES" dirty="0">
+                <a:solidFill>
+                  <a:srgbClr val="080808"/>
+                </a:solidFill>
+                <a:effectLst/>
+                <a:latin typeface="JetBrains Mono"/>
+              </a:rPr>
+            </a:br>
+            <a:r>
+              <a:rPr lang="es-ES" dirty="0">
+                <a:solidFill>
+                  <a:srgbClr val="080808"/>
+                </a:solidFill>
+                <a:effectLst/>
+                <a:latin typeface="JetBrains Mono"/>
+              </a:rPr>
+              <a:t>}</a:t>
+            </a:r>
+          </a:p>
+          <a:p>
+            <a:pPr marL="457200" lvl="1" indent="0">
+              <a:buNone/>
+            </a:pPr>
+            <a:endParaRPr lang="es-ES" dirty="0"/>
+          </a:p>
+        </p:txBody>
+      </p:sp>
+    </p:spTree>
+    <p:extLst>
+      <p:ext uri="{BB962C8B-B14F-4D97-AF65-F5344CB8AC3E}">
+        <p14:creationId xmlns:p14="http://schemas.microsoft.com/office/powerpoint/2010/main" val="3230554866"/>
+      </p:ext>
+    </p:extLst>
+  </p:cSld>
+  <p:clrMapOvr>
+    <a:masterClrMapping/>
+  </p:clrMapOvr>
+</p:sld>
+</file>
+
+<file path=ppt/slides/slide15.xml><?xml version="1.0" encoding="utf-8"?>
+<p:sld xmlns:a="http://schemas.openxmlformats.org/drawingml/2006/main" xmlns:r="http://schemas.openxmlformats.org/officeDocument/2006/relationships" xmlns:p="http://schemas.openxmlformats.org/presentationml/2006/main">
+  <p:cSld>
+    <p:spTree>
+      <p:nvGrpSpPr>
+        <p:cNvPr id="1" name=""/>
+        <p:cNvGrpSpPr/>
+        <p:nvPr/>
+      </p:nvGrpSpPr>
+      <p:grpSpPr>
+        <a:xfrm>
+          <a:off x="0" y="0"/>
+          <a:ext cx="0" cy="0"/>
+          <a:chOff x="0" y="0"/>
+          <a:chExt cx="0" cy="0"/>
+        </a:xfrm>
+      </p:grpSpPr>
+      <p:sp>
+        <p:nvSpPr>
+          <p:cNvPr id="2" name="object 2"/>
+          <p:cNvSpPr txBox="1">
+            <a:spLocks noGrp="1"/>
+          </p:cNvSpPr>
+          <p:nvPr>
+            <p:ph type="title"/>
+          </p:nvPr>
+        </p:nvSpPr>
+        <p:spPr>
+          <a:xfrm>
+            <a:off x="2907575" y="4176817"/>
+            <a:ext cx="6347766" cy="751488"/>
+          </a:xfrm>
+          <a:prstGeom prst="rect">
+            <a:avLst/>
+          </a:prstGeom>
+        </p:spPr>
+        <p:txBody>
+          <a:bodyPr vert="horz" wrap="square" lIns="0" tIns="12700" rIns="0" bIns="0" rtlCol="0">
+            <a:spAutoFit/>
+          </a:bodyPr>
+          <a:lstStyle/>
+          <a:p>
+            <a:pPr marL="12700" algn="ctr">
+              <a:lnSpc>
+                <a:spcPct val="100000"/>
+              </a:lnSpc>
+              <a:spcBef>
+                <a:spcPts val="100"/>
+              </a:spcBef>
+            </a:pPr>
+            <a:r>
+              <a:rPr lang="es-ES" sz="4800" b="0" spc="-10" dirty="0">
+                <a:latin typeface="Tahoma"/>
+                <a:cs typeface="Tahoma"/>
+              </a:rPr>
+              <a:t>Pruebas de Integración</a:t>
+            </a:r>
+            <a:endParaRPr sz="4800" dirty="0">
+              <a:latin typeface="Tahoma"/>
+              <a:cs typeface="Tahoma"/>
+            </a:endParaRPr>
+          </a:p>
+        </p:txBody>
+      </p:sp>
+      <p:sp>
+        <p:nvSpPr>
+          <p:cNvPr id="6" name="object 6"/>
+          <p:cNvSpPr txBox="1"/>
+          <p:nvPr/>
+        </p:nvSpPr>
+        <p:spPr>
+          <a:xfrm>
+            <a:off x="351231" y="6555080"/>
+            <a:ext cx="988694" cy="136576"/>
+          </a:xfrm>
+          <a:prstGeom prst="rect">
+            <a:avLst/>
+          </a:prstGeom>
+        </p:spPr>
+        <p:txBody>
+          <a:bodyPr vert="horz" wrap="square" lIns="0" tIns="13335" rIns="0" bIns="0" rtlCol="0">
+            <a:spAutoFit/>
+          </a:bodyPr>
+          <a:lstStyle/>
+          <a:p>
+            <a:pPr marL="12700">
+              <a:lnSpc>
+                <a:spcPct val="100000"/>
+              </a:lnSpc>
+              <a:spcBef>
+                <a:spcPts val="105"/>
+              </a:spcBef>
+            </a:pPr>
+            <a:r>
+              <a:rPr sz="800" dirty="0">
+                <a:solidFill>
+                  <a:srgbClr val="FFFFFF"/>
+                </a:solidFill>
+                <a:latin typeface="Tahoma"/>
+                <a:cs typeface="Tahoma"/>
+              </a:rPr>
+              <a:t>©</a:t>
+            </a:r>
+            <a:r>
+              <a:rPr sz="800" spc="-30" dirty="0">
+                <a:solidFill>
+                  <a:srgbClr val="FFFFFF"/>
+                </a:solidFill>
+                <a:latin typeface="Tahoma"/>
+                <a:cs typeface="Tahoma"/>
+              </a:rPr>
+              <a:t> </a:t>
+            </a:r>
+            <a:r>
+              <a:rPr sz="800" dirty="0">
+                <a:solidFill>
+                  <a:srgbClr val="FFFFFF"/>
+                </a:solidFill>
+                <a:latin typeface="Tahoma"/>
+                <a:cs typeface="Tahoma"/>
+              </a:rPr>
+              <a:t>202</a:t>
+            </a:r>
+            <a:r>
+              <a:rPr lang="es-ES" sz="800" dirty="0">
+                <a:solidFill>
+                  <a:srgbClr val="FFFFFF"/>
+                </a:solidFill>
+                <a:latin typeface="Tahoma"/>
+                <a:cs typeface="Tahoma"/>
+              </a:rPr>
+              <a:t>3</a:t>
+            </a:r>
+            <a:r>
+              <a:rPr sz="800" spc="-35" dirty="0">
+                <a:solidFill>
+                  <a:srgbClr val="FFFFFF"/>
+                </a:solidFill>
+                <a:latin typeface="Tahoma"/>
+                <a:cs typeface="Tahoma"/>
+              </a:rPr>
+              <a:t> </a:t>
+            </a:r>
+            <a:r>
+              <a:rPr sz="800" dirty="0">
+                <a:solidFill>
+                  <a:srgbClr val="FFFFFF"/>
+                </a:solidFill>
+                <a:latin typeface="Tahoma"/>
+                <a:cs typeface="Tahoma"/>
+              </a:rPr>
+              <a:t>Netmind</a:t>
+            </a:r>
+            <a:r>
+              <a:rPr sz="800" spc="-5" dirty="0">
+                <a:solidFill>
+                  <a:srgbClr val="FFFFFF"/>
+                </a:solidFill>
+                <a:latin typeface="Tahoma"/>
+                <a:cs typeface="Tahoma"/>
+              </a:rPr>
+              <a:t> </a:t>
+            </a:r>
+            <a:r>
+              <a:rPr sz="800" spc="-25" dirty="0">
+                <a:solidFill>
+                  <a:srgbClr val="FFFFFF"/>
+                </a:solidFill>
+                <a:latin typeface="Tahoma"/>
+                <a:cs typeface="Tahoma"/>
+              </a:rPr>
+              <a:t>SLU</a:t>
+            </a:r>
+            <a:endParaRPr sz="800" dirty="0">
+              <a:latin typeface="Tahoma"/>
+              <a:cs typeface="Tahoma"/>
+            </a:endParaRPr>
+          </a:p>
+        </p:txBody>
+      </p:sp>
+      <p:sp>
+        <p:nvSpPr>
+          <p:cNvPr id="7" name="object 7"/>
+          <p:cNvSpPr txBox="1"/>
+          <p:nvPr/>
+        </p:nvSpPr>
+        <p:spPr>
+          <a:xfrm>
+            <a:off x="11727810" y="6555081"/>
+            <a:ext cx="179202" cy="136576"/>
+          </a:xfrm>
+          <a:prstGeom prst="rect">
+            <a:avLst/>
+          </a:prstGeom>
+        </p:spPr>
+        <p:txBody>
+          <a:bodyPr vert="horz" wrap="square" lIns="0" tIns="13335" rIns="0" bIns="0" rtlCol="0">
+            <a:spAutoFit/>
+          </a:bodyPr>
+          <a:lstStyle/>
+          <a:p>
+            <a:pPr marL="38100">
+              <a:lnSpc>
+                <a:spcPct val="100000"/>
+              </a:lnSpc>
+              <a:spcBef>
+                <a:spcPts val="105"/>
+              </a:spcBef>
+            </a:pPr>
+            <a:fld id="{81D60167-4931-47E6-BA6A-407CBD079E47}" type="slidenum">
+              <a:rPr sz="800" dirty="0">
+                <a:solidFill>
+                  <a:srgbClr val="FFFFFF"/>
+                </a:solidFill>
+                <a:latin typeface="Tahoma"/>
+                <a:cs typeface="Tahoma"/>
+              </a:rPr>
+              <a:t>15</a:t>
+            </a:fld>
+            <a:endParaRPr sz="800" dirty="0">
+              <a:latin typeface="Tahoma"/>
+              <a:cs typeface="Tahoma"/>
+            </a:endParaRPr>
+          </a:p>
+        </p:txBody>
+      </p:sp>
+      <p:pic>
+        <p:nvPicPr>
+          <p:cNvPr id="3" name="object 4">
+            <a:extLst>
+              <a:ext uri="{FF2B5EF4-FFF2-40B4-BE49-F238E27FC236}">
+                <a16:creationId xmlns:a16="http://schemas.microsoft.com/office/drawing/2014/main" id="{5BFD5F36-9FCE-5785-80B8-5CA41793AAA9}"/>
+              </a:ext>
+            </a:extLst>
+          </p:cNvPr>
+          <p:cNvPicPr/>
+          <p:nvPr/>
+        </p:nvPicPr>
+        <p:blipFill>
+          <a:blip r:embed="rId2" cstate="print"/>
+          <a:stretch>
+            <a:fillRect/>
+          </a:stretch>
+        </p:blipFill>
+        <p:spPr>
+          <a:xfrm>
+            <a:off x="4239768" y="865263"/>
+            <a:ext cx="3712464" cy="3200400"/>
+          </a:xfrm>
+          <a:prstGeom prst="rect">
+            <a:avLst/>
+          </a:prstGeom>
+        </p:spPr>
+      </p:pic>
+    </p:spTree>
+  </p:cSld>
+  <p:clrMapOvr>
+    <a:masterClrMapping/>
+  </p:clrMapOvr>
+</p:sld>
+</file>
+
+<file path=ppt/slides/slide16.xml><?xml version="1.0" encoding="utf-8"?>
+<p:sld xmlns:a="http://schemas.openxmlformats.org/drawingml/2006/main" xmlns:r="http://schemas.openxmlformats.org/officeDocument/2006/relationships" xmlns:p="http://schemas.openxmlformats.org/presentationml/2006/main">
+  <p:cSld>
+    <p:spTree>
+      <p:nvGrpSpPr>
+        <p:cNvPr id="1" name=""/>
+        <p:cNvGrpSpPr/>
+        <p:nvPr/>
+      </p:nvGrpSpPr>
+      <p:grpSpPr>
+        <a:xfrm>
+          <a:off x="0" y="0"/>
+          <a:ext cx="0" cy="0"/>
+          <a:chOff x="0" y="0"/>
+          <a:chExt cx="0" cy="0"/>
+        </a:xfrm>
+      </p:grpSpPr>
+      <p:sp>
+        <p:nvSpPr>
+          <p:cNvPr id="10" name="Marcador de contenido 9">
+            <a:extLst>
+              <a:ext uri="{FF2B5EF4-FFF2-40B4-BE49-F238E27FC236}">
+                <a16:creationId xmlns:a16="http://schemas.microsoft.com/office/drawing/2014/main" id="{00830425-2A63-5EDF-2785-C0DEBA82D4E8}"/>
+              </a:ext>
+            </a:extLst>
+          </p:cNvPr>
+          <p:cNvSpPr>
+            <a:spLocks noGrp="1"/>
+          </p:cNvSpPr>
+          <p:nvPr>
+            <p:ph sz="quarter" idx="14"/>
+          </p:nvPr>
+        </p:nvSpPr>
+        <p:spPr>
+          <a:xfrm>
+            <a:off x="614245" y="1186004"/>
+            <a:ext cx="5255688" cy="4662534"/>
+          </a:xfrm>
+        </p:spPr>
+        <p:txBody>
+          <a:bodyPr>
+            <a:normAutofit fontScale="25000" lnSpcReduction="20000"/>
+          </a:bodyPr>
+          <a:lstStyle/>
+          <a:p>
+            <a:r>
+              <a:rPr lang="es-ES" b="1" dirty="0"/>
+              <a:t>Historia Usuario 1</a:t>
+            </a:r>
+          </a:p>
+          <a:p>
+            <a:pPr marL="0" indent="0">
+              <a:buNone/>
+            </a:pPr>
+            <a:endParaRPr lang="es-ES" dirty="0"/>
+          </a:p>
+          <a:p>
+            <a:pPr marL="0" indent="0">
+              <a:buNone/>
+            </a:pPr>
+            <a:r>
+              <a:rPr lang="es-ES" b="1" dirty="0"/>
+              <a:t>Nombre de historia: </a:t>
+            </a:r>
+            <a:r>
+              <a:rPr lang="es-ES" dirty="0"/>
+              <a:t>Lista de clientes.</a:t>
+            </a:r>
+          </a:p>
+          <a:p>
+            <a:pPr marL="0" indent="0">
+              <a:buNone/>
+            </a:pPr>
+            <a:r>
+              <a:rPr lang="es-ES" b="1" dirty="0"/>
+              <a:t>Descripción:</a:t>
+            </a:r>
+            <a:r>
+              <a:rPr lang="es-ES" dirty="0"/>
+              <a:t> Como usuario del sistema, quiero poder ver nuestra lista de clientes para tener una visión general de los mismos.</a:t>
+            </a:r>
+          </a:p>
+          <a:p>
+            <a:pPr marL="0" indent="0">
+              <a:buNone/>
+            </a:pPr>
+            <a:r>
+              <a:rPr lang="es-ES" b="1" dirty="0"/>
+              <a:t>Clase Test: </a:t>
+            </a:r>
+            <a:r>
+              <a:rPr lang="es-ES" dirty="0"/>
+              <a:t>ClientesControllerTest.java </a:t>
+            </a:r>
+            <a:r>
+              <a:rPr lang="es-ES" dirty="0">
+                <a:sym typeface="Wingdings" panose="05000000000000000000" pitchFamily="2" charset="2"/>
+              </a:rPr>
+              <a:t> </a:t>
+            </a:r>
+            <a:r>
+              <a:rPr lang="es-ES" dirty="0"/>
+              <a:t>ClientesController.java</a:t>
+            </a:r>
+          </a:p>
+          <a:p>
+            <a:pPr marL="0" indent="0">
+              <a:buNone/>
+            </a:pPr>
+            <a:r>
+              <a:rPr lang="es-ES" b="1" dirty="0"/>
+              <a:t>Método:</a:t>
+            </a:r>
+            <a:r>
+              <a:rPr lang="es-ES" dirty="0"/>
+              <a:t> </a:t>
+            </a:r>
+            <a:r>
+              <a:rPr lang="es-ES" dirty="0" err="1"/>
+              <a:t>void</a:t>
+            </a:r>
+            <a:r>
+              <a:rPr lang="es-ES" dirty="0"/>
+              <a:t> </a:t>
+            </a:r>
+            <a:r>
+              <a:rPr lang="es-ES" dirty="0" err="1"/>
+              <a:t>mostrarLista</a:t>
+            </a:r>
+            <a:r>
+              <a:rPr lang="es-ES" dirty="0"/>
+              <a:t>()</a:t>
+            </a:r>
+          </a:p>
+          <a:p>
+            <a:pPr marL="0" indent="0">
+              <a:buNone/>
+            </a:pPr>
+            <a:endParaRPr lang="es-ES" dirty="0"/>
+          </a:p>
+          <a:p>
+            <a:pPr marL="0" indent="0">
+              <a:buNone/>
+            </a:pPr>
+            <a:r>
+              <a:rPr lang="es-ES" b="1" dirty="0"/>
+              <a:t>Escenario 1: Lista de clientes (</a:t>
+            </a:r>
+            <a:r>
+              <a:rPr lang="es-ES" b="1" dirty="0" err="1"/>
+              <a:t>Happy</a:t>
+            </a:r>
+            <a:r>
+              <a:rPr lang="es-ES" b="1" dirty="0"/>
+              <a:t> </a:t>
+            </a:r>
+            <a:r>
+              <a:rPr lang="es-ES" b="1" dirty="0" err="1"/>
+              <a:t>Path</a:t>
+            </a:r>
+            <a:r>
+              <a:rPr lang="es-ES" b="1" dirty="0"/>
+              <a:t>)</a:t>
+            </a:r>
+          </a:p>
+          <a:p>
+            <a:r>
+              <a:rPr lang="es-ES" dirty="0">
+                <a:solidFill>
+                  <a:srgbClr val="9E880D"/>
+                </a:solidFill>
+                <a:effectLst/>
+                <a:latin typeface="JetBrains Mono"/>
+              </a:rPr>
+              <a:t>@Test</a:t>
+            </a:r>
+            <a:br>
+              <a:rPr lang="es-ES" dirty="0">
+                <a:solidFill>
+                  <a:srgbClr val="9E880D"/>
+                </a:solidFill>
+                <a:effectLst/>
+                <a:latin typeface="JetBrains Mono"/>
+              </a:rPr>
+            </a:br>
+            <a:r>
+              <a:rPr lang="es-ES" dirty="0">
+                <a:solidFill>
+                  <a:srgbClr val="9E880D"/>
+                </a:solidFill>
+                <a:effectLst/>
+                <a:latin typeface="JetBrains Mono"/>
+              </a:rPr>
+              <a:t>@Order</a:t>
+            </a:r>
+            <a:r>
+              <a:rPr lang="es-ES" dirty="0">
+                <a:solidFill>
+                  <a:srgbClr val="080808"/>
+                </a:solidFill>
+                <a:effectLst/>
+                <a:latin typeface="JetBrains Mono"/>
+              </a:rPr>
+              <a:t>(</a:t>
+            </a:r>
+            <a:r>
+              <a:rPr lang="es-ES" dirty="0">
+                <a:solidFill>
+                  <a:srgbClr val="1750EB"/>
+                </a:solidFill>
+                <a:effectLst/>
+                <a:latin typeface="JetBrains Mono"/>
+              </a:rPr>
+              <a:t>3</a:t>
+            </a:r>
+            <a:r>
+              <a:rPr lang="es-ES" dirty="0">
+                <a:solidFill>
+                  <a:srgbClr val="080808"/>
+                </a:solidFill>
+                <a:effectLst/>
+                <a:latin typeface="JetBrains Mono"/>
+              </a:rPr>
+              <a:t>)</a:t>
+            </a:r>
+            <a:br>
+              <a:rPr lang="es-ES" dirty="0">
+                <a:solidFill>
+                  <a:srgbClr val="080808"/>
+                </a:solidFill>
+                <a:effectLst/>
+                <a:latin typeface="JetBrains Mono"/>
+              </a:rPr>
+            </a:br>
+            <a:r>
+              <a:rPr lang="es-ES" dirty="0" err="1">
+                <a:solidFill>
+                  <a:srgbClr val="0033B3"/>
+                </a:solidFill>
+                <a:effectLst/>
+                <a:latin typeface="JetBrains Mono"/>
+              </a:rPr>
+              <a:t>void</a:t>
+            </a:r>
+            <a:r>
+              <a:rPr lang="es-ES" dirty="0">
+                <a:solidFill>
+                  <a:srgbClr val="0033B3"/>
+                </a:solidFill>
+                <a:effectLst/>
+                <a:latin typeface="JetBrains Mono"/>
+              </a:rPr>
+              <a:t> </a:t>
+            </a:r>
+            <a:r>
+              <a:rPr lang="es-ES" dirty="0">
+                <a:solidFill>
+                  <a:srgbClr val="00627A"/>
+                </a:solidFill>
+                <a:effectLst/>
+                <a:latin typeface="JetBrains Mono"/>
+              </a:rPr>
+              <a:t>dadoUsuarioQuiereConsultar_cuandoHayClientes_entoncesObtieneListaClientes</a:t>
+            </a:r>
+            <a:r>
+              <a:rPr lang="es-ES" dirty="0">
+                <a:solidFill>
+                  <a:srgbClr val="080808"/>
+                </a:solidFill>
+                <a:effectLst/>
+                <a:latin typeface="JetBrains Mono"/>
+              </a:rPr>
+              <a:t>() {</a:t>
+            </a:r>
+            <a:br>
+              <a:rPr lang="es-ES" dirty="0">
+                <a:solidFill>
+                  <a:srgbClr val="080808"/>
+                </a:solidFill>
+                <a:effectLst/>
+                <a:latin typeface="JetBrains Mono"/>
+              </a:rPr>
+            </a:br>
+            <a:r>
+              <a:rPr lang="es-ES" dirty="0">
+                <a:solidFill>
+                  <a:srgbClr val="080808"/>
+                </a:solidFill>
+                <a:effectLst/>
+                <a:latin typeface="JetBrains Mono"/>
+              </a:rPr>
+              <a:t>    </a:t>
+            </a:r>
+            <a:r>
+              <a:rPr lang="es-ES" i="1" dirty="0">
+                <a:solidFill>
+                  <a:srgbClr val="8C8C8C"/>
+                </a:solidFill>
+                <a:effectLst/>
+                <a:latin typeface="JetBrains Mono"/>
+              </a:rPr>
+              <a:t>//</a:t>
+            </a:r>
+            <a:r>
+              <a:rPr lang="es-ES" i="1" dirty="0" err="1">
+                <a:solidFill>
+                  <a:srgbClr val="8C8C8C"/>
+                </a:solidFill>
+                <a:effectLst/>
+                <a:latin typeface="JetBrains Mono"/>
+              </a:rPr>
+              <a:t>given</a:t>
+            </a:r>
+            <a:br>
+              <a:rPr lang="es-ES" i="1" dirty="0">
+                <a:solidFill>
+                  <a:srgbClr val="8C8C8C"/>
+                </a:solidFill>
+                <a:effectLst/>
+                <a:latin typeface="JetBrains Mono"/>
+              </a:rPr>
+            </a:br>
+            <a:r>
+              <a:rPr lang="es-ES" i="1" dirty="0">
+                <a:solidFill>
+                  <a:srgbClr val="8C8C8C"/>
+                </a:solidFill>
+                <a:effectLst/>
+                <a:latin typeface="JetBrains Mono"/>
+              </a:rPr>
+              <a:t>    </a:t>
+            </a:r>
+            <a:r>
+              <a:rPr lang="es-ES" dirty="0" err="1">
+                <a:solidFill>
+                  <a:srgbClr val="0033B3"/>
+                </a:solidFill>
+                <a:effectLst/>
+                <a:latin typeface="JetBrains Mono"/>
+              </a:rPr>
+              <a:t>int</a:t>
+            </a:r>
+            <a:r>
+              <a:rPr lang="es-ES" dirty="0">
+                <a:solidFill>
+                  <a:srgbClr val="0033B3"/>
+                </a:solidFill>
+                <a:effectLst/>
+                <a:latin typeface="JetBrains Mono"/>
+              </a:rPr>
+              <a:t> </a:t>
+            </a:r>
+            <a:r>
+              <a:rPr lang="es-ES" dirty="0">
+                <a:solidFill>
+                  <a:srgbClr val="000000"/>
+                </a:solidFill>
+                <a:effectLst/>
+                <a:latin typeface="JetBrains Mono"/>
+              </a:rPr>
+              <a:t>long1 </a:t>
+            </a:r>
+            <a:r>
+              <a:rPr lang="es-ES" dirty="0">
+                <a:solidFill>
+                  <a:srgbClr val="080808"/>
+                </a:solidFill>
+                <a:effectLst/>
+                <a:latin typeface="JetBrains Mono"/>
+              </a:rPr>
+              <a:t>= </a:t>
+            </a:r>
+            <a:r>
+              <a:rPr lang="es-ES" dirty="0" err="1">
+                <a:solidFill>
+                  <a:srgbClr val="000000"/>
+                </a:solidFill>
+                <a:effectLst/>
+                <a:latin typeface="JetBrains Mono"/>
+              </a:rPr>
+              <a:t>ClientesController</a:t>
+            </a:r>
+            <a:r>
+              <a:rPr lang="es-ES" dirty="0" err="1">
+                <a:solidFill>
+                  <a:srgbClr val="080808"/>
+                </a:solidFill>
+                <a:effectLst/>
+                <a:latin typeface="JetBrains Mono"/>
+              </a:rPr>
+              <a:t>.</a:t>
+            </a:r>
+            <a:r>
+              <a:rPr lang="es-ES" i="1" dirty="0" err="1">
+                <a:solidFill>
+                  <a:srgbClr val="080808"/>
+                </a:solidFill>
+                <a:effectLst/>
+                <a:latin typeface="JetBrains Mono"/>
+              </a:rPr>
+              <a:t>numeroClientes</a:t>
+            </a:r>
+            <a:r>
+              <a:rPr lang="es-ES" dirty="0">
+                <a:solidFill>
+                  <a:srgbClr val="080808"/>
+                </a:solidFill>
+                <a:effectLst/>
+                <a:latin typeface="JetBrains Mono"/>
+              </a:rPr>
+              <a:t>();</a:t>
+            </a:r>
+            <a:br>
+              <a:rPr lang="es-ES" dirty="0">
+                <a:solidFill>
+                  <a:srgbClr val="080808"/>
+                </a:solidFill>
+                <a:effectLst/>
+                <a:latin typeface="JetBrains Mono"/>
+              </a:rPr>
+            </a:br>
+            <a:r>
+              <a:rPr lang="es-ES" dirty="0">
+                <a:solidFill>
+                  <a:srgbClr val="080808"/>
+                </a:solidFill>
+                <a:effectLst/>
+                <a:latin typeface="JetBrains Mono"/>
+              </a:rPr>
+              <a:t>    </a:t>
+            </a:r>
+            <a:r>
+              <a:rPr lang="es-ES" i="1" dirty="0">
+                <a:solidFill>
+                  <a:srgbClr val="8C8C8C"/>
+                </a:solidFill>
+                <a:effectLst/>
+                <a:latin typeface="JetBrains Mono"/>
+              </a:rPr>
+              <a:t>//</a:t>
+            </a:r>
+            <a:r>
+              <a:rPr lang="es-ES" i="1" dirty="0" err="1">
+                <a:solidFill>
+                  <a:srgbClr val="8C8C8C"/>
+                </a:solidFill>
+                <a:effectLst/>
+                <a:latin typeface="JetBrains Mono"/>
+              </a:rPr>
+              <a:t>when</a:t>
+            </a:r>
+            <a:br>
+              <a:rPr lang="es-ES" i="1" dirty="0">
+                <a:solidFill>
+                  <a:srgbClr val="8C8C8C"/>
+                </a:solidFill>
+                <a:effectLst/>
+                <a:latin typeface="JetBrains Mono"/>
+              </a:rPr>
+            </a:br>
+            <a:r>
+              <a:rPr lang="es-ES" i="1" dirty="0">
+                <a:solidFill>
+                  <a:srgbClr val="8C8C8C"/>
+                </a:solidFill>
+                <a:effectLst/>
+                <a:latin typeface="JetBrains Mono"/>
+              </a:rPr>
+              <a:t>    </a:t>
+            </a:r>
+            <a:r>
+              <a:rPr lang="es-ES" dirty="0" err="1">
+                <a:solidFill>
+                  <a:srgbClr val="000000"/>
+                </a:solidFill>
+                <a:effectLst/>
+                <a:latin typeface="JetBrains Mono"/>
+              </a:rPr>
+              <a:t>ClientesController</a:t>
+            </a:r>
+            <a:r>
+              <a:rPr lang="es-ES" dirty="0" err="1">
+                <a:solidFill>
+                  <a:srgbClr val="080808"/>
+                </a:solidFill>
+                <a:effectLst/>
+                <a:latin typeface="JetBrains Mono"/>
+              </a:rPr>
+              <a:t>.</a:t>
+            </a:r>
+            <a:r>
+              <a:rPr lang="es-ES" i="1" dirty="0" err="1">
+                <a:solidFill>
+                  <a:srgbClr val="080808"/>
+                </a:solidFill>
+                <a:effectLst/>
+                <a:latin typeface="JetBrains Mono"/>
+              </a:rPr>
+              <a:t>mostrarLista</a:t>
+            </a:r>
+            <a:r>
+              <a:rPr lang="es-ES" dirty="0">
+                <a:solidFill>
+                  <a:srgbClr val="080808"/>
+                </a:solidFill>
+                <a:effectLst/>
+                <a:latin typeface="JetBrains Mono"/>
+              </a:rPr>
+              <a:t>();</a:t>
+            </a:r>
+            <a:br>
+              <a:rPr lang="es-ES" dirty="0">
+                <a:solidFill>
+                  <a:srgbClr val="080808"/>
+                </a:solidFill>
+                <a:effectLst/>
+                <a:latin typeface="JetBrains Mono"/>
+              </a:rPr>
+            </a:br>
+            <a:r>
+              <a:rPr lang="es-ES" dirty="0">
+                <a:solidFill>
+                  <a:srgbClr val="080808"/>
+                </a:solidFill>
+                <a:effectLst/>
+                <a:latin typeface="JetBrains Mono"/>
+              </a:rPr>
+              <a:t>    </a:t>
+            </a:r>
+            <a:r>
+              <a:rPr lang="es-ES" i="1" dirty="0">
+                <a:solidFill>
+                  <a:srgbClr val="8C8C8C"/>
+                </a:solidFill>
+                <a:effectLst/>
+                <a:latin typeface="JetBrains Mono"/>
+              </a:rPr>
+              <a:t>//</a:t>
+            </a:r>
+            <a:r>
+              <a:rPr lang="es-ES" i="1" dirty="0" err="1">
+                <a:solidFill>
+                  <a:srgbClr val="8C8C8C"/>
+                </a:solidFill>
+                <a:effectLst/>
+                <a:latin typeface="JetBrains Mono"/>
+              </a:rPr>
+              <a:t>then</a:t>
+            </a:r>
+            <a:br>
+              <a:rPr lang="es-ES" i="1" dirty="0">
+                <a:solidFill>
+                  <a:srgbClr val="8C8C8C"/>
+                </a:solidFill>
+                <a:effectLst/>
+                <a:latin typeface="JetBrains Mono"/>
+              </a:rPr>
+            </a:br>
+            <a:r>
+              <a:rPr lang="es-ES" i="1" dirty="0">
+                <a:solidFill>
+                  <a:srgbClr val="8C8C8C"/>
+                </a:solidFill>
+                <a:effectLst/>
+                <a:latin typeface="JetBrains Mono"/>
+              </a:rPr>
+              <a:t>    </a:t>
+            </a:r>
+            <a:r>
+              <a:rPr lang="es-ES" i="1" dirty="0" err="1">
+                <a:solidFill>
+                  <a:srgbClr val="080808"/>
+                </a:solidFill>
+                <a:effectLst/>
+                <a:latin typeface="JetBrains Mono"/>
+              </a:rPr>
+              <a:t>assertEquals</a:t>
+            </a:r>
+            <a:r>
+              <a:rPr lang="es-ES" dirty="0">
+                <a:solidFill>
+                  <a:srgbClr val="080808"/>
+                </a:solidFill>
+                <a:effectLst/>
+                <a:latin typeface="JetBrains Mono"/>
+              </a:rPr>
+              <a:t>(</a:t>
+            </a:r>
+            <a:r>
+              <a:rPr lang="es-ES" dirty="0">
+                <a:solidFill>
+                  <a:srgbClr val="1750EB"/>
+                </a:solidFill>
+                <a:effectLst/>
+                <a:latin typeface="JetBrains Mono"/>
+              </a:rPr>
+              <a:t>3</a:t>
+            </a:r>
+            <a:r>
+              <a:rPr lang="es-ES" dirty="0">
+                <a:solidFill>
+                  <a:srgbClr val="080808"/>
+                </a:solidFill>
+                <a:effectLst/>
+                <a:latin typeface="JetBrains Mono"/>
+              </a:rPr>
+              <a:t>, </a:t>
+            </a:r>
+            <a:r>
+              <a:rPr lang="es-ES" dirty="0">
+                <a:solidFill>
+                  <a:srgbClr val="000000"/>
+                </a:solidFill>
+                <a:effectLst/>
+                <a:latin typeface="JetBrains Mono"/>
+              </a:rPr>
+              <a:t>long1</a:t>
+            </a:r>
+            <a:r>
+              <a:rPr lang="es-ES" dirty="0">
+                <a:solidFill>
+                  <a:srgbClr val="080808"/>
+                </a:solidFill>
+                <a:effectLst/>
+                <a:latin typeface="JetBrains Mono"/>
+              </a:rPr>
+              <a:t>);</a:t>
+            </a:r>
+            <a:br>
+              <a:rPr lang="es-ES" dirty="0">
+                <a:solidFill>
+                  <a:srgbClr val="080808"/>
+                </a:solidFill>
+                <a:effectLst/>
+                <a:latin typeface="JetBrains Mono"/>
+              </a:rPr>
+            </a:br>
+            <a:r>
+              <a:rPr lang="es-ES" dirty="0">
+                <a:solidFill>
+                  <a:srgbClr val="080808"/>
+                </a:solidFill>
+                <a:effectLst/>
+                <a:latin typeface="JetBrains Mono"/>
+              </a:rPr>
+              <a:t>}</a:t>
+            </a:r>
+          </a:p>
+          <a:p>
+            <a:pPr marL="0" indent="0">
+              <a:buNone/>
+            </a:pPr>
+            <a:endParaRPr lang="es-ES" dirty="0"/>
+          </a:p>
+          <a:p>
+            <a:pPr marL="0" indent="0">
+              <a:buNone/>
+            </a:pPr>
+            <a:r>
+              <a:rPr lang="es-ES" b="1" dirty="0"/>
+              <a:t>Escenario 2: Lista de clientes (Negativo/Alternativo)</a:t>
+            </a:r>
+          </a:p>
+          <a:p>
+            <a:r>
+              <a:rPr lang="es-ES" dirty="0">
+                <a:solidFill>
+                  <a:srgbClr val="9E880D"/>
+                </a:solidFill>
+                <a:effectLst/>
+                <a:latin typeface="JetBrains Mono"/>
+              </a:rPr>
+              <a:t>@Test</a:t>
+            </a:r>
+            <a:br>
+              <a:rPr lang="es-ES" dirty="0">
+                <a:solidFill>
+                  <a:srgbClr val="9E880D"/>
+                </a:solidFill>
+                <a:effectLst/>
+                <a:latin typeface="JetBrains Mono"/>
+              </a:rPr>
+            </a:br>
+            <a:r>
+              <a:rPr lang="es-ES" dirty="0">
+                <a:solidFill>
+                  <a:srgbClr val="9E880D"/>
+                </a:solidFill>
+                <a:effectLst/>
+                <a:latin typeface="JetBrains Mono"/>
+              </a:rPr>
+              <a:t>@Order</a:t>
+            </a:r>
+            <a:r>
+              <a:rPr lang="es-ES" dirty="0">
+                <a:solidFill>
+                  <a:srgbClr val="080808"/>
+                </a:solidFill>
+                <a:effectLst/>
+                <a:latin typeface="JetBrains Mono"/>
+              </a:rPr>
+              <a:t>(</a:t>
+            </a:r>
+            <a:r>
+              <a:rPr lang="es-ES" dirty="0">
+                <a:solidFill>
+                  <a:srgbClr val="1750EB"/>
+                </a:solidFill>
+                <a:effectLst/>
+                <a:latin typeface="JetBrains Mono"/>
+              </a:rPr>
+              <a:t>4</a:t>
+            </a:r>
+            <a:r>
+              <a:rPr lang="es-ES" dirty="0">
+                <a:solidFill>
+                  <a:srgbClr val="080808"/>
+                </a:solidFill>
+                <a:effectLst/>
+                <a:latin typeface="JetBrains Mono"/>
+              </a:rPr>
+              <a:t>)</a:t>
+            </a:r>
+            <a:br>
+              <a:rPr lang="es-ES" dirty="0">
+                <a:solidFill>
+                  <a:srgbClr val="080808"/>
+                </a:solidFill>
+                <a:effectLst/>
+                <a:latin typeface="JetBrains Mono"/>
+              </a:rPr>
+            </a:br>
+            <a:r>
+              <a:rPr lang="es-ES" dirty="0" err="1">
+                <a:solidFill>
+                  <a:srgbClr val="0033B3"/>
+                </a:solidFill>
+                <a:effectLst/>
+                <a:latin typeface="JetBrains Mono"/>
+              </a:rPr>
+              <a:t>void</a:t>
+            </a:r>
+            <a:r>
+              <a:rPr lang="es-ES" dirty="0">
+                <a:solidFill>
+                  <a:srgbClr val="0033B3"/>
+                </a:solidFill>
+                <a:effectLst/>
+                <a:latin typeface="JetBrains Mono"/>
+              </a:rPr>
+              <a:t> </a:t>
+            </a:r>
+            <a:r>
+              <a:rPr lang="es-ES" dirty="0">
+                <a:solidFill>
+                  <a:srgbClr val="00627A"/>
+                </a:solidFill>
+                <a:effectLst/>
+                <a:latin typeface="JetBrains Mono"/>
+              </a:rPr>
+              <a:t>dadoUsuarioQuiereConsultar_cuandoNoHayClientes_entoncesObtieneListaVacia</a:t>
+            </a:r>
+            <a:r>
+              <a:rPr lang="es-ES" dirty="0">
+                <a:solidFill>
+                  <a:srgbClr val="080808"/>
+                </a:solidFill>
+                <a:effectLst/>
+                <a:latin typeface="JetBrains Mono"/>
+              </a:rPr>
+              <a:t>() {</a:t>
+            </a:r>
+            <a:br>
+              <a:rPr lang="es-ES" dirty="0">
+                <a:solidFill>
+                  <a:srgbClr val="080808"/>
+                </a:solidFill>
+                <a:effectLst/>
+                <a:latin typeface="JetBrains Mono"/>
+              </a:rPr>
+            </a:br>
+            <a:r>
+              <a:rPr lang="es-ES" dirty="0">
+                <a:solidFill>
+                  <a:srgbClr val="080808"/>
+                </a:solidFill>
+                <a:effectLst/>
+                <a:latin typeface="JetBrains Mono"/>
+              </a:rPr>
+              <a:t>    </a:t>
+            </a:r>
+            <a:r>
+              <a:rPr lang="es-ES" i="1" dirty="0">
+                <a:solidFill>
+                  <a:srgbClr val="8C8C8C"/>
+                </a:solidFill>
+                <a:effectLst/>
+                <a:latin typeface="JetBrains Mono"/>
+              </a:rPr>
+              <a:t>//</a:t>
+            </a:r>
+            <a:r>
+              <a:rPr lang="es-ES" i="1" dirty="0" err="1">
+                <a:solidFill>
+                  <a:srgbClr val="8C8C8C"/>
+                </a:solidFill>
+                <a:effectLst/>
+                <a:latin typeface="JetBrains Mono"/>
+              </a:rPr>
+              <a:t>given</a:t>
+            </a:r>
+            <a:br>
+              <a:rPr lang="es-ES" i="1" dirty="0">
+                <a:solidFill>
+                  <a:srgbClr val="8C8C8C"/>
+                </a:solidFill>
+                <a:effectLst/>
+                <a:latin typeface="JetBrains Mono"/>
+              </a:rPr>
+            </a:br>
+            <a:r>
+              <a:rPr lang="es-ES" i="1" dirty="0">
+                <a:solidFill>
+                  <a:srgbClr val="8C8C8C"/>
+                </a:solidFill>
+                <a:effectLst/>
+                <a:latin typeface="JetBrains Mono"/>
+              </a:rPr>
+              <a:t>    </a:t>
+            </a:r>
+            <a:r>
+              <a:rPr lang="es-ES" dirty="0" err="1">
+                <a:solidFill>
+                  <a:srgbClr val="000000"/>
+                </a:solidFill>
+                <a:effectLst/>
+                <a:latin typeface="JetBrains Mono"/>
+              </a:rPr>
+              <a:t>ClientesController</a:t>
+            </a:r>
+            <a:r>
+              <a:rPr lang="es-ES" dirty="0" err="1">
+                <a:solidFill>
+                  <a:srgbClr val="080808"/>
+                </a:solidFill>
+                <a:effectLst/>
+                <a:latin typeface="JetBrains Mono"/>
+              </a:rPr>
+              <a:t>.</a:t>
+            </a:r>
+            <a:r>
+              <a:rPr lang="es-ES" i="1" dirty="0" err="1">
+                <a:solidFill>
+                  <a:srgbClr val="080808"/>
+                </a:solidFill>
+                <a:effectLst/>
+                <a:latin typeface="JetBrains Mono"/>
+              </a:rPr>
+              <a:t>eliminar</a:t>
+            </a:r>
+            <a:r>
+              <a:rPr lang="es-ES" dirty="0">
+                <a:solidFill>
+                  <a:srgbClr val="080808"/>
+                </a:solidFill>
+                <a:effectLst/>
+                <a:latin typeface="JetBrains Mono"/>
+              </a:rPr>
+              <a:t>(</a:t>
+            </a:r>
+            <a:r>
+              <a:rPr lang="es-ES" dirty="0">
+                <a:solidFill>
+                  <a:srgbClr val="1750EB"/>
+                </a:solidFill>
+                <a:effectLst/>
+                <a:latin typeface="JetBrains Mono"/>
+              </a:rPr>
+              <a:t>1</a:t>
+            </a:r>
+            <a:r>
+              <a:rPr lang="es-ES" dirty="0">
+                <a:solidFill>
+                  <a:srgbClr val="080808"/>
+                </a:solidFill>
+                <a:effectLst/>
+                <a:latin typeface="JetBrains Mono"/>
+              </a:rPr>
+              <a:t>);</a:t>
+            </a:r>
+            <a:br>
+              <a:rPr lang="es-ES" dirty="0">
+                <a:solidFill>
+                  <a:srgbClr val="080808"/>
+                </a:solidFill>
+                <a:effectLst/>
+                <a:latin typeface="JetBrains Mono"/>
+              </a:rPr>
+            </a:br>
+            <a:r>
+              <a:rPr lang="es-ES" dirty="0">
+                <a:solidFill>
+                  <a:srgbClr val="080808"/>
+                </a:solidFill>
+                <a:effectLst/>
+                <a:latin typeface="JetBrains Mono"/>
+              </a:rPr>
+              <a:t>    </a:t>
+            </a:r>
+            <a:r>
+              <a:rPr lang="es-ES" dirty="0" err="1">
+                <a:solidFill>
+                  <a:srgbClr val="000000"/>
+                </a:solidFill>
+                <a:effectLst/>
+                <a:latin typeface="JetBrains Mono"/>
+              </a:rPr>
+              <a:t>ClientesController</a:t>
+            </a:r>
+            <a:r>
+              <a:rPr lang="es-ES" dirty="0" err="1">
+                <a:solidFill>
+                  <a:srgbClr val="080808"/>
+                </a:solidFill>
+                <a:effectLst/>
+                <a:latin typeface="JetBrains Mono"/>
+              </a:rPr>
+              <a:t>.</a:t>
+            </a:r>
+            <a:r>
+              <a:rPr lang="es-ES" i="1" dirty="0" err="1">
+                <a:solidFill>
+                  <a:srgbClr val="080808"/>
+                </a:solidFill>
+                <a:effectLst/>
+                <a:latin typeface="JetBrains Mono"/>
+              </a:rPr>
+              <a:t>eliminar</a:t>
+            </a:r>
+            <a:r>
+              <a:rPr lang="es-ES" dirty="0">
+                <a:solidFill>
+                  <a:srgbClr val="080808"/>
+                </a:solidFill>
+                <a:effectLst/>
+                <a:latin typeface="JetBrains Mono"/>
+              </a:rPr>
+              <a:t>(</a:t>
+            </a:r>
+            <a:r>
+              <a:rPr lang="es-ES" dirty="0">
+                <a:solidFill>
+                  <a:srgbClr val="1750EB"/>
+                </a:solidFill>
+                <a:effectLst/>
+                <a:latin typeface="JetBrains Mono"/>
+              </a:rPr>
+              <a:t>2</a:t>
+            </a:r>
+            <a:r>
+              <a:rPr lang="es-ES" dirty="0">
+                <a:solidFill>
+                  <a:srgbClr val="080808"/>
+                </a:solidFill>
+                <a:effectLst/>
+                <a:latin typeface="JetBrains Mono"/>
+              </a:rPr>
+              <a:t>);</a:t>
+            </a:r>
+            <a:br>
+              <a:rPr lang="es-ES" dirty="0">
+                <a:solidFill>
+                  <a:srgbClr val="080808"/>
+                </a:solidFill>
+                <a:effectLst/>
+                <a:latin typeface="JetBrains Mono"/>
+              </a:rPr>
+            </a:br>
+            <a:r>
+              <a:rPr lang="es-ES" dirty="0">
+                <a:solidFill>
+                  <a:srgbClr val="080808"/>
+                </a:solidFill>
+                <a:effectLst/>
+                <a:latin typeface="JetBrains Mono"/>
+              </a:rPr>
+              <a:t>    </a:t>
+            </a:r>
+            <a:r>
+              <a:rPr lang="es-ES" dirty="0" err="1">
+                <a:solidFill>
+                  <a:srgbClr val="000000"/>
+                </a:solidFill>
+                <a:effectLst/>
+                <a:latin typeface="JetBrains Mono"/>
+              </a:rPr>
+              <a:t>ClientesController</a:t>
+            </a:r>
+            <a:r>
+              <a:rPr lang="es-ES" dirty="0" err="1">
+                <a:solidFill>
+                  <a:srgbClr val="080808"/>
+                </a:solidFill>
+                <a:effectLst/>
+                <a:latin typeface="JetBrains Mono"/>
+              </a:rPr>
+              <a:t>.</a:t>
+            </a:r>
+            <a:r>
+              <a:rPr lang="es-ES" i="1" dirty="0" err="1">
+                <a:solidFill>
+                  <a:srgbClr val="080808"/>
+                </a:solidFill>
+                <a:effectLst/>
+                <a:latin typeface="JetBrains Mono"/>
+              </a:rPr>
+              <a:t>eliminar</a:t>
+            </a:r>
+            <a:r>
+              <a:rPr lang="es-ES" dirty="0">
+                <a:solidFill>
+                  <a:srgbClr val="080808"/>
+                </a:solidFill>
+                <a:effectLst/>
+                <a:latin typeface="JetBrains Mono"/>
+              </a:rPr>
+              <a:t>(</a:t>
+            </a:r>
+            <a:r>
+              <a:rPr lang="es-ES" dirty="0">
+                <a:solidFill>
+                  <a:srgbClr val="1750EB"/>
+                </a:solidFill>
+                <a:effectLst/>
+                <a:latin typeface="JetBrains Mono"/>
+              </a:rPr>
+              <a:t>3</a:t>
+            </a:r>
+            <a:r>
+              <a:rPr lang="es-ES" dirty="0">
+                <a:solidFill>
+                  <a:srgbClr val="080808"/>
+                </a:solidFill>
+                <a:effectLst/>
+                <a:latin typeface="JetBrains Mono"/>
+              </a:rPr>
+              <a:t>);</a:t>
+            </a:r>
+            <a:br>
+              <a:rPr lang="es-ES" dirty="0">
+                <a:solidFill>
+                  <a:srgbClr val="080808"/>
+                </a:solidFill>
+                <a:effectLst/>
+                <a:latin typeface="JetBrains Mono"/>
+              </a:rPr>
+            </a:br>
+            <a:r>
+              <a:rPr lang="es-ES" dirty="0">
+                <a:solidFill>
+                  <a:srgbClr val="080808"/>
+                </a:solidFill>
+                <a:effectLst/>
+                <a:latin typeface="JetBrains Mono"/>
+              </a:rPr>
+              <a:t>    </a:t>
+            </a:r>
+            <a:r>
+              <a:rPr lang="es-ES" dirty="0" err="1">
+                <a:solidFill>
+                  <a:srgbClr val="0033B3"/>
+                </a:solidFill>
+                <a:effectLst/>
+                <a:latin typeface="JetBrains Mono"/>
+              </a:rPr>
+              <a:t>int</a:t>
+            </a:r>
+            <a:r>
+              <a:rPr lang="es-ES" dirty="0">
+                <a:solidFill>
+                  <a:srgbClr val="0033B3"/>
+                </a:solidFill>
+                <a:effectLst/>
+                <a:latin typeface="JetBrains Mono"/>
+              </a:rPr>
+              <a:t> </a:t>
+            </a:r>
+            <a:r>
+              <a:rPr lang="es-ES" dirty="0">
+                <a:solidFill>
+                  <a:srgbClr val="000000"/>
+                </a:solidFill>
+                <a:effectLst/>
+                <a:latin typeface="JetBrains Mono"/>
+              </a:rPr>
+              <a:t>long1 </a:t>
+            </a:r>
+            <a:r>
+              <a:rPr lang="es-ES" dirty="0">
+                <a:solidFill>
+                  <a:srgbClr val="080808"/>
+                </a:solidFill>
+                <a:effectLst/>
+                <a:latin typeface="JetBrains Mono"/>
+              </a:rPr>
+              <a:t>= </a:t>
+            </a:r>
+            <a:r>
+              <a:rPr lang="es-ES" dirty="0" err="1">
+                <a:solidFill>
+                  <a:srgbClr val="000000"/>
+                </a:solidFill>
+                <a:effectLst/>
+                <a:latin typeface="JetBrains Mono"/>
+              </a:rPr>
+              <a:t>ClientesController</a:t>
+            </a:r>
+            <a:r>
+              <a:rPr lang="es-ES" dirty="0" err="1">
+                <a:solidFill>
+                  <a:srgbClr val="080808"/>
+                </a:solidFill>
+                <a:effectLst/>
+                <a:latin typeface="JetBrains Mono"/>
+              </a:rPr>
+              <a:t>.</a:t>
+            </a:r>
+            <a:r>
+              <a:rPr lang="es-ES" i="1" dirty="0" err="1">
+                <a:solidFill>
+                  <a:srgbClr val="080808"/>
+                </a:solidFill>
+                <a:effectLst/>
+                <a:latin typeface="JetBrains Mono"/>
+              </a:rPr>
+              <a:t>numeroClientes</a:t>
+            </a:r>
+            <a:r>
+              <a:rPr lang="es-ES" dirty="0">
+                <a:solidFill>
+                  <a:srgbClr val="080808"/>
+                </a:solidFill>
+                <a:effectLst/>
+                <a:latin typeface="JetBrains Mono"/>
+              </a:rPr>
+              <a:t>();</a:t>
+            </a:r>
+            <a:br>
+              <a:rPr lang="es-ES" dirty="0">
+                <a:solidFill>
+                  <a:srgbClr val="080808"/>
+                </a:solidFill>
+                <a:effectLst/>
+                <a:latin typeface="JetBrains Mono"/>
+              </a:rPr>
+            </a:br>
+            <a:r>
+              <a:rPr lang="es-ES" dirty="0">
+                <a:solidFill>
+                  <a:srgbClr val="080808"/>
+                </a:solidFill>
+                <a:effectLst/>
+                <a:latin typeface="JetBrains Mono"/>
+              </a:rPr>
+              <a:t>    </a:t>
+            </a:r>
+            <a:r>
+              <a:rPr lang="es-ES" i="1" dirty="0">
+                <a:solidFill>
+                  <a:srgbClr val="8C8C8C"/>
+                </a:solidFill>
+                <a:effectLst/>
+                <a:latin typeface="JetBrains Mono"/>
+              </a:rPr>
+              <a:t>//</a:t>
+            </a:r>
+            <a:r>
+              <a:rPr lang="es-ES" i="1" dirty="0" err="1">
+                <a:solidFill>
+                  <a:srgbClr val="8C8C8C"/>
+                </a:solidFill>
+                <a:effectLst/>
+                <a:latin typeface="JetBrains Mono"/>
+              </a:rPr>
+              <a:t>when</a:t>
+            </a:r>
+            <a:br>
+              <a:rPr lang="es-ES" i="1" dirty="0">
+                <a:solidFill>
+                  <a:srgbClr val="8C8C8C"/>
+                </a:solidFill>
+                <a:effectLst/>
+                <a:latin typeface="JetBrains Mono"/>
+              </a:rPr>
+            </a:br>
+            <a:r>
+              <a:rPr lang="es-ES" i="1" dirty="0">
+                <a:solidFill>
+                  <a:srgbClr val="8C8C8C"/>
+                </a:solidFill>
+                <a:effectLst/>
+                <a:latin typeface="JetBrains Mono"/>
+              </a:rPr>
+              <a:t>    </a:t>
+            </a:r>
+            <a:r>
+              <a:rPr lang="es-ES" dirty="0" err="1">
+                <a:solidFill>
+                  <a:srgbClr val="000000"/>
+                </a:solidFill>
+                <a:effectLst/>
+                <a:latin typeface="JetBrains Mono"/>
+              </a:rPr>
+              <a:t>ClientesController</a:t>
+            </a:r>
+            <a:r>
+              <a:rPr lang="es-ES" dirty="0" err="1">
+                <a:solidFill>
+                  <a:srgbClr val="080808"/>
+                </a:solidFill>
+                <a:effectLst/>
+                <a:latin typeface="JetBrains Mono"/>
+              </a:rPr>
+              <a:t>.</a:t>
+            </a:r>
+            <a:r>
+              <a:rPr lang="es-ES" i="1" dirty="0" err="1">
+                <a:solidFill>
+                  <a:srgbClr val="080808"/>
+                </a:solidFill>
+                <a:effectLst/>
+                <a:latin typeface="JetBrains Mono"/>
+              </a:rPr>
+              <a:t>mostrarLista</a:t>
+            </a:r>
+            <a:r>
+              <a:rPr lang="es-ES" dirty="0">
+                <a:solidFill>
+                  <a:srgbClr val="080808"/>
+                </a:solidFill>
+                <a:effectLst/>
+                <a:latin typeface="JetBrains Mono"/>
+              </a:rPr>
+              <a:t>();</a:t>
+            </a:r>
+            <a:br>
+              <a:rPr lang="es-ES" dirty="0">
+                <a:solidFill>
+                  <a:srgbClr val="080808"/>
+                </a:solidFill>
+                <a:effectLst/>
+                <a:latin typeface="JetBrains Mono"/>
+              </a:rPr>
+            </a:br>
+            <a:r>
+              <a:rPr lang="es-ES" dirty="0">
+                <a:solidFill>
+                  <a:srgbClr val="080808"/>
+                </a:solidFill>
+                <a:effectLst/>
+                <a:latin typeface="JetBrains Mono"/>
+              </a:rPr>
+              <a:t>    </a:t>
+            </a:r>
+            <a:r>
+              <a:rPr lang="es-ES" i="1" dirty="0">
+                <a:solidFill>
+                  <a:srgbClr val="8C8C8C"/>
+                </a:solidFill>
+                <a:effectLst/>
+                <a:latin typeface="JetBrains Mono"/>
+              </a:rPr>
+              <a:t>//</a:t>
+            </a:r>
+            <a:r>
+              <a:rPr lang="es-ES" i="1" dirty="0" err="1">
+                <a:solidFill>
+                  <a:srgbClr val="8C8C8C"/>
+                </a:solidFill>
+                <a:effectLst/>
+                <a:latin typeface="JetBrains Mono"/>
+              </a:rPr>
+              <a:t>then</a:t>
+            </a:r>
+            <a:br>
+              <a:rPr lang="es-ES" i="1" dirty="0">
+                <a:solidFill>
+                  <a:srgbClr val="8C8C8C"/>
+                </a:solidFill>
+                <a:effectLst/>
+                <a:latin typeface="JetBrains Mono"/>
+              </a:rPr>
+            </a:br>
+            <a:r>
+              <a:rPr lang="es-ES" i="1" dirty="0">
+                <a:solidFill>
+                  <a:srgbClr val="8C8C8C"/>
+                </a:solidFill>
+                <a:effectLst/>
+                <a:latin typeface="JetBrains Mono"/>
+              </a:rPr>
+              <a:t>    </a:t>
+            </a:r>
+            <a:r>
+              <a:rPr lang="es-ES" i="1" dirty="0" err="1">
+                <a:solidFill>
+                  <a:srgbClr val="080808"/>
+                </a:solidFill>
+                <a:effectLst/>
+                <a:latin typeface="JetBrains Mono"/>
+              </a:rPr>
+              <a:t>assertEquals</a:t>
+            </a:r>
+            <a:r>
+              <a:rPr lang="es-ES" dirty="0">
+                <a:solidFill>
+                  <a:srgbClr val="080808"/>
+                </a:solidFill>
+                <a:effectLst/>
+                <a:latin typeface="JetBrains Mono"/>
+              </a:rPr>
+              <a:t>(</a:t>
+            </a:r>
+            <a:r>
+              <a:rPr lang="es-ES" dirty="0">
+                <a:solidFill>
+                  <a:srgbClr val="1750EB"/>
+                </a:solidFill>
+                <a:effectLst/>
+                <a:latin typeface="JetBrains Mono"/>
+              </a:rPr>
+              <a:t>0</a:t>
+            </a:r>
+            <a:r>
+              <a:rPr lang="es-ES" dirty="0">
+                <a:solidFill>
+                  <a:srgbClr val="080808"/>
+                </a:solidFill>
+                <a:effectLst/>
+                <a:latin typeface="JetBrains Mono"/>
+              </a:rPr>
+              <a:t>, </a:t>
+            </a:r>
+            <a:r>
+              <a:rPr lang="es-ES" dirty="0">
+                <a:solidFill>
+                  <a:srgbClr val="000000"/>
+                </a:solidFill>
+                <a:effectLst/>
+                <a:latin typeface="JetBrains Mono"/>
+              </a:rPr>
+              <a:t>long1</a:t>
+            </a:r>
+            <a:r>
+              <a:rPr lang="es-ES" dirty="0">
+                <a:solidFill>
+                  <a:srgbClr val="080808"/>
+                </a:solidFill>
+                <a:effectLst/>
+                <a:latin typeface="JetBrains Mono"/>
+              </a:rPr>
+              <a:t>);</a:t>
+            </a:r>
+            <a:br>
+              <a:rPr lang="es-ES" dirty="0">
+                <a:solidFill>
+                  <a:srgbClr val="080808"/>
+                </a:solidFill>
+                <a:effectLst/>
+                <a:latin typeface="JetBrains Mono"/>
+              </a:rPr>
+            </a:br>
+            <a:r>
+              <a:rPr lang="es-ES" dirty="0">
+                <a:solidFill>
+                  <a:srgbClr val="080808"/>
+                </a:solidFill>
+                <a:effectLst/>
+                <a:latin typeface="JetBrains Mono"/>
+              </a:rPr>
+              <a:t>}</a:t>
+            </a:r>
+          </a:p>
+        </p:txBody>
+      </p:sp>
+      <p:pic>
+        <p:nvPicPr>
+          <p:cNvPr id="5" name="Imagen 4">
+            <a:extLst>
+              <a:ext uri="{FF2B5EF4-FFF2-40B4-BE49-F238E27FC236}">
+                <a16:creationId xmlns:a16="http://schemas.microsoft.com/office/drawing/2014/main" id="{77E68A0A-74FB-B524-FC62-82D76DFD1473}"/>
+              </a:ext>
+            </a:extLst>
+          </p:cNvPr>
+          <p:cNvPicPr>
+            <a:picLocks noChangeAspect="1"/>
+          </p:cNvPicPr>
+          <p:nvPr/>
+        </p:nvPicPr>
+        <p:blipFill>
+          <a:blip r:embed="rId2"/>
+          <a:stretch>
+            <a:fillRect/>
+          </a:stretch>
+        </p:blipFill>
+        <p:spPr>
+          <a:xfrm>
+            <a:off x="6322069" y="1815271"/>
+            <a:ext cx="5255688" cy="3404000"/>
+          </a:xfrm>
+          <a:prstGeom prst="rect">
+            <a:avLst/>
+          </a:prstGeom>
+          <a:noFill/>
+        </p:spPr>
+      </p:pic>
+      <p:sp>
+        <p:nvSpPr>
+          <p:cNvPr id="9" name="Título 8">
+            <a:extLst>
+              <a:ext uri="{FF2B5EF4-FFF2-40B4-BE49-F238E27FC236}">
+                <a16:creationId xmlns:a16="http://schemas.microsoft.com/office/drawing/2014/main" id="{D356E8D1-63AD-5A06-B27E-2BA26CA00AFE}"/>
+              </a:ext>
+            </a:extLst>
+          </p:cNvPr>
+          <p:cNvSpPr>
+            <a:spLocks noGrp="1"/>
+          </p:cNvSpPr>
+          <p:nvPr>
+            <p:ph type="title"/>
+          </p:nvPr>
+        </p:nvSpPr>
+        <p:spPr>
+          <a:xfrm>
+            <a:off x="488887" y="298764"/>
+            <a:ext cx="11063335" cy="570369"/>
+          </a:xfrm>
+        </p:spPr>
+        <p:txBody>
+          <a:bodyPr anchor="t">
+            <a:normAutofit/>
+          </a:bodyPr>
+          <a:lstStyle/>
+          <a:p>
+            <a:r>
+              <a:rPr lang="es-ES" dirty="0"/>
+              <a:t>Reto 3: Test de Integración (historia de usuario 1)</a:t>
+            </a:r>
+          </a:p>
+        </p:txBody>
+      </p:sp>
+      <p:sp>
+        <p:nvSpPr>
+          <p:cNvPr id="4" name="Marcador de número de diapositiva 3">
+            <a:extLst>
+              <a:ext uri="{FF2B5EF4-FFF2-40B4-BE49-F238E27FC236}">
+                <a16:creationId xmlns:a16="http://schemas.microsoft.com/office/drawing/2014/main" id="{8ABE7444-0FD4-02F9-75E7-285C03666166}"/>
+              </a:ext>
+            </a:extLst>
+          </p:cNvPr>
+          <p:cNvSpPr>
+            <a:spLocks noGrp="1"/>
+          </p:cNvSpPr>
+          <p:nvPr>
+            <p:ph type="sldNum" sz="quarter" idx="4"/>
+          </p:nvPr>
+        </p:nvSpPr>
+        <p:spPr>
+          <a:xfrm>
+            <a:off x="9204354" y="6446880"/>
+            <a:ext cx="2743200" cy="365125"/>
+          </a:xfrm>
+        </p:spPr>
+        <p:txBody>
+          <a:bodyPr anchor="ctr">
+            <a:normAutofit/>
+          </a:bodyPr>
+          <a:lstStyle/>
+          <a:p>
+            <a:pPr>
+              <a:spcAft>
+                <a:spcPts val="600"/>
+              </a:spcAft>
+            </a:pPr>
+            <a:fld id="{E240B7DA-D0F2-44A7-A4AA-8B59C59B5873}" type="slidenum">
+              <a:rPr lang="es-ES" smtClean="0"/>
+              <a:pPr>
+                <a:spcAft>
+                  <a:spcPts val="600"/>
+                </a:spcAft>
+              </a:pPr>
+              <a:t>16</a:t>
+            </a:fld>
+            <a:endParaRPr lang="es-ES"/>
+          </a:p>
+        </p:txBody>
+      </p:sp>
+      <p:sp>
+        <p:nvSpPr>
+          <p:cNvPr id="15" name="Footer Placeholder 5">
+            <a:extLst>
+              <a:ext uri="{FF2B5EF4-FFF2-40B4-BE49-F238E27FC236}">
+                <a16:creationId xmlns:a16="http://schemas.microsoft.com/office/drawing/2014/main" id="{49D03C16-87E5-4423-E820-F3A8AF4FE09D}"/>
+              </a:ext>
+            </a:extLst>
+          </p:cNvPr>
+          <p:cNvSpPr>
+            <a:spLocks noGrp="1"/>
+          </p:cNvSpPr>
+          <p:nvPr>
+            <p:ph type="ftr" sz="quarter" idx="3"/>
+          </p:nvPr>
+        </p:nvSpPr>
+        <p:spPr>
+          <a:xfrm>
+            <a:off x="272360" y="6446880"/>
+            <a:ext cx="4114800" cy="365125"/>
+          </a:xfrm>
+        </p:spPr>
+        <p:txBody>
+          <a:bodyPr/>
+          <a:lstStyle/>
+          <a:p>
+            <a:pPr>
+              <a:spcAft>
+                <a:spcPts val="600"/>
+              </a:spcAft>
+            </a:pPr>
+            <a:r>
+              <a:rPr lang="es-ES" dirty="0"/>
+              <a:t>© 2023 </a:t>
+            </a:r>
+            <a:r>
+              <a:rPr lang="es-ES" dirty="0" err="1"/>
+              <a:t>Netmind</a:t>
+            </a:r>
+            <a:r>
+              <a:rPr lang="es-ES" dirty="0"/>
+              <a:t> SLU</a:t>
+            </a:r>
+          </a:p>
+        </p:txBody>
+      </p:sp>
+    </p:spTree>
+    <p:extLst>
+      <p:ext uri="{BB962C8B-B14F-4D97-AF65-F5344CB8AC3E}">
+        <p14:creationId xmlns:p14="http://schemas.microsoft.com/office/powerpoint/2010/main" val="2843174429"/>
+      </p:ext>
+    </p:extLst>
+  </p:cSld>
+  <p:clrMapOvr>
+    <a:masterClrMapping/>
+  </p:clrMapOvr>
+</p:sld>
+</file>
+
+<file path=ppt/slides/slide17.xml><?xml version="1.0" encoding="utf-8"?>
+<p:sld xmlns:a="http://schemas.openxmlformats.org/drawingml/2006/main" xmlns:r="http://schemas.openxmlformats.org/officeDocument/2006/relationships" xmlns:p="http://schemas.openxmlformats.org/presentationml/2006/main">
+  <p:cSld>
+    <p:spTree>
+      <p:nvGrpSpPr>
+        <p:cNvPr id="1" name=""/>
+        <p:cNvGrpSpPr/>
+        <p:nvPr/>
+      </p:nvGrpSpPr>
+      <p:grpSpPr>
+        <a:xfrm>
+          <a:off x="0" y="0"/>
+          <a:ext cx="0" cy="0"/>
+          <a:chOff x="0" y="0"/>
+          <a:chExt cx="0" cy="0"/>
+        </a:xfrm>
+      </p:grpSpPr>
+      <p:pic>
+        <p:nvPicPr>
+          <p:cNvPr id="3" name="Imagen 2">
+            <a:extLst>
+              <a:ext uri="{FF2B5EF4-FFF2-40B4-BE49-F238E27FC236}">
+                <a16:creationId xmlns:a16="http://schemas.microsoft.com/office/drawing/2014/main" id="{C3194C87-2C30-35F9-E585-61E4E38CF484}"/>
+              </a:ext>
+            </a:extLst>
+          </p:cNvPr>
+          <p:cNvPicPr>
+            <a:picLocks noChangeAspect="1"/>
+          </p:cNvPicPr>
+          <p:nvPr/>
+        </p:nvPicPr>
+        <p:blipFill>
+          <a:blip r:embed="rId2"/>
+          <a:stretch>
+            <a:fillRect/>
+          </a:stretch>
+        </p:blipFill>
+        <p:spPr>
+          <a:xfrm>
+            <a:off x="6322069" y="1771026"/>
+            <a:ext cx="5255688" cy="3492489"/>
+          </a:xfrm>
+          <a:prstGeom prst="rect">
+            <a:avLst/>
+          </a:prstGeom>
+          <a:noFill/>
+        </p:spPr>
+      </p:pic>
+      <p:sp>
+        <p:nvSpPr>
+          <p:cNvPr id="9" name="Título 8">
+            <a:extLst>
+              <a:ext uri="{FF2B5EF4-FFF2-40B4-BE49-F238E27FC236}">
+                <a16:creationId xmlns:a16="http://schemas.microsoft.com/office/drawing/2014/main" id="{D356E8D1-63AD-5A06-B27E-2BA26CA00AFE}"/>
+              </a:ext>
+            </a:extLst>
+          </p:cNvPr>
+          <p:cNvSpPr>
+            <a:spLocks noGrp="1"/>
+          </p:cNvSpPr>
+          <p:nvPr>
+            <p:ph type="title"/>
+          </p:nvPr>
+        </p:nvSpPr>
+        <p:spPr>
+          <a:xfrm>
+            <a:off x="488887" y="298764"/>
+            <a:ext cx="11063335" cy="570369"/>
+          </a:xfrm>
+        </p:spPr>
+        <p:txBody>
+          <a:bodyPr anchor="t">
+            <a:normAutofit/>
+          </a:bodyPr>
+          <a:lstStyle/>
+          <a:p>
+            <a:r>
+              <a:rPr lang="es-ES" dirty="0"/>
+              <a:t>Reto 3: Test de Integración (historia de usuario 2)</a:t>
+            </a:r>
+          </a:p>
+        </p:txBody>
+      </p:sp>
+      <p:sp>
+        <p:nvSpPr>
+          <p:cNvPr id="4" name="Marcador de número de diapositiva 3">
+            <a:extLst>
+              <a:ext uri="{FF2B5EF4-FFF2-40B4-BE49-F238E27FC236}">
+                <a16:creationId xmlns:a16="http://schemas.microsoft.com/office/drawing/2014/main" id="{8ABE7444-0FD4-02F9-75E7-285C03666166}"/>
+              </a:ext>
+            </a:extLst>
+          </p:cNvPr>
+          <p:cNvSpPr>
+            <a:spLocks noGrp="1"/>
+          </p:cNvSpPr>
+          <p:nvPr>
+            <p:ph type="sldNum" sz="quarter" idx="4"/>
+          </p:nvPr>
+        </p:nvSpPr>
+        <p:spPr>
+          <a:xfrm>
+            <a:off x="9204354" y="6446880"/>
+            <a:ext cx="2743200" cy="365125"/>
+          </a:xfrm>
+        </p:spPr>
+        <p:txBody>
+          <a:bodyPr anchor="ctr">
+            <a:normAutofit/>
+          </a:bodyPr>
+          <a:lstStyle/>
+          <a:p>
+            <a:pPr>
+              <a:spcAft>
+                <a:spcPts val="600"/>
+              </a:spcAft>
+            </a:pPr>
+            <a:fld id="{E240B7DA-D0F2-44A7-A4AA-8B59C59B5873}" type="slidenum">
+              <a:rPr lang="es-ES" smtClean="0"/>
+              <a:pPr>
+                <a:spcAft>
+                  <a:spcPts val="600"/>
+                </a:spcAft>
+              </a:pPr>
+              <a:t>17</a:t>
+            </a:fld>
+            <a:endParaRPr lang="es-ES"/>
+          </a:p>
+        </p:txBody>
+      </p:sp>
+      <p:sp>
+        <p:nvSpPr>
+          <p:cNvPr id="15" name="Footer Placeholder 5">
+            <a:extLst>
+              <a:ext uri="{FF2B5EF4-FFF2-40B4-BE49-F238E27FC236}">
+                <a16:creationId xmlns:a16="http://schemas.microsoft.com/office/drawing/2014/main" id="{49D03C16-87E5-4423-E820-F3A8AF4FE09D}"/>
+              </a:ext>
+            </a:extLst>
+          </p:cNvPr>
+          <p:cNvSpPr>
+            <a:spLocks noGrp="1"/>
+          </p:cNvSpPr>
+          <p:nvPr>
+            <p:ph type="ftr" sz="quarter" idx="3"/>
+          </p:nvPr>
+        </p:nvSpPr>
+        <p:spPr>
+          <a:xfrm>
+            <a:off x="272360" y="6446880"/>
+            <a:ext cx="4114800" cy="365125"/>
+          </a:xfrm>
+        </p:spPr>
+        <p:txBody>
+          <a:bodyPr anchor="ctr">
+            <a:normAutofit/>
+          </a:bodyPr>
+          <a:lstStyle/>
+          <a:p>
+            <a:pPr>
+              <a:spcAft>
+                <a:spcPts val="600"/>
+              </a:spcAft>
+            </a:pPr>
+            <a:r>
               <a:rPr lang="es-ES" dirty="0"/>
               <a:t>© 2023 </a:t>
             </a:r>
@@ -12919,7 +15177,7 @@
 </p:sld>
 </file>
 
-<file path=ppt/slides/slide15.xml><?xml version="1.0" encoding="utf-8"?>
+<file path=ppt/slides/slide18.xml><?xml version="1.0" encoding="utf-8"?>
 <p:sld xmlns:a="http://schemas.openxmlformats.org/drawingml/2006/main" xmlns:r="http://schemas.openxmlformats.org/officeDocument/2006/relationships" xmlns:p="http://schemas.openxmlformats.org/presentationml/2006/main">
   <p:cSld>
     <p:spTree>
@@ -13011,7 +15269,7 @@
                   <a:spcPts val="600"/>
                 </a:spcAft>
               </a:pPr>
-              <a:t>15</a:t>
+              <a:t>18</a:t>
             </a:fld>
             <a:endParaRPr lang="es-ES"/>
           </a:p>
@@ -15184,7 +17442,7 @@
 </p:sld>
 </file>
 
-<file path=ppt/slides/slide16.xml><?xml version="1.0" encoding="utf-8"?>
+<file path=ppt/slides/slide19.xml><?xml version="1.0" encoding="utf-8"?>
 <p:sld xmlns:a="http://schemas.openxmlformats.org/drawingml/2006/main" xmlns:r="http://schemas.openxmlformats.org/officeDocument/2006/relationships" xmlns:p="http://schemas.openxmlformats.org/presentationml/2006/main">
   <p:cSld>
     <p:spTree>
@@ -15203,8 +17461,14 @@
       </p:grpSpPr>
       <p:sp>
         <p:nvSpPr>
-          <p:cNvPr id="2" name="object 2"/>
-          <p:cNvSpPr txBox="1">
+          <p:cNvPr id="9" name="Título 8">
+            <a:extLst>
+              <a:ext uri="{FF2B5EF4-FFF2-40B4-BE49-F238E27FC236}">
+                <a16:creationId xmlns:a16="http://schemas.microsoft.com/office/drawing/2014/main" id="{D356E8D1-63AD-5A06-B27E-2BA26CA00AFE}"/>
+              </a:ext>
+            </a:extLst>
+          </p:cNvPr>
+          <p:cNvSpPr>
             <a:spLocks noGrp="1"/>
           </p:cNvSpPr>
           <p:nvPr>
@@ -15213,605 +17477,1981 @@
         </p:nvSpPr>
         <p:spPr>
           <a:xfrm>
-            <a:off x="3493770" y="4126483"/>
-            <a:ext cx="5174615" cy="756920"/>
+            <a:off x="488887" y="298764"/>
+            <a:ext cx="11063335" cy="570369"/>
+          </a:xfrm>
+        </p:spPr>
+        <p:txBody>
+          <a:bodyPr anchor="t">
+            <a:normAutofit/>
+          </a:bodyPr>
+          <a:lstStyle/>
+          <a:p>
+            <a:r>
+              <a:rPr lang="es-ES" dirty="0"/>
+              <a:t>Reto 3: Test de Integración (historia de usuario 4)</a:t>
+            </a:r>
+          </a:p>
+        </p:txBody>
+      </p:sp>
+      <p:sp>
+        <p:nvSpPr>
+          <p:cNvPr id="4" name="Marcador de número de diapositiva 3">
+            <a:extLst>
+              <a:ext uri="{FF2B5EF4-FFF2-40B4-BE49-F238E27FC236}">
+                <a16:creationId xmlns:a16="http://schemas.microsoft.com/office/drawing/2014/main" id="{8ABE7444-0FD4-02F9-75E7-285C03666166}"/>
+              </a:ext>
+            </a:extLst>
+          </p:cNvPr>
+          <p:cNvSpPr>
+            <a:spLocks noGrp="1"/>
+          </p:cNvSpPr>
+          <p:nvPr>
+            <p:ph type="sldNum" sz="quarter" idx="4"/>
+          </p:nvPr>
+        </p:nvSpPr>
+        <p:spPr>
+          <a:xfrm>
+            <a:off x="9204354" y="6446880"/>
+            <a:ext cx="2743200" cy="365125"/>
+          </a:xfrm>
+        </p:spPr>
+        <p:txBody>
+          <a:bodyPr anchor="ctr">
+            <a:normAutofit/>
+          </a:bodyPr>
+          <a:lstStyle/>
+          <a:p>
+            <a:pPr>
+              <a:spcAft>
+                <a:spcPts val="600"/>
+              </a:spcAft>
+            </a:pPr>
+            <a:fld id="{E240B7DA-D0F2-44A7-A4AA-8B59C59B5873}" type="slidenum">
+              <a:rPr lang="es-ES" smtClean="0"/>
+              <a:pPr>
+                <a:spcAft>
+                  <a:spcPts val="600"/>
+                </a:spcAft>
+              </a:pPr>
+              <a:t>19</a:t>
+            </a:fld>
+            <a:endParaRPr lang="es-ES"/>
+          </a:p>
+        </p:txBody>
+      </p:sp>
+      <p:sp>
+        <p:nvSpPr>
+          <p:cNvPr id="15" name="Footer Placeholder 5">
+            <a:extLst>
+              <a:ext uri="{FF2B5EF4-FFF2-40B4-BE49-F238E27FC236}">
+                <a16:creationId xmlns:a16="http://schemas.microsoft.com/office/drawing/2014/main" id="{49D03C16-87E5-4423-E820-F3A8AF4FE09D}"/>
+              </a:ext>
+            </a:extLst>
+          </p:cNvPr>
+          <p:cNvSpPr>
+            <a:spLocks noGrp="1"/>
+          </p:cNvSpPr>
+          <p:nvPr>
+            <p:ph type="ftr" sz="quarter" idx="3"/>
+          </p:nvPr>
+        </p:nvSpPr>
+        <p:spPr>
+          <a:xfrm>
+            <a:off x="272360" y="6446880"/>
+            <a:ext cx="4114800" cy="365125"/>
+          </a:xfrm>
+        </p:spPr>
+        <p:txBody>
+          <a:bodyPr anchor="ctr">
+            <a:normAutofit/>
+          </a:bodyPr>
+          <a:lstStyle/>
+          <a:p>
+            <a:pPr>
+              <a:spcAft>
+                <a:spcPts val="600"/>
+              </a:spcAft>
+            </a:pPr>
+            <a:r>
+              <a:rPr lang="es-ES"/>
+              <a:t>© 2023 Netmind SLU</a:t>
+            </a:r>
+            <a:endParaRPr lang="es-ES" dirty="0"/>
+          </a:p>
+        </p:txBody>
+      </p:sp>
+      <p:sp>
+        <p:nvSpPr>
+          <p:cNvPr id="6" name="Marcador de contenido 9">
+            <a:extLst>
+              <a:ext uri="{FF2B5EF4-FFF2-40B4-BE49-F238E27FC236}">
+                <a16:creationId xmlns:a16="http://schemas.microsoft.com/office/drawing/2014/main" id="{62E6DE51-6333-8C22-3E2C-AA946C60F739}"/>
+              </a:ext>
+            </a:extLst>
+          </p:cNvPr>
+          <p:cNvSpPr txBox="1">
+            <a:spLocks/>
+          </p:cNvSpPr>
+          <p:nvPr/>
+        </p:nvSpPr>
+        <p:spPr>
+          <a:xfrm>
+            <a:off x="614244" y="1175736"/>
+            <a:ext cx="5255688" cy="5157951"/>
           </a:xfrm>
           <a:prstGeom prst="rect">
             <a:avLst/>
           </a:prstGeom>
         </p:spPr>
         <p:txBody>
-          <a:bodyPr vert="horz" wrap="square" lIns="0" tIns="12700" rIns="0" bIns="0" rtlCol="0">
-            <a:spAutoFit/>
+          <a:bodyPr>
+            <a:normAutofit fontScale="25000" lnSpcReduction="20000"/>
           </a:bodyPr>
-          <a:lstStyle/>
-          <a:p>
-            <a:pPr marL="12700" algn="ctr">
+          <a:lstStyle>
+            <a:lvl1pPr marL="449263" indent="-449263" algn="l" defTabSz="914400" rtl="0" eaLnBrk="1" latinLnBrk="0" hangingPunct="1">
               <a:lnSpc>
-                <a:spcPct val="100000"/>
+                <a:spcPct val="90000"/>
               </a:lnSpc>
               <a:spcBef>
-                <a:spcPts val="100"/>
+                <a:spcPts val="1000"/>
               </a:spcBef>
+              <a:buFontTx/>
+              <a:buBlip>
+                <a:blip r:embed="rId2"/>
+              </a:buBlip>
+              <a:defRPr sz="2800" kern="1200">
+                <a:solidFill>
+                  <a:schemeClr val="tx2"/>
+                </a:solidFill>
+                <a:latin typeface="+mn-lt"/>
+                <a:ea typeface="+mn-ea"/>
+                <a:cs typeface="+mn-cs"/>
+              </a:defRPr>
+            </a:lvl1pPr>
+            <a:lvl2pPr marL="896938" indent="-439738" algn="l" defTabSz="914400" rtl="0" eaLnBrk="1" latinLnBrk="0" hangingPunct="1">
+              <a:lnSpc>
+                <a:spcPct val="90000"/>
+              </a:lnSpc>
+              <a:spcBef>
+                <a:spcPts val="500"/>
+              </a:spcBef>
+              <a:buFontTx/>
+              <a:buBlip>
+                <a:blip r:embed="rId2"/>
+              </a:buBlip>
+              <a:defRPr sz="2400" kern="1200">
+                <a:solidFill>
+                  <a:schemeClr val="tx2"/>
+                </a:solidFill>
+                <a:latin typeface="+mn-lt"/>
+                <a:ea typeface="+mn-ea"/>
+                <a:cs typeface="+mn-cs"/>
+              </a:defRPr>
+            </a:lvl2pPr>
+            <a:lvl3pPr marL="1346200" indent="-431800" algn="l" defTabSz="914400" rtl="0" eaLnBrk="1" latinLnBrk="0" hangingPunct="1">
+              <a:lnSpc>
+                <a:spcPct val="90000"/>
+              </a:lnSpc>
+              <a:spcBef>
+                <a:spcPts val="500"/>
+              </a:spcBef>
+              <a:buFontTx/>
+              <a:buBlip>
+                <a:blip r:embed="rId2"/>
+              </a:buBlip>
+              <a:defRPr sz="2000" kern="1200">
+                <a:solidFill>
+                  <a:schemeClr val="tx2"/>
+                </a:solidFill>
+                <a:latin typeface="+mn-lt"/>
+                <a:ea typeface="+mn-ea"/>
+                <a:cs typeface="+mn-cs"/>
+              </a:defRPr>
+            </a:lvl3pPr>
+            <a:lvl4pPr marL="1600200" indent="-228600" algn="l" defTabSz="914400" rtl="0" eaLnBrk="1" latinLnBrk="0" hangingPunct="1">
+              <a:lnSpc>
+                <a:spcPct val="90000"/>
+              </a:lnSpc>
+              <a:spcBef>
+                <a:spcPts val="500"/>
+              </a:spcBef>
+              <a:buFont typeface="Arial" panose="020B0604020202020204" pitchFamily="34" charset="0"/>
+              <a:buChar char="•"/>
+              <a:defRPr sz="1800" kern="1200">
+                <a:solidFill>
+                  <a:schemeClr val="tx1"/>
+                </a:solidFill>
+                <a:latin typeface="+mn-lt"/>
+                <a:ea typeface="+mn-ea"/>
+                <a:cs typeface="+mn-cs"/>
+              </a:defRPr>
+            </a:lvl4pPr>
+            <a:lvl5pPr marL="2057400" indent="-228600" algn="l" defTabSz="914400" rtl="0" eaLnBrk="1" latinLnBrk="0" hangingPunct="1">
+              <a:lnSpc>
+                <a:spcPct val="90000"/>
+              </a:lnSpc>
+              <a:spcBef>
+                <a:spcPts val="500"/>
+              </a:spcBef>
+              <a:buFont typeface="Arial" panose="020B0604020202020204" pitchFamily="34" charset="0"/>
+              <a:buChar char="•"/>
+              <a:defRPr sz="1800" kern="1200">
+                <a:solidFill>
+                  <a:schemeClr val="tx1"/>
+                </a:solidFill>
+                <a:latin typeface="+mn-lt"/>
+                <a:ea typeface="+mn-ea"/>
+                <a:cs typeface="+mn-cs"/>
+              </a:defRPr>
+            </a:lvl5pPr>
+            <a:lvl6pPr marL="2514600" indent="-228600" algn="l" defTabSz="914400" rtl="0" eaLnBrk="1" latinLnBrk="0" hangingPunct="1">
+              <a:lnSpc>
+                <a:spcPct val="90000"/>
+              </a:lnSpc>
+              <a:spcBef>
+                <a:spcPts val="500"/>
+              </a:spcBef>
+              <a:buFont typeface="Arial" panose="020B0604020202020204" pitchFamily="34" charset="0"/>
+              <a:buChar char="•"/>
+              <a:defRPr sz="1800" kern="1200">
+                <a:solidFill>
+                  <a:schemeClr val="tx1"/>
+                </a:solidFill>
+                <a:latin typeface="+mn-lt"/>
+                <a:ea typeface="+mn-ea"/>
+                <a:cs typeface="+mn-cs"/>
+              </a:defRPr>
+            </a:lvl6pPr>
+            <a:lvl7pPr marL="2971800" indent="-228600" algn="l" defTabSz="914400" rtl="0" eaLnBrk="1" latinLnBrk="0" hangingPunct="1">
+              <a:lnSpc>
+                <a:spcPct val="90000"/>
+              </a:lnSpc>
+              <a:spcBef>
+                <a:spcPts val="500"/>
+              </a:spcBef>
+              <a:buFont typeface="Arial" panose="020B0604020202020204" pitchFamily="34" charset="0"/>
+              <a:buChar char="•"/>
+              <a:defRPr sz="1800" kern="1200">
+                <a:solidFill>
+                  <a:schemeClr val="tx1"/>
+                </a:solidFill>
+                <a:latin typeface="+mn-lt"/>
+                <a:ea typeface="+mn-ea"/>
+                <a:cs typeface="+mn-cs"/>
+              </a:defRPr>
+            </a:lvl7pPr>
+            <a:lvl8pPr marL="3429000" indent="-228600" algn="l" defTabSz="914400" rtl="0" eaLnBrk="1" latinLnBrk="0" hangingPunct="1">
+              <a:lnSpc>
+                <a:spcPct val="90000"/>
+              </a:lnSpc>
+              <a:spcBef>
+                <a:spcPts val="500"/>
+              </a:spcBef>
+              <a:buFont typeface="Arial" panose="020B0604020202020204" pitchFamily="34" charset="0"/>
+              <a:buChar char="•"/>
+              <a:defRPr sz="1800" kern="1200">
+                <a:solidFill>
+                  <a:schemeClr val="tx1"/>
+                </a:solidFill>
+                <a:latin typeface="+mn-lt"/>
+                <a:ea typeface="+mn-ea"/>
+                <a:cs typeface="+mn-cs"/>
+              </a:defRPr>
+            </a:lvl8pPr>
+            <a:lvl9pPr marL="3886200" indent="-228600" algn="l" defTabSz="914400" rtl="0" eaLnBrk="1" latinLnBrk="0" hangingPunct="1">
+              <a:lnSpc>
+                <a:spcPct val="90000"/>
+              </a:lnSpc>
+              <a:spcBef>
+                <a:spcPts val="500"/>
+              </a:spcBef>
+              <a:buFont typeface="Arial" panose="020B0604020202020204" pitchFamily="34" charset="0"/>
+              <a:buChar char="•"/>
+              <a:defRPr sz="1800" kern="1200">
+                <a:solidFill>
+                  <a:schemeClr val="tx1"/>
+                </a:solidFill>
+                <a:latin typeface="+mn-lt"/>
+                <a:ea typeface="+mn-ea"/>
+                <a:cs typeface="+mn-cs"/>
+              </a:defRPr>
+            </a:lvl9pPr>
+          </a:lstStyle>
+          <a:p>
+            <a:r>
+              <a:rPr lang="es-ES" b="1" dirty="0"/>
+              <a:t>Historia Usuario 4</a:t>
+            </a:r>
+          </a:p>
+          <a:p>
+            <a:pPr marL="0" indent="0">
+              <a:buFontTx/>
+              <a:buNone/>
             </a:pPr>
-            <a:r>
-              <a:rPr lang="es-ES" sz="4800" b="0" dirty="0">
-                <a:latin typeface="Tahoma"/>
-                <a:cs typeface="Tahoma"/>
-              </a:rPr>
-              <a:t>FIN Reto 3</a:t>
-            </a:r>
-            <a:endParaRPr sz="4800" dirty="0">
-              <a:latin typeface="Tahoma"/>
-              <a:cs typeface="Tahoma"/>
-            </a:endParaRPr>
+            <a:endParaRPr lang="es-ES" dirty="0"/>
+          </a:p>
+          <a:p>
+            <a:pPr marL="0" indent="0">
+              <a:buFontTx/>
+              <a:buNone/>
+            </a:pPr>
+            <a:r>
+              <a:rPr lang="es-ES" b="1" dirty="0"/>
+              <a:t>Nombre de historia: </a:t>
+            </a:r>
+            <a:r>
+              <a:rPr lang="es-ES" dirty="0"/>
+              <a:t>Modificar datos de un cliente.</a:t>
+            </a:r>
+          </a:p>
+          <a:p>
+            <a:pPr marL="0" indent="0">
+              <a:buFontTx/>
+              <a:buNone/>
+            </a:pPr>
+            <a:r>
+              <a:rPr lang="es-ES" b="1" dirty="0"/>
+              <a:t>Descripción:</a:t>
+            </a:r>
+            <a:r>
+              <a:rPr lang="es-ES" dirty="0"/>
+              <a:t> Como usuario del sistema, quiero poder modificar los datos de un cliente para mantenerlos actualizados.</a:t>
+            </a:r>
+          </a:p>
+          <a:p>
+            <a:pPr marL="0" indent="0">
+              <a:buNone/>
+            </a:pPr>
+            <a:r>
+              <a:rPr lang="es-ES" b="1" dirty="0"/>
+              <a:t>Clase Test: </a:t>
+            </a:r>
+            <a:r>
+              <a:rPr lang="es-ES" dirty="0"/>
+              <a:t>ClientesControllerTest.java </a:t>
+            </a:r>
+            <a:r>
+              <a:rPr lang="es-ES" dirty="0">
+                <a:sym typeface="Wingdings" panose="05000000000000000000" pitchFamily="2" charset="2"/>
+              </a:rPr>
+              <a:t> </a:t>
+            </a:r>
+            <a:r>
+              <a:rPr lang="es-ES" dirty="0"/>
+              <a:t>ClientesController.java</a:t>
+            </a:r>
+          </a:p>
+          <a:p>
+            <a:pPr marL="0" indent="0">
+              <a:buNone/>
+            </a:pPr>
+            <a:r>
+              <a:rPr lang="es-ES" b="1" dirty="0"/>
+              <a:t>Método:</a:t>
+            </a:r>
+            <a:r>
+              <a:rPr lang="es-ES" dirty="0"/>
+              <a:t> </a:t>
+            </a:r>
+            <a:r>
+              <a:rPr lang="en-US" dirty="0"/>
+              <a:t>void </a:t>
+            </a:r>
+            <a:r>
+              <a:rPr lang="en-US" dirty="0" err="1"/>
+              <a:t>actualizar</a:t>
+            </a:r>
+            <a:r>
+              <a:rPr lang="en-US" dirty="0"/>
+              <a:t>(Integer </a:t>
+            </a:r>
+            <a:r>
+              <a:rPr lang="en-US" dirty="0" err="1"/>
+              <a:t>uid</a:t>
+            </a:r>
+            <a:r>
+              <a:rPr lang="en-US" dirty="0"/>
+              <a:t>, String[] </a:t>
+            </a:r>
+            <a:r>
+              <a:rPr lang="en-US" dirty="0" err="1"/>
+              <a:t>args</a:t>
+            </a:r>
+            <a:r>
+              <a:rPr lang="en-US" dirty="0"/>
+              <a:t>)</a:t>
+            </a:r>
+            <a:endParaRPr lang="es-ES" dirty="0"/>
+          </a:p>
+          <a:p>
+            <a:pPr marL="0" indent="0">
+              <a:buFontTx/>
+              <a:buNone/>
+            </a:pPr>
+            <a:endParaRPr lang="es-ES" dirty="0"/>
+          </a:p>
+          <a:p>
+            <a:pPr marL="0" indent="0">
+              <a:buFontTx/>
+              <a:buNone/>
+            </a:pPr>
+            <a:r>
+              <a:rPr lang="es-ES" b="1" dirty="0"/>
+              <a:t>Escenario 1: Modificar cliente cuando datos OK (</a:t>
+            </a:r>
+            <a:r>
+              <a:rPr lang="es-ES" b="1" dirty="0" err="1"/>
+              <a:t>Happy</a:t>
+            </a:r>
+            <a:r>
+              <a:rPr lang="es-ES" b="1" dirty="0"/>
+              <a:t> </a:t>
+            </a:r>
+            <a:r>
+              <a:rPr lang="es-ES" b="1" dirty="0" err="1"/>
+              <a:t>Path</a:t>
+            </a:r>
+            <a:r>
+              <a:rPr lang="es-ES" b="1" dirty="0"/>
+              <a:t>)</a:t>
+            </a:r>
+          </a:p>
+          <a:p>
+            <a:r>
+              <a:rPr lang="es-ES" dirty="0">
+                <a:solidFill>
+                  <a:srgbClr val="9E880D"/>
+                </a:solidFill>
+                <a:effectLst/>
+                <a:latin typeface="JetBrains Mono"/>
+              </a:rPr>
+              <a:t>@Test</a:t>
+            </a:r>
+            <a:br>
+              <a:rPr lang="es-ES" dirty="0">
+                <a:solidFill>
+                  <a:srgbClr val="9E880D"/>
+                </a:solidFill>
+                <a:effectLst/>
+                <a:latin typeface="JetBrains Mono"/>
+              </a:rPr>
+            </a:br>
+            <a:r>
+              <a:rPr lang="es-ES" dirty="0">
+                <a:solidFill>
+                  <a:srgbClr val="9E880D"/>
+                </a:solidFill>
+                <a:effectLst/>
+                <a:latin typeface="JetBrains Mono"/>
+              </a:rPr>
+              <a:t>@Order</a:t>
+            </a:r>
+            <a:r>
+              <a:rPr lang="es-ES" dirty="0">
+                <a:solidFill>
+                  <a:srgbClr val="080808"/>
+                </a:solidFill>
+                <a:effectLst/>
+                <a:latin typeface="JetBrains Mono"/>
+              </a:rPr>
+              <a:t>(</a:t>
+            </a:r>
+            <a:r>
+              <a:rPr lang="es-ES" dirty="0">
+                <a:solidFill>
+                  <a:srgbClr val="1750EB"/>
+                </a:solidFill>
+                <a:effectLst/>
+                <a:latin typeface="JetBrains Mono"/>
+              </a:rPr>
+              <a:t>4</a:t>
+            </a:r>
+            <a:r>
+              <a:rPr lang="es-ES" dirty="0">
+                <a:solidFill>
+                  <a:srgbClr val="080808"/>
+                </a:solidFill>
+                <a:effectLst/>
+                <a:latin typeface="JetBrains Mono"/>
+              </a:rPr>
+              <a:t>)</a:t>
+            </a:r>
+            <a:br>
+              <a:rPr lang="es-ES" dirty="0">
+                <a:solidFill>
+                  <a:srgbClr val="080808"/>
+                </a:solidFill>
+                <a:effectLst/>
+                <a:latin typeface="JetBrains Mono"/>
+              </a:rPr>
+            </a:br>
+            <a:r>
+              <a:rPr lang="es-ES" dirty="0" err="1">
+                <a:solidFill>
+                  <a:srgbClr val="0033B3"/>
+                </a:solidFill>
+                <a:effectLst/>
+                <a:latin typeface="JetBrains Mono"/>
+              </a:rPr>
+              <a:t>void</a:t>
+            </a:r>
+            <a:r>
+              <a:rPr lang="es-ES" dirty="0">
+                <a:solidFill>
+                  <a:srgbClr val="0033B3"/>
+                </a:solidFill>
+                <a:effectLst/>
+                <a:latin typeface="JetBrains Mono"/>
+              </a:rPr>
+              <a:t> </a:t>
+            </a:r>
+            <a:r>
+              <a:rPr lang="es-ES" dirty="0">
+                <a:solidFill>
+                  <a:srgbClr val="00627A"/>
+                </a:solidFill>
+                <a:effectLst/>
+                <a:latin typeface="JetBrains Mono"/>
+              </a:rPr>
+              <a:t>dadoUsuarioQuiereModificarCliente_cuandoDatosOK_entoncesModificacionOK</a:t>
+            </a:r>
+            <a:r>
+              <a:rPr lang="es-ES" dirty="0">
+                <a:solidFill>
+                  <a:srgbClr val="080808"/>
+                </a:solidFill>
+                <a:effectLst/>
+                <a:latin typeface="JetBrains Mono"/>
+              </a:rPr>
+              <a:t>() {</a:t>
+            </a:r>
+            <a:br>
+              <a:rPr lang="es-ES" dirty="0">
+                <a:solidFill>
+                  <a:srgbClr val="080808"/>
+                </a:solidFill>
+                <a:effectLst/>
+                <a:latin typeface="JetBrains Mono"/>
+              </a:rPr>
+            </a:br>
+            <a:r>
+              <a:rPr lang="es-ES" dirty="0">
+                <a:solidFill>
+                  <a:srgbClr val="080808"/>
+                </a:solidFill>
+                <a:effectLst/>
+                <a:latin typeface="JetBrains Mono"/>
+              </a:rPr>
+              <a:t>    </a:t>
+            </a:r>
+            <a:r>
+              <a:rPr lang="es-ES" dirty="0" err="1">
+                <a:solidFill>
+                  <a:srgbClr val="000000"/>
+                </a:solidFill>
+                <a:effectLst/>
+                <a:latin typeface="JetBrains Mono"/>
+              </a:rPr>
+              <a:t>String</a:t>
+            </a:r>
+            <a:r>
+              <a:rPr lang="es-ES" dirty="0">
+                <a:solidFill>
+                  <a:srgbClr val="080808"/>
+                </a:solidFill>
+                <a:effectLst/>
+                <a:latin typeface="JetBrains Mono"/>
+              </a:rPr>
+              <a:t>[] </a:t>
+            </a:r>
+            <a:r>
+              <a:rPr lang="es-ES" dirty="0">
+                <a:solidFill>
+                  <a:srgbClr val="000000"/>
+                </a:solidFill>
+                <a:effectLst/>
+                <a:latin typeface="JetBrains Mono"/>
+              </a:rPr>
+              <a:t>datos </a:t>
+            </a:r>
+            <a:r>
+              <a:rPr lang="es-ES" dirty="0">
+                <a:solidFill>
+                  <a:srgbClr val="080808"/>
+                </a:solidFill>
+                <a:effectLst/>
+                <a:latin typeface="JetBrains Mono"/>
+              </a:rPr>
+              <a:t>= {</a:t>
+            </a:r>
+            <a:br>
+              <a:rPr lang="es-ES" dirty="0">
+                <a:solidFill>
+                  <a:srgbClr val="080808"/>
+                </a:solidFill>
+                <a:effectLst/>
+                <a:latin typeface="JetBrains Mono"/>
+              </a:rPr>
+            </a:br>
+            <a:r>
+              <a:rPr lang="es-ES" dirty="0">
+                <a:solidFill>
+                  <a:srgbClr val="080808"/>
+                </a:solidFill>
+                <a:effectLst/>
+                <a:latin typeface="JetBrains Mono"/>
+              </a:rPr>
+              <a:t>            </a:t>
+            </a:r>
+            <a:r>
+              <a:rPr lang="es-ES" dirty="0">
+                <a:solidFill>
+                  <a:srgbClr val="067D17"/>
+                </a:solidFill>
+                <a:effectLst/>
+                <a:latin typeface="JetBrains Mono"/>
+              </a:rPr>
+              <a:t>"Carlos </a:t>
+            </a:r>
+            <a:r>
+              <a:rPr lang="es-ES" dirty="0" err="1">
+                <a:solidFill>
+                  <a:srgbClr val="067D17"/>
+                </a:solidFill>
+                <a:effectLst/>
+                <a:latin typeface="JetBrains Mono"/>
+              </a:rPr>
+              <a:t>Lopez</a:t>
+            </a:r>
+            <a:r>
+              <a:rPr lang="es-ES" dirty="0">
+                <a:solidFill>
+                  <a:srgbClr val="067D17"/>
+                </a:solidFill>
+                <a:effectLst/>
+                <a:latin typeface="JetBrains Mono"/>
+              </a:rPr>
+              <a:t>"</a:t>
+            </a:r>
+            <a:r>
+              <a:rPr lang="es-ES" dirty="0">
+                <a:solidFill>
+                  <a:srgbClr val="080808"/>
+                </a:solidFill>
+                <a:effectLst/>
+                <a:latin typeface="JetBrains Mono"/>
+              </a:rPr>
+              <a:t>,</a:t>
+            </a:r>
+            <a:br>
+              <a:rPr lang="es-ES" dirty="0">
+                <a:solidFill>
+                  <a:srgbClr val="080808"/>
+                </a:solidFill>
+                <a:effectLst/>
+                <a:latin typeface="JetBrains Mono"/>
+              </a:rPr>
+            </a:br>
+            <a:r>
+              <a:rPr lang="es-ES" dirty="0">
+                <a:solidFill>
+                  <a:srgbClr val="080808"/>
+                </a:solidFill>
+                <a:effectLst/>
+                <a:latin typeface="JetBrains Mono"/>
+              </a:rPr>
+              <a:t>            </a:t>
+            </a:r>
+            <a:r>
+              <a:rPr lang="es-ES" dirty="0">
+                <a:solidFill>
+                  <a:srgbClr val="067D17"/>
+                </a:solidFill>
+                <a:effectLst/>
+                <a:latin typeface="JetBrains Mono"/>
+              </a:rPr>
+              <a:t>"emaile@gmail.com"</a:t>
+            </a:r>
+            <a:r>
+              <a:rPr lang="es-ES" dirty="0">
+                <a:solidFill>
+                  <a:srgbClr val="080808"/>
+                </a:solidFill>
+                <a:effectLst/>
+                <a:latin typeface="JetBrains Mono"/>
+              </a:rPr>
+              <a:t>,</a:t>
+            </a:r>
+            <a:br>
+              <a:rPr lang="es-ES" dirty="0">
+                <a:solidFill>
+                  <a:srgbClr val="080808"/>
+                </a:solidFill>
+                <a:effectLst/>
+                <a:latin typeface="JetBrains Mono"/>
+              </a:rPr>
+            </a:br>
+            <a:r>
+              <a:rPr lang="es-ES" dirty="0">
+                <a:solidFill>
+                  <a:srgbClr val="080808"/>
+                </a:solidFill>
+                <a:effectLst/>
+                <a:latin typeface="JetBrains Mono"/>
+              </a:rPr>
+              <a:t>            </a:t>
+            </a:r>
+            <a:r>
+              <a:rPr lang="es-ES" dirty="0">
+                <a:solidFill>
+                  <a:srgbClr val="067D17"/>
+                </a:solidFill>
+                <a:effectLst/>
+                <a:latin typeface="JetBrains Mono"/>
+              </a:rPr>
+              <a:t>"C/Huelva 13, Barcelona"</a:t>
+            </a:r>
+            <a:r>
+              <a:rPr lang="es-ES" dirty="0">
+                <a:solidFill>
+                  <a:srgbClr val="080808"/>
+                </a:solidFill>
+                <a:effectLst/>
+                <a:latin typeface="JetBrains Mono"/>
+              </a:rPr>
+              <a:t>,</a:t>
+            </a:r>
+            <a:br>
+              <a:rPr lang="es-ES" dirty="0">
+                <a:solidFill>
+                  <a:srgbClr val="080808"/>
+                </a:solidFill>
+                <a:effectLst/>
+                <a:latin typeface="JetBrains Mono"/>
+              </a:rPr>
+            </a:br>
+            <a:r>
+              <a:rPr lang="es-ES" dirty="0">
+                <a:solidFill>
+                  <a:srgbClr val="080808"/>
+                </a:solidFill>
+                <a:effectLst/>
+                <a:latin typeface="JetBrains Mono"/>
+              </a:rPr>
+              <a:t>            </a:t>
+            </a:r>
+            <a:r>
+              <a:rPr lang="es-ES" dirty="0">
+                <a:solidFill>
+                  <a:srgbClr val="067D17"/>
+                </a:solidFill>
+                <a:effectLst/>
+                <a:latin typeface="JetBrains Mono"/>
+              </a:rPr>
+              <a:t>"2023-10-18"</a:t>
+            </a:r>
+            <a:r>
+              <a:rPr lang="es-ES" dirty="0">
+                <a:solidFill>
+                  <a:srgbClr val="080808"/>
+                </a:solidFill>
+                <a:effectLst/>
+                <a:latin typeface="JetBrains Mono"/>
+              </a:rPr>
+              <a:t>,</a:t>
+            </a:r>
+            <a:br>
+              <a:rPr lang="es-ES" dirty="0">
+                <a:solidFill>
+                  <a:srgbClr val="080808"/>
+                </a:solidFill>
+                <a:effectLst/>
+                <a:latin typeface="JetBrains Mono"/>
+              </a:rPr>
+            </a:br>
+            <a:r>
+              <a:rPr lang="es-ES" dirty="0">
+                <a:solidFill>
+                  <a:srgbClr val="080808"/>
+                </a:solidFill>
+                <a:effectLst/>
+                <a:latin typeface="JetBrains Mono"/>
+              </a:rPr>
+              <a:t>            </a:t>
+            </a:r>
+            <a:r>
+              <a:rPr lang="es-ES" dirty="0">
+                <a:solidFill>
+                  <a:srgbClr val="067D17"/>
+                </a:solidFill>
+                <a:effectLst/>
+                <a:latin typeface="JetBrains Mono"/>
+              </a:rPr>
+              <a:t>"true"</a:t>
+            </a:r>
+            <a:r>
+              <a:rPr lang="es-ES" dirty="0">
+                <a:solidFill>
+                  <a:srgbClr val="080808"/>
+                </a:solidFill>
+                <a:effectLst/>
+                <a:latin typeface="JetBrains Mono"/>
+              </a:rPr>
+              <a:t>,</a:t>
+            </a:r>
+            <a:br>
+              <a:rPr lang="es-ES" dirty="0">
+                <a:solidFill>
+                  <a:srgbClr val="080808"/>
+                </a:solidFill>
+                <a:effectLst/>
+                <a:latin typeface="JetBrains Mono"/>
+              </a:rPr>
+            </a:br>
+            <a:r>
+              <a:rPr lang="es-ES" dirty="0">
+                <a:solidFill>
+                  <a:srgbClr val="080808"/>
+                </a:solidFill>
+                <a:effectLst/>
+                <a:latin typeface="JetBrains Mono"/>
+              </a:rPr>
+              <a:t>            </a:t>
+            </a:r>
+            <a:r>
+              <a:rPr lang="es-ES" dirty="0">
+                <a:solidFill>
+                  <a:srgbClr val="067D17"/>
+                </a:solidFill>
+                <a:effectLst/>
+                <a:latin typeface="JetBrains Mono"/>
+              </a:rPr>
+              <a:t>"false"</a:t>
+            </a:r>
+            <a:r>
+              <a:rPr lang="es-ES" dirty="0">
+                <a:solidFill>
+                  <a:srgbClr val="080808"/>
+                </a:solidFill>
+                <a:effectLst/>
+                <a:latin typeface="JetBrains Mono"/>
+              </a:rPr>
+              <a:t>,</a:t>
+            </a:r>
+            <a:br>
+              <a:rPr lang="es-ES" dirty="0">
+                <a:solidFill>
+                  <a:srgbClr val="080808"/>
+                </a:solidFill>
+                <a:effectLst/>
+                <a:latin typeface="JetBrains Mono"/>
+              </a:rPr>
+            </a:br>
+            <a:r>
+              <a:rPr lang="es-ES" dirty="0">
+                <a:solidFill>
+                  <a:srgbClr val="080808"/>
+                </a:solidFill>
+                <a:effectLst/>
+                <a:latin typeface="JetBrains Mono"/>
+              </a:rPr>
+              <a:t>            </a:t>
+            </a:r>
+            <a:r>
+              <a:rPr lang="es-ES" dirty="0">
+                <a:solidFill>
+                  <a:srgbClr val="067D17"/>
+                </a:solidFill>
+                <a:effectLst/>
+                <a:latin typeface="JetBrains Mono"/>
+              </a:rPr>
+              <a:t>"12345678Z"</a:t>
+            </a:r>
+            <a:br>
+              <a:rPr lang="es-ES" dirty="0">
+                <a:solidFill>
+                  <a:srgbClr val="067D17"/>
+                </a:solidFill>
+                <a:effectLst/>
+                <a:latin typeface="JetBrains Mono"/>
+              </a:rPr>
+            </a:br>
+            <a:r>
+              <a:rPr lang="es-ES" dirty="0">
+                <a:solidFill>
+                  <a:srgbClr val="067D17"/>
+                </a:solidFill>
+                <a:effectLst/>
+                <a:latin typeface="JetBrains Mono"/>
+              </a:rPr>
+              <a:t>    </a:t>
+            </a:r>
+            <a:r>
+              <a:rPr lang="es-ES" dirty="0">
+                <a:solidFill>
+                  <a:srgbClr val="080808"/>
+                </a:solidFill>
+                <a:effectLst/>
+                <a:latin typeface="JetBrains Mono"/>
+              </a:rPr>
+              <a:t>};</a:t>
+            </a:r>
+            <a:br>
+              <a:rPr lang="es-ES" dirty="0">
+                <a:solidFill>
+                  <a:srgbClr val="080808"/>
+                </a:solidFill>
+                <a:effectLst/>
+                <a:latin typeface="JetBrains Mono"/>
+              </a:rPr>
+            </a:br>
+            <a:r>
+              <a:rPr lang="es-ES" dirty="0">
+                <a:solidFill>
+                  <a:srgbClr val="080808"/>
+                </a:solidFill>
+                <a:effectLst/>
+                <a:latin typeface="JetBrains Mono"/>
+              </a:rPr>
+              <a:t>    </a:t>
+            </a:r>
+            <a:r>
+              <a:rPr lang="es-ES" dirty="0" err="1">
+                <a:solidFill>
+                  <a:srgbClr val="000000"/>
+                </a:solidFill>
+                <a:effectLst/>
+                <a:latin typeface="JetBrains Mono"/>
+              </a:rPr>
+              <a:t>ClientesController</a:t>
+            </a:r>
+            <a:r>
+              <a:rPr lang="es-ES" dirty="0" err="1">
+                <a:solidFill>
+                  <a:srgbClr val="080808"/>
+                </a:solidFill>
+                <a:effectLst/>
+                <a:latin typeface="JetBrains Mono"/>
+              </a:rPr>
+              <a:t>.</a:t>
+            </a:r>
+            <a:r>
+              <a:rPr lang="es-ES" i="1" dirty="0" err="1">
+                <a:solidFill>
+                  <a:srgbClr val="080808"/>
+                </a:solidFill>
+                <a:effectLst/>
+                <a:latin typeface="JetBrains Mono"/>
+              </a:rPr>
+              <a:t>actualizar</a:t>
+            </a:r>
+            <a:r>
+              <a:rPr lang="es-ES" dirty="0">
+                <a:solidFill>
+                  <a:srgbClr val="080808"/>
+                </a:solidFill>
+                <a:effectLst/>
+                <a:latin typeface="JetBrains Mono"/>
+              </a:rPr>
+              <a:t>(</a:t>
+            </a:r>
+            <a:r>
+              <a:rPr lang="es-ES" dirty="0">
+                <a:solidFill>
+                  <a:srgbClr val="1750EB"/>
+                </a:solidFill>
+                <a:effectLst/>
+                <a:latin typeface="JetBrains Mono"/>
+              </a:rPr>
+              <a:t>1</a:t>
+            </a:r>
+            <a:r>
+              <a:rPr lang="es-ES" dirty="0">
+                <a:solidFill>
+                  <a:srgbClr val="080808"/>
+                </a:solidFill>
+                <a:effectLst/>
+                <a:latin typeface="JetBrains Mono"/>
+              </a:rPr>
+              <a:t>, </a:t>
+            </a:r>
+            <a:r>
+              <a:rPr lang="es-ES" dirty="0">
+                <a:solidFill>
+                  <a:srgbClr val="000000"/>
+                </a:solidFill>
+                <a:effectLst/>
+                <a:latin typeface="JetBrains Mono"/>
+              </a:rPr>
+              <a:t>datos</a:t>
+            </a:r>
+            <a:r>
+              <a:rPr lang="es-ES" dirty="0">
+                <a:solidFill>
+                  <a:srgbClr val="080808"/>
+                </a:solidFill>
+                <a:effectLst/>
+                <a:latin typeface="JetBrains Mono"/>
+              </a:rPr>
+              <a:t>);</a:t>
+            </a:r>
+            <a:br>
+              <a:rPr lang="es-ES" dirty="0">
+                <a:solidFill>
+                  <a:srgbClr val="080808"/>
+                </a:solidFill>
+                <a:effectLst/>
+                <a:latin typeface="JetBrains Mono"/>
+              </a:rPr>
+            </a:br>
+            <a:br>
+              <a:rPr lang="es-ES" dirty="0">
+                <a:solidFill>
+                  <a:srgbClr val="080808"/>
+                </a:solidFill>
+                <a:effectLst/>
+                <a:latin typeface="JetBrains Mono"/>
+              </a:rPr>
+            </a:br>
+            <a:r>
+              <a:rPr lang="es-ES" dirty="0">
+                <a:solidFill>
+                  <a:srgbClr val="080808"/>
+                </a:solidFill>
+                <a:effectLst/>
+                <a:latin typeface="JetBrains Mono"/>
+              </a:rPr>
+              <a:t>    </a:t>
+            </a:r>
+            <a:r>
+              <a:rPr lang="es-ES" i="1" dirty="0" err="1">
+                <a:solidFill>
+                  <a:srgbClr val="080808"/>
+                </a:solidFill>
+                <a:effectLst/>
+                <a:latin typeface="JetBrains Mono"/>
+              </a:rPr>
+              <a:t>assertThat</a:t>
+            </a:r>
+            <a:r>
+              <a:rPr lang="es-ES" dirty="0">
+                <a:solidFill>
+                  <a:srgbClr val="080808"/>
+                </a:solidFill>
+                <a:effectLst/>
+                <a:latin typeface="JetBrains Mono"/>
+              </a:rPr>
+              <a:t>(</a:t>
+            </a:r>
+            <a:r>
+              <a:rPr lang="es-ES" dirty="0" err="1">
+                <a:solidFill>
+                  <a:srgbClr val="871094"/>
+                </a:solidFill>
+                <a:effectLst/>
+                <a:latin typeface="JetBrains Mono"/>
+              </a:rPr>
+              <a:t>outContent</a:t>
+            </a:r>
+            <a:r>
+              <a:rPr lang="es-ES" dirty="0" err="1">
+                <a:solidFill>
+                  <a:srgbClr val="080808"/>
+                </a:solidFill>
+                <a:effectLst/>
+                <a:latin typeface="JetBrains Mono"/>
+              </a:rPr>
+              <a:t>.toString</a:t>
+            </a:r>
+            <a:r>
+              <a:rPr lang="es-ES" dirty="0">
+                <a:solidFill>
+                  <a:srgbClr val="080808"/>
+                </a:solidFill>
+                <a:effectLst/>
+                <a:latin typeface="JetBrains Mono"/>
+              </a:rPr>
+              <a:t>(), </a:t>
+            </a:r>
+            <a:r>
+              <a:rPr lang="es-ES" i="1" dirty="0" err="1">
+                <a:solidFill>
+                  <a:srgbClr val="080808"/>
+                </a:solidFill>
+                <a:effectLst/>
+                <a:latin typeface="JetBrains Mono"/>
+              </a:rPr>
+              <a:t>containsString</a:t>
+            </a:r>
+            <a:r>
+              <a:rPr lang="es-ES" dirty="0">
+                <a:solidFill>
+                  <a:srgbClr val="080808"/>
+                </a:solidFill>
+                <a:effectLst/>
+                <a:latin typeface="JetBrains Mono"/>
+              </a:rPr>
+              <a:t>(</a:t>
+            </a:r>
+            <a:r>
+              <a:rPr lang="es-ES" dirty="0">
+                <a:solidFill>
+                  <a:srgbClr val="067D17"/>
+                </a:solidFill>
+                <a:effectLst/>
+                <a:latin typeface="JetBrains Mono"/>
+              </a:rPr>
+              <a:t>"Carlos </a:t>
+            </a:r>
+            <a:r>
+              <a:rPr lang="es-ES" dirty="0" err="1">
+                <a:solidFill>
+                  <a:srgbClr val="067D17"/>
+                </a:solidFill>
+                <a:effectLst/>
+                <a:latin typeface="JetBrains Mono"/>
+              </a:rPr>
+              <a:t>Lopez</a:t>
+            </a:r>
+            <a:r>
+              <a:rPr lang="es-ES" dirty="0">
+                <a:solidFill>
+                  <a:srgbClr val="067D17"/>
+                </a:solidFill>
+                <a:effectLst/>
+                <a:latin typeface="JetBrains Mono"/>
+              </a:rPr>
+              <a:t>"</a:t>
+            </a:r>
+            <a:r>
+              <a:rPr lang="es-ES" dirty="0">
+                <a:solidFill>
+                  <a:srgbClr val="080808"/>
+                </a:solidFill>
+                <a:effectLst/>
+                <a:latin typeface="JetBrains Mono"/>
+              </a:rPr>
+              <a:t>));</a:t>
+            </a:r>
+            <a:br>
+              <a:rPr lang="es-ES" dirty="0">
+                <a:solidFill>
+                  <a:srgbClr val="080808"/>
+                </a:solidFill>
+                <a:effectLst/>
+                <a:latin typeface="JetBrains Mono"/>
+              </a:rPr>
+            </a:br>
+            <a:r>
+              <a:rPr lang="es-ES" dirty="0">
+                <a:solidFill>
+                  <a:srgbClr val="080808"/>
+                </a:solidFill>
+                <a:effectLst/>
+                <a:latin typeface="JetBrains Mono"/>
+              </a:rPr>
+              <a:t>}</a:t>
+            </a:r>
+          </a:p>
+          <a:p>
+            <a:pPr marL="0" indent="0">
+              <a:buFontTx/>
+              <a:buNone/>
+            </a:pPr>
+            <a:endParaRPr lang="es-ES" dirty="0"/>
+          </a:p>
+          <a:p>
+            <a:pPr marL="0" indent="0">
+              <a:buFontTx/>
+              <a:buNone/>
+            </a:pPr>
+            <a:r>
+              <a:rPr lang="es-ES" b="1" dirty="0"/>
+              <a:t>Escenario 2: Modificar cliente cuando datos NOK (Negativo/Alternativo)</a:t>
+            </a:r>
+          </a:p>
+          <a:p>
+            <a:r>
+              <a:rPr lang="es-ES" dirty="0">
+                <a:solidFill>
+                  <a:srgbClr val="9E880D"/>
+                </a:solidFill>
+                <a:effectLst/>
+                <a:latin typeface="JetBrains Mono"/>
+              </a:rPr>
+              <a:t>@Test</a:t>
+            </a:r>
+            <a:br>
+              <a:rPr lang="es-ES" dirty="0">
+                <a:solidFill>
+                  <a:srgbClr val="9E880D"/>
+                </a:solidFill>
+                <a:effectLst/>
+                <a:latin typeface="JetBrains Mono"/>
+              </a:rPr>
+            </a:br>
+            <a:r>
+              <a:rPr lang="es-ES" dirty="0">
+                <a:solidFill>
+                  <a:srgbClr val="9E880D"/>
+                </a:solidFill>
+                <a:effectLst/>
+                <a:latin typeface="JetBrains Mono"/>
+              </a:rPr>
+              <a:t>@Order</a:t>
+            </a:r>
+            <a:r>
+              <a:rPr lang="es-ES" dirty="0">
+                <a:solidFill>
+                  <a:srgbClr val="080808"/>
+                </a:solidFill>
+                <a:effectLst/>
+                <a:latin typeface="JetBrains Mono"/>
+              </a:rPr>
+              <a:t>(</a:t>
+            </a:r>
+            <a:r>
+              <a:rPr lang="es-ES" dirty="0">
+                <a:solidFill>
+                  <a:srgbClr val="1750EB"/>
+                </a:solidFill>
+                <a:effectLst/>
+                <a:latin typeface="JetBrains Mono"/>
+              </a:rPr>
+              <a:t>4</a:t>
+            </a:r>
+            <a:r>
+              <a:rPr lang="es-ES" dirty="0">
+                <a:solidFill>
+                  <a:srgbClr val="080808"/>
+                </a:solidFill>
+                <a:effectLst/>
+                <a:latin typeface="JetBrains Mono"/>
+              </a:rPr>
+              <a:t>)</a:t>
+            </a:r>
+            <a:br>
+              <a:rPr lang="es-ES" dirty="0">
+                <a:solidFill>
+                  <a:srgbClr val="080808"/>
+                </a:solidFill>
+                <a:effectLst/>
+                <a:latin typeface="JetBrains Mono"/>
+              </a:rPr>
+            </a:br>
+            <a:r>
+              <a:rPr lang="es-ES" dirty="0" err="1">
+                <a:solidFill>
+                  <a:srgbClr val="0033B3"/>
+                </a:solidFill>
+                <a:effectLst/>
+                <a:latin typeface="JetBrains Mono"/>
+              </a:rPr>
+              <a:t>void</a:t>
+            </a:r>
+            <a:r>
+              <a:rPr lang="es-ES" dirty="0">
+                <a:solidFill>
+                  <a:srgbClr val="0033B3"/>
+                </a:solidFill>
+                <a:effectLst/>
+                <a:latin typeface="JetBrains Mono"/>
+              </a:rPr>
+              <a:t> </a:t>
+            </a:r>
+            <a:r>
+              <a:rPr lang="es-ES" dirty="0">
+                <a:solidFill>
+                  <a:srgbClr val="00627A"/>
+                </a:solidFill>
+                <a:effectLst/>
+                <a:latin typeface="JetBrains Mono"/>
+              </a:rPr>
+              <a:t>dadoUsuarioQuiereModificarCliente_cuandoDatosOK_entoncesModificacionOK</a:t>
+            </a:r>
+            <a:r>
+              <a:rPr lang="es-ES" dirty="0">
+                <a:solidFill>
+                  <a:srgbClr val="080808"/>
+                </a:solidFill>
+                <a:effectLst/>
+                <a:latin typeface="JetBrains Mono"/>
+              </a:rPr>
+              <a:t>() {</a:t>
+            </a:r>
+            <a:br>
+              <a:rPr lang="es-ES" dirty="0">
+                <a:solidFill>
+                  <a:srgbClr val="080808"/>
+                </a:solidFill>
+                <a:effectLst/>
+                <a:latin typeface="JetBrains Mono"/>
+              </a:rPr>
+            </a:br>
+            <a:r>
+              <a:rPr lang="es-ES" dirty="0">
+                <a:solidFill>
+                  <a:srgbClr val="080808"/>
+                </a:solidFill>
+                <a:effectLst/>
+                <a:latin typeface="JetBrains Mono"/>
+              </a:rPr>
+              <a:t>    </a:t>
+            </a:r>
+            <a:r>
+              <a:rPr lang="es-ES" dirty="0" err="1">
+                <a:solidFill>
+                  <a:srgbClr val="000000"/>
+                </a:solidFill>
+                <a:effectLst/>
+                <a:latin typeface="JetBrains Mono"/>
+              </a:rPr>
+              <a:t>String</a:t>
+            </a:r>
+            <a:r>
+              <a:rPr lang="es-ES" dirty="0">
+                <a:solidFill>
+                  <a:srgbClr val="080808"/>
+                </a:solidFill>
+                <a:effectLst/>
+                <a:latin typeface="JetBrains Mono"/>
+              </a:rPr>
+              <a:t>[] </a:t>
+            </a:r>
+            <a:r>
+              <a:rPr lang="es-ES" dirty="0">
+                <a:solidFill>
+                  <a:srgbClr val="000000"/>
+                </a:solidFill>
+                <a:effectLst/>
+                <a:latin typeface="JetBrains Mono"/>
+              </a:rPr>
+              <a:t>datos </a:t>
+            </a:r>
+            <a:r>
+              <a:rPr lang="es-ES" dirty="0">
+                <a:solidFill>
+                  <a:srgbClr val="080808"/>
+                </a:solidFill>
+                <a:effectLst/>
+                <a:latin typeface="JetBrains Mono"/>
+              </a:rPr>
+              <a:t>= {</a:t>
+            </a:r>
+            <a:br>
+              <a:rPr lang="es-ES" dirty="0">
+                <a:solidFill>
+                  <a:srgbClr val="080808"/>
+                </a:solidFill>
+                <a:effectLst/>
+                <a:latin typeface="JetBrains Mono"/>
+              </a:rPr>
+            </a:br>
+            <a:r>
+              <a:rPr lang="es-ES" dirty="0">
+                <a:solidFill>
+                  <a:srgbClr val="080808"/>
+                </a:solidFill>
+                <a:effectLst/>
+                <a:latin typeface="JetBrains Mono"/>
+              </a:rPr>
+              <a:t>            </a:t>
+            </a:r>
+            <a:r>
+              <a:rPr lang="es-ES" dirty="0">
+                <a:solidFill>
+                  <a:srgbClr val="067D17"/>
+                </a:solidFill>
+                <a:effectLst/>
+                <a:latin typeface="JetBrains Mono"/>
+              </a:rPr>
+              <a:t>"Carlos </a:t>
+            </a:r>
+            <a:r>
+              <a:rPr lang="es-ES" dirty="0" err="1">
+                <a:solidFill>
+                  <a:srgbClr val="067D17"/>
+                </a:solidFill>
+                <a:effectLst/>
+                <a:latin typeface="JetBrains Mono"/>
+              </a:rPr>
+              <a:t>Lopez</a:t>
+            </a:r>
+            <a:r>
+              <a:rPr lang="es-ES" dirty="0">
+                <a:solidFill>
+                  <a:srgbClr val="067D17"/>
+                </a:solidFill>
+                <a:effectLst/>
+                <a:latin typeface="JetBrains Mono"/>
+              </a:rPr>
+              <a:t>"</a:t>
+            </a:r>
+            <a:r>
+              <a:rPr lang="es-ES" dirty="0">
+                <a:solidFill>
+                  <a:srgbClr val="080808"/>
+                </a:solidFill>
+                <a:effectLst/>
+                <a:latin typeface="JetBrains Mono"/>
+              </a:rPr>
+              <a:t>,</a:t>
+            </a:r>
+            <a:br>
+              <a:rPr lang="es-ES" dirty="0">
+                <a:solidFill>
+                  <a:srgbClr val="080808"/>
+                </a:solidFill>
+                <a:effectLst/>
+                <a:latin typeface="JetBrains Mono"/>
+              </a:rPr>
+            </a:br>
+            <a:r>
+              <a:rPr lang="es-ES" dirty="0">
+                <a:solidFill>
+                  <a:srgbClr val="080808"/>
+                </a:solidFill>
+                <a:effectLst/>
+                <a:latin typeface="JetBrains Mono"/>
+              </a:rPr>
+              <a:t>            </a:t>
+            </a:r>
+            <a:r>
+              <a:rPr lang="es-ES" dirty="0">
+                <a:solidFill>
+                  <a:srgbClr val="067D17"/>
+                </a:solidFill>
+                <a:effectLst/>
+                <a:latin typeface="JetBrains Mono"/>
+              </a:rPr>
+              <a:t>"emaile@gmail.com"</a:t>
+            </a:r>
+            <a:r>
+              <a:rPr lang="es-ES" dirty="0">
+                <a:solidFill>
+                  <a:srgbClr val="080808"/>
+                </a:solidFill>
+                <a:effectLst/>
+                <a:latin typeface="JetBrains Mono"/>
+              </a:rPr>
+              <a:t>,</a:t>
+            </a:r>
+            <a:br>
+              <a:rPr lang="es-ES" dirty="0">
+                <a:solidFill>
+                  <a:srgbClr val="080808"/>
+                </a:solidFill>
+                <a:effectLst/>
+                <a:latin typeface="JetBrains Mono"/>
+              </a:rPr>
+            </a:br>
+            <a:r>
+              <a:rPr lang="es-ES" dirty="0">
+                <a:solidFill>
+                  <a:srgbClr val="080808"/>
+                </a:solidFill>
+                <a:effectLst/>
+                <a:latin typeface="JetBrains Mono"/>
+              </a:rPr>
+              <a:t>            </a:t>
+            </a:r>
+            <a:r>
+              <a:rPr lang="es-ES" dirty="0">
+                <a:solidFill>
+                  <a:srgbClr val="067D17"/>
+                </a:solidFill>
+                <a:effectLst/>
+                <a:latin typeface="JetBrains Mono"/>
+              </a:rPr>
+              <a:t>"C/Huelva 13, Barcelona"</a:t>
+            </a:r>
+            <a:r>
+              <a:rPr lang="es-ES" dirty="0">
+                <a:solidFill>
+                  <a:srgbClr val="080808"/>
+                </a:solidFill>
+                <a:effectLst/>
+                <a:latin typeface="JetBrains Mono"/>
+              </a:rPr>
+              <a:t>,</a:t>
+            </a:r>
+            <a:br>
+              <a:rPr lang="es-ES" dirty="0">
+                <a:solidFill>
+                  <a:srgbClr val="080808"/>
+                </a:solidFill>
+                <a:effectLst/>
+                <a:latin typeface="JetBrains Mono"/>
+              </a:rPr>
+            </a:br>
+            <a:r>
+              <a:rPr lang="es-ES" dirty="0">
+                <a:solidFill>
+                  <a:srgbClr val="080808"/>
+                </a:solidFill>
+                <a:effectLst/>
+                <a:latin typeface="JetBrains Mono"/>
+              </a:rPr>
+              <a:t>            </a:t>
+            </a:r>
+            <a:r>
+              <a:rPr lang="es-ES" dirty="0">
+                <a:solidFill>
+                  <a:srgbClr val="067D17"/>
+                </a:solidFill>
+                <a:effectLst/>
+                <a:latin typeface="JetBrains Mono"/>
+              </a:rPr>
+              <a:t>"2023-10-18"</a:t>
+            </a:r>
+            <a:r>
+              <a:rPr lang="es-ES" dirty="0">
+                <a:solidFill>
+                  <a:srgbClr val="080808"/>
+                </a:solidFill>
+                <a:effectLst/>
+                <a:latin typeface="JetBrains Mono"/>
+              </a:rPr>
+              <a:t>,</a:t>
+            </a:r>
+            <a:br>
+              <a:rPr lang="es-ES" dirty="0">
+                <a:solidFill>
+                  <a:srgbClr val="080808"/>
+                </a:solidFill>
+                <a:effectLst/>
+                <a:latin typeface="JetBrains Mono"/>
+              </a:rPr>
+            </a:br>
+            <a:r>
+              <a:rPr lang="es-ES" dirty="0">
+                <a:solidFill>
+                  <a:srgbClr val="080808"/>
+                </a:solidFill>
+                <a:effectLst/>
+                <a:latin typeface="JetBrains Mono"/>
+              </a:rPr>
+              <a:t>            </a:t>
+            </a:r>
+            <a:r>
+              <a:rPr lang="es-ES" dirty="0">
+                <a:solidFill>
+                  <a:srgbClr val="067D17"/>
+                </a:solidFill>
+                <a:effectLst/>
+                <a:latin typeface="JetBrains Mono"/>
+              </a:rPr>
+              <a:t>"true"</a:t>
+            </a:r>
+            <a:r>
+              <a:rPr lang="es-ES" dirty="0">
+                <a:solidFill>
+                  <a:srgbClr val="080808"/>
+                </a:solidFill>
+                <a:effectLst/>
+                <a:latin typeface="JetBrains Mono"/>
+              </a:rPr>
+              <a:t>,</a:t>
+            </a:r>
+            <a:br>
+              <a:rPr lang="es-ES" dirty="0">
+                <a:solidFill>
+                  <a:srgbClr val="080808"/>
+                </a:solidFill>
+                <a:effectLst/>
+                <a:latin typeface="JetBrains Mono"/>
+              </a:rPr>
+            </a:br>
+            <a:r>
+              <a:rPr lang="es-ES" dirty="0">
+                <a:solidFill>
+                  <a:srgbClr val="080808"/>
+                </a:solidFill>
+                <a:effectLst/>
+                <a:latin typeface="JetBrains Mono"/>
+              </a:rPr>
+              <a:t>            </a:t>
+            </a:r>
+            <a:r>
+              <a:rPr lang="es-ES" dirty="0">
+                <a:solidFill>
+                  <a:srgbClr val="067D17"/>
+                </a:solidFill>
+                <a:effectLst/>
+                <a:latin typeface="JetBrains Mono"/>
+              </a:rPr>
+              <a:t>"false"</a:t>
+            </a:r>
+            <a:r>
+              <a:rPr lang="es-ES" dirty="0">
+                <a:solidFill>
+                  <a:srgbClr val="080808"/>
+                </a:solidFill>
+                <a:effectLst/>
+                <a:latin typeface="JetBrains Mono"/>
+              </a:rPr>
+              <a:t>,</a:t>
+            </a:r>
+            <a:br>
+              <a:rPr lang="es-ES" dirty="0">
+                <a:solidFill>
+                  <a:srgbClr val="080808"/>
+                </a:solidFill>
+                <a:effectLst/>
+                <a:latin typeface="JetBrains Mono"/>
+              </a:rPr>
+            </a:br>
+            <a:r>
+              <a:rPr lang="es-ES" dirty="0">
+                <a:solidFill>
+                  <a:srgbClr val="080808"/>
+                </a:solidFill>
+                <a:effectLst/>
+                <a:latin typeface="JetBrains Mono"/>
+              </a:rPr>
+              <a:t>            </a:t>
+            </a:r>
+            <a:r>
+              <a:rPr lang="es-ES" dirty="0">
+                <a:solidFill>
+                  <a:srgbClr val="067D17"/>
+                </a:solidFill>
+                <a:effectLst/>
+                <a:latin typeface="JetBrains Mono"/>
+              </a:rPr>
+              <a:t>"12345678Z"</a:t>
+            </a:r>
+            <a:br>
+              <a:rPr lang="es-ES" dirty="0">
+                <a:solidFill>
+                  <a:srgbClr val="067D17"/>
+                </a:solidFill>
+                <a:effectLst/>
+                <a:latin typeface="JetBrains Mono"/>
+              </a:rPr>
+            </a:br>
+            <a:r>
+              <a:rPr lang="es-ES" dirty="0">
+                <a:solidFill>
+                  <a:srgbClr val="067D17"/>
+                </a:solidFill>
+                <a:effectLst/>
+                <a:latin typeface="JetBrains Mono"/>
+              </a:rPr>
+              <a:t>    </a:t>
+            </a:r>
+            <a:r>
+              <a:rPr lang="es-ES" dirty="0">
+                <a:solidFill>
+                  <a:srgbClr val="080808"/>
+                </a:solidFill>
+                <a:effectLst/>
+                <a:latin typeface="JetBrains Mono"/>
+              </a:rPr>
+              <a:t>};</a:t>
+            </a:r>
+            <a:br>
+              <a:rPr lang="es-ES" dirty="0">
+                <a:solidFill>
+                  <a:srgbClr val="080808"/>
+                </a:solidFill>
+                <a:effectLst/>
+                <a:latin typeface="JetBrains Mono"/>
+              </a:rPr>
+            </a:br>
+            <a:r>
+              <a:rPr lang="es-ES" dirty="0">
+                <a:solidFill>
+                  <a:srgbClr val="080808"/>
+                </a:solidFill>
+                <a:effectLst/>
+                <a:latin typeface="JetBrains Mono"/>
+              </a:rPr>
+              <a:t>    </a:t>
+            </a:r>
+            <a:r>
+              <a:rPr lang="es-ES" dirty="0" err="1">
+                <a:solidFill>
+                  <a:srgbClr val="000000"/>
+                </a:solidFill>
+                <a:effectLst/>
+                <a:latin typeface="JetBrains Mono"/>
+              </a:rPr>
+              <a:t>ClientesController</a:t>
+            </a:r>
+            <a:r>
+              <a:rPr lang="es-ES" dirty="0" err="1">
+                <a:solidFill>
+                  <a:srgbClr val="080808"/>
+                </a:solidFill>
+                <a:effectLst/>
+                <a:latin typeface="JetBrains Mono"/>
+              </a:rPr>
+              <a:t>.</a:t>
+            </a:r>
+            <a:r>
+              <a:rPr lang="es-ES" i="1" dirty="0" err="1">
+                <a:solidFill>
+                  <a:srgbClr val="080808"/>
+                </a:solidFill>
+                <a:effectLst/>
+                <a:latin typeface="JetBrains Mono"/>
+              </a:rPr>
+              <a:t>actualizar</a:t>
+            </a:r>
+            <a:r>
+              <a:rPr lang="es-ES" dirty="0">
+                <a:solidFill>
+                  <a:srgbClr val="080808"/>
+                </a:solidFill>
+                <a:effectLst/>
+                <a:latin typeface="JetBrains Mono"/>
+              </a:rPr>
+              <a:t>(</a:t>
+            </a:r>
+            <a:r>
+              <a:rPr lang="es-ES" dirty="0">
+                <a:solidFill>
+                  <a:srgbClr val="1750EB"/>
+                </a:solidFill>
+                <a:effectLst/>
+                <a:latin typeface="JetBrains Mono"/>
+              </a:rPr>
+              <a:t>1</a:t>
+            </a:r>
+            <a:r>
+              <a:rPr lang="es-ES" dirty="0">
+                <a:solidFill>
+                  <a:srgbClr val="080808"/>
+                </a:solidFill>
+                <a:effectLst/>
+                <a:latin typeface="JetBrains Mono"/>
+              </a:rPr>
+              <a:t>, </a:t>
+            </a:r>
+            <a:r>
+              <a:rPr lang="es-ES" dirty="0">
+                <a:solidFill>
+                  <a:srgbClr val="000000"/>
+                </a:solidFill>
+                <a:effectLst/>
+                <a:latin typeface="JetBrains Mono"/>
+              </a:rPr>
+              <a:t>datos</a:t>
+            </a:r>
+            <a:r>
+              <a:rPr lang="es-ES" dirty="0">
+                <a:solidFill>
+                  <a:srgbClr val="080808"/>
+                </a:solidFill>
+                <a:effectLst/>
+                <a:latin typeface="JetBrains Mono"/>
+              </a:rPr>
+              <a:t>);</a:t>
+            </a:r>
+            <a:br>
+              <a:rPr lang="es-ES" dirty="0">
+                <a:solidFill>
+                  <a:srgbClr val="080808"/>
+                </a:solidFill>
+                <a:effectLst/>
+                <a:latin typeface="JetBrains Mono"/>
+              </a:rPr>
+            </a:br>
+            <a:br>
+              <a:rPr lang="es-ES" dirty="0">
+                <a:solidFill>
+                  <a:srgbClr val="080808"/>
+                </a:solidFill>
+                <a:effectLst/>
+                <a:latin typeface="JetBrains Mono"/>
+              </a:rPr>
+            </a:br>
+            <a:r>
+              <a:rPr lang="es-ES" dirty="0">
+                <a:solidFill>
+                  <a:srgbClr val="080808"/>
+                </a:solidFill>
+                <a:effectLst/>
+                <a:latin typeface="JetBrains Mono"/>
+              </a:rPr>
+              <a:t>    </a:t>
+            </a:r>
+            <a:r>
+              <a:rPr lang="es-ES" i="1" dirty="0" err="1">
+                <a:solidFill>
+                  <a:srgbClr val="080808"/>
+                </a:solidFill>
+                <a:effectLst/>
+                <a:latin typeface="JetBrains Mono"/>
+              </a:rPr>
+              <a:t>assertThat</a:t>
+            </a:r>
+            <a:r>
+              <a:rPr lang="es-ES" dirty="0">
+                <a:solidFill>
+                  <a:srgbClr val="080808"/>
+                </a:solidFill>
+                <a:effectLst/>
+                <a:latin typeface="JetBrains Mono"/>
+              </a:rPr>
+              <a:t>(</a:t>
+            </a:r>
+            <a:r>
+              <a:rPr lang="es-ES" dirty="0" err="1">
+                <a:solidFill>
+                  <a:srgbClr val="871094"/>
+                </a:solidFill>
+                <a:effectLst/>
+                <a:latin typeface="JetBrains Mono"/>
+              </a:rPr>
+              <a:t>outContent</a:t>
+            </a:r>
+            <a:r>
+              <a:rPr lang="es-ES" dirty="0" err="1">
+                <a:solidFill>
+                  <a:srgbClr val="080808"/>
+                </a:solidFill>
+                <a:effectLst/>
+                <a:latin typeface="JetBrains Mono"/>
+              </a:rPr>
+              <a:t>.toString</a:t>
+            </a:r>
+            <a:r>
+              <a:rPr lang="es-ES" dirty="0">
+                <a:solidFill>
+                  <a:srgbClr val="080808"/>
+                </a:solidFill>
+                <a:effectLst/>
+                <a:latin typeface="JetBrains Mono"/>
+              </a:rPr>
+              <a:t>(), </a:t>
+            </a:r>
+            <a:r>
+              <a:rPr lang="es-ES" i="1" dirty="0" err="1">
+                <a:solidFill>
+                  <a:srgbClr val="080808"/>
+                </a:solidFill>
+                <a:effectLst/>
+                <a:latin typeface="JetBrains Mono"/>
+              </a:rPr>
+              <a:t>containsString</a:t>
+            </a:r>
+            <a:r>
+              <a:rPr lang="es-ES" dirty="0">
+                <a:solidFill>
+                  <a:srgbClr val="080808"/>
+                </a:solidFill>
+                <a:effectLst/>
+                <a:latin typeface="JetBrains Mono"/>
+              </a:rPr>
+              <a:t>(</a:t>
+            </a:r>
+            <a:r>
+              <a:rPr lang="es-ES" dirty="0">
+                <a:solidFill>
+                  <a:srgbClr val="067D17"/>
+                </a:solidFill>
+                <a:effectLst/>
+                <a:latin typeface="JetBrains Mono"/>
+              </a:rPr>
+              <a:t>"Carlos </a:t>
+            </a:r>
+            <a:r>
+              <a:rPr lang="es-ES" dirty="0" err="1">
+                <a:solidFill>
+                  <a:srgbClr val="067D17"/>
+                </a:solidFill>
+                <a:effectLst/>
+                <a:latin typeface="JetBrains Mono"/>
+              </a:rPr>
+              <a:t>Lopez</a:t>
+            </a:r>
+            <a:r>
+              <a:rPr lang="es-ES" dirty="0">
+                <a:solidFill>
+                  <a:srgbClr val="067D17"/>
+                </a:solidFill>
+                <a:effectLst/>
+                <a:latin typeface="JetBrains Mono"/>
+              </a:rPr>
+              <a:t>"</a:t>
+            </a:r>
+            <a:r>
+              <a:rPr lang="es-ES" dirty="0">
+                <a:solidFill>
+                  <a:srgbClr val="080808"/>
+                </a:solidFill>
+                <a:effectLst/>
+                <a:latin typeface="JetBrains Mono"/>
+              </a:rPr>
+              <a:t>));</a:t>
+            </a:r>
+            <a:br>
+              <a:rPr lang="es-ES" dirty="0">
+                <a:solidFill>
+                  <a:srgbClr val="080808"/>
+                </a:solidFill>
+                <a:effectLst/>
+                <a:latin typeface="JetBrains Mono"/>
+              </a:rPr>
+            </a:br>
+            <a:r>
+              <a:rPr lang="es-ES" dirty="0">
+                <a:solidFill>
+                  <a:srgbClr val="080808"/>
+                </a:solidFill>
+                <a:effectLst/>
+                <a:latin typeface="JetBrains Mono"/>
+              </a:rPr>
+              <a:t>}</a:t>
+            </a:r>
+          </a:p>
+          <a:p>
+            <a:pPr marL="457200" lvl="1" indent="0">
+              <a:buNone/>
+            </a:pPr>
+            <a:endParaRPr lang="es-ES" dirty="0"/>
           </a:p>
         </p:txBody>
       </p:sp>
       <p:pic>
         <p:nvPicPr>
-          <p:cNvPr id="3" name="object 3"/>
-          <p:cNvPicPr/>
+          <p:cNvPr id="5" name="Imagen 4">
+            <a:extLst>
+              <a:ext uri="{FF2B5EF4-FFF2-40B4-BE49-F238E27FC236}">
+                <a16:creationId xmlns:a16="http://schemas.microsoft.com/office/drawing/2014/main" id="{9BB3D2B7-5BEC-80E4-DA31-7437FA630512}"/>
+              </a:ext>
+            </a:extLst>
+          </p:cNvPr>
+          <p:cNvPicPr>
+            <a:picLocks noChangeAspect="1"/>
+          </p:cNvPicPr>
           <p:nvPr/>
         </p:nvPicPr>
         <p:blipFill>
-          <a:blip r:embed="rId2" cstate="print"/>
+          <a:blip r:embed="rId3"/>
           <a:stretch>
             <a:fillRect/>
           </a:stretch>
         </p:blipFill>
         <p:spPr>
           <a:xfrm>
-            <a:off x="5387250" y="3660535"/>
-            <a:ext cx="67203" cy="66513"/>
+            <a:off x="6537339" y="1919287"/>
+            <a:ext cx="4486275" cy="3019425"/>
           </a:xfrm>
           <a:prstGeom prst="rect">
             <a:avLst/>
           </a:prstGeom>
         </p:spPr>
       </p:pic>
-      <p:sp>
-        <p:nvSpPr>
-          <p:cNvPr id="4" name="object 4"/>
-          <p:cNvSpPr/>
-          <p:nvPr/>
-        </p:nvSpPr>
-        <p:spPr>
-          <a:xfrm>
-            <a:off x="5062880" y="1432267"/>
-            <a:ext cx="2049145" cy="2182495"/>
-          </a:xfrm>
-          <a:custGeom>
-            <a:avLst/>
-            <a:gdLst/>
-            <a:ahLst/>
-            <a:cxnLst/>
-            <a:rect l="l" t="t" r="r" b="b"/>
-            <a:pathLst>
-              <a:path w="2049145" h="2182495">
-                <a:moveTo>
-                  <a:pt x="489813" y="1596783"/>
-                </a:moveTo>
-                <a:lnTo>
-                  <a:pt x="462521" y="1563522"/>
-                </a:lnTo>
-                <a:lnTo>
-                  <a:pt x="455955" y="1562900"/>
-                </a:lnTo>
-                <a:lnTo>
-                  <a:pt x="449465" y="1563509"/>
-                </a:lnTo>
-                <a:lnTo>
-                  <a:pt x="9728" y="1996109"/>
-                </a:lnTo>
-                <a:lnTo>
-                  <a:pt x="0" y="2020023"/>
-                </a:lnTo>
-                <a:lnTo>
-                  <a:pt x="2425" y="2032812"/>
-                </a:lnTo>
-                <a:lnTo>
-                  <a:pt x="9728" y="2043938"/>
-                </a:lnTo>
-                <a:lnTo>
-                  <a:pt x="20637" y="2050986"/>
-                </a:lnTo>
-                <a:lnTo>
-                  <a:pt x="33413" y="2053336"/>
-                </a:lnTo>
-                <a:lnTo>
-                  <a:pt x="46278" y="2050986"/>
-                </a:lnTo>
-                <a:lnTo>
-                  <a:pt x="480072" y="1620481"/>
-                </a:lnTo>
-                <a:lnTo>
-                  <a:pt x="489813" y="1596783"/>
-                </a:lnTo>
-                <a:close/>
-              </a:path>
-              <a:path w="2049145" h="2182495">
-                <a:moveTo>
-                  <a:pt x="727976" y="1924621"/>
-                </a:moveTo>
-                <a:lnTo>
-                  <a:pt x="700900" y="1891385"/>
-                </a:lnTo>
-                <a:lnTo>
-                  <a:pt x="694131" y="1890699"/>
-                </a:lnTo>
-                <a:lnTo>
-                  <a:pt x="687539" y="1891385"/>
-                </a:lnTo>
-                <a:lnTo>
-                  <a:pt x="446684" y="2124735"/>
-                </a:lnTo>
-                <a:lnTo>
-                  <a:pt x="436956" y="2148636"/>
-                </a:lnTo>
-                <a:lnTo>
-                  <a:pt x="439394" y="2161425"/>
-                </a:lnTo>
-                <a:lnTo>
-                  <a:pt x="446684" y="2172551"/>
-                </a:lnTo>
-                <a:lnTo>
-                  <a:pt x="457796" y="2179612"/>
-                </a:lnTo>
-                <a:lnTo>
-                  <a:pt x="470547" y="2181961"/>
-                </a:lnTo>
-                <a:lnTo>
-                  <a:pt x="483298" y="2179612"/>
-                </a:lnTo>
-                <a:lnTo>
-                  <a:pt x="718235" y="1948294"/>
-                </a:lnTo>
-                <a:lnTo>
-                  <a:pt x="727976" y="1924621"/>
-                </a:lnTo>
-                <a:close/>
-              </a:path>
-              <a:path w="2049145" h="2182495">
-                <a:moveTo>
-                  <a:pt x="1499958" y="1907197"/>
-                </a:moveTo>
-                <a:lnTo>
-                  <a:pt x="1497533" y="1894408"/>
-                </a:lnTo>
-                <a:lnTo>
-                  <a:pt x="1490230" y="1883283"/>
-                </a:lnTo>
-                <a:lnTo>
-                  <a:pt x="1479194" y="1875967"/>
-                </a:lnTo>
-                <a:lnTo>
-                  <a:pt x="1466545" y="1873529"/>
-                </a:lnTo>
-                <a:lnTo>
-                  <a:pt x="1453819" y="1875967"/>
-                </a:lnTo>
-                <a:lnTo>
-                  <a:pt x="1442516" y="1883283"/>
-                </a:lnTo>
-                <a:lnTo>
-                  <a:pt x="1218222" y="2108009"/>
-                </a:lnTo>
-                <a:lnTo>
-                  <a:pt x="1210919" y="2119147"/>
-                </a:lnTo>
-                <a:lnTo>
-                  <a:pt x="1208493" y="2131923"/>
-                </a:lnTo>
-                <a:lnTo>
-                  <a:pt x="1210919" y="2144712"/>
-                </a:lnTo>
-                <a:lnTo>
-                  <a:pt x="1218222" y="2155837"/>
-                </a:lnTo>
-                <a:lnTo>
-                  <a:pt x="1229321" y="2162899"/>
-                </a:lnTo>
-                <a:lnTo>
-                  <a:pt x="1242098" y="2165248"/>
-                </a:lnTo>
-                <a:lnTo>
-                  <a:pt x="1254861" y="2162899"/>
-                </a:lnTo>
-                <a:lnTo>
-                  <a:pt x="1265974" y="2155837"/>
-                </a:lnTo>
-                <a:lnTo>
-                  <a:pt x="1490230" y="1931111"/>
-                </a:lnTo>
-                <a:lnTo>
-                  <a:pt x="1497533" y="1919973"/>
-                </a:lnTo>
-                <a:lnTo>
-                  <a:pt x="1499958" y="1907197"/>
-                </a:lnTo>
-                <a:close/>
-              </a:path>
-              <a:path w="2049145" h="2182495">
-                <a:moveTo>
-                  <a:pt x="2048611" y="33921"/>
-                </a:moveTo>
-                <a:lnTo>
-                  <a:pt x="2047430" y="25107"/>
-                </a:lnTo>
-                <a:lnTo>
-                  <a:pt x="2044039" y="17018"/>
-                </a:lnTo>
-                <a:lnTo>
-                  <a:pt x="2038642" y="10071"/>
-                </a:lnTo>
-                <a:lnTo>
-                  <a:pt x="2031466" y="4635"/>
-                </a:lnTo>
-                <a:lnTo>
-                  <a:pt x="2027301" y="1397"/>
-                </a:lnTo>
-                <a:lnTo>
-                  <a:pt x="2021725" y="0"/>
-                </a:lnTo>
-                <a:lnTo>
-                  <a:pt x="2009686" y="0"/>
-                </a:lnTo>
-                <a:lnTo>
-                  <a:pt x="2003653" y="1397"/>
-                </a:lnTo>
-                <a:lnTo>
-                  <a:pt x="1998586" y="4635"/>
-                </a:lnTo>
-                <a:lnTo>
-                  <a:pt x="1981873" y="14541"/>
-                </a:lnTo>
-                <a:lnTo>
-                  <a:pt x="1981873" y="158356"/>
-                </a:lnTo>
-                <a:lnTo>
-                  <a:pt x="1981873" y="1770011"/>
-                </a:lnTo>
-                <a:lnTo>
-                  <a:pt x="1601711" y="1653463"/>
-                </a:lnTo>
-                <a:lnTo>
-                  <a:pt x="1297914" y="1560334"/>
-                </a:lnTo>
-                <a:lnTo>
-                  <a:pt x="1297914" y="1630705"/>
-                </a:lnTo>
-                <a:lnTo>
-                  <a:pt x="1042606" y="1880984"/>
-                </a:lnTo>
-                <a:lnTo>
-                  <a:pt x="1042606" y="1829892"/>
-                </a:lnTo>
-                <a:lnTo>
-                  <a:pt x="1042606" y="1552676"/>
-                </a:lnTo>
-                <a:lnTo>
-                  <a:pt x="1297914" y="1630705"/>
-                </a:lnTo>
-                <a:lnTo>
-                  <a:pt x="1297914" y="1560334"/>
-                </a:lnTo>
-                <a:lnTo>
-                  <a:pt x="1272971" y="1552676"/>
-                </a:lnTo>
-                <a:lnTo>
-                  <a:pt x="1062520" y="1488160"/>
-                </a:lnTo>
-                <a:lnTo>
-                  <a:pt x="1071791" y="1475155"/>
-                </a:lnTo>
-                <a:lnTo>
-                  <a:pt x="1744078" y="502424"/>
-                </a:lnTo>
-                <a:lnTo>
-                  <a:pt x="1981873" y="158356"/>
-                </a:lnTo>
-                <a:lnTo>
-                  <a:pt x="1981873" y="14541"/>
-                </a:lnTo>
-                <a:lnTo>
-                  <a:pt x="1872068" y="79603"/>
-                </a:lnTo>
-                <a:lnTo>
-                  <a:pt x="1872068" y="157886"/>
-                </a:lnTo>
-                <a:lnTo>
-                  <a:pt x="1651977" y="386791"/>
-                </a:lnTo>
-                <a:lnTo>
-                  <a:pt x="1651977" y="517258"/>
-                </a:lnTo>
-                <a:lnTo>
-                  <a:pt x="980986" y="1487690"/>
-                </a:lnTo>
-                <a:lnTo>
-                  <a:pt x="977290" y="1493266"/>
-                </a:lnTo>
-                <a:lnTo>
-                  <a:pt x="974953" y="1500212"/>
-                </a:lnTo>
-                <a:lnTo>
-                  <a:pt x="974953" y="1829892"/>
-                </a:lnTo>
-                <a:lnTo>
-                  <a:pt x="750684" y="1420825"/>
-                </a:lnTo>
-                <a:lnTo>
-                  <a:pt x="792670" y="1377188"/>
-                </a:lnTo>
-                <a:lnTo>
-                  <a:pt x="1634363" y="502424"/>
-                </a:lnTo>
-                <a:lnTo>
-                  <a:pt x="1651977" y="517258"/>
-                </a:lnTo>
-                <a:lnTo>
-                  <a:pt x="1651977" y="386791"/>
-                </a:lnTo>
-                <a:lnTo>
-                  <a:pt x="699693" y="1377188"/>
-                </a:lnTo>
-                <a:lnTo>
-                  <a:pt x="116306" y="1198410"/>
-                </a:lnTo>
-                <a:lnTo>
-                  <a:pt x="1872068" y="157886"/>
-                </a:lnTo>
-                <a:lnTo>
-                  <a:pt x="1872068" y="79603"/>
-                </a:lnTo>
-                <a:lnTo>
-                  <a:pt x="16675" y="1178902"/>
-                </a:lnTo>
-                <a:lnTo>
-                  <a:pt x="457" y="1211884"/>
-                </a:lnTo>
-                <a:lnTo>
-                  <a:pt x="2908" y="1221409"/>
-                </a:lnTo>
-                <a:lnTo>
-                  <a:pt x="7924" y="1229537"/>
-                </a:lnTo>
-                <a:lnTo>
-                  <a:pt x="15113" y="1235925"/>
-                </a:lnTo>
-                <a:lnTo>
-                  <a:pt x="24091" y="1240218"/>
-                </a:lnTo>
-                <a:lnTo>
-                  <a:pt x="686727" y="1443583"/>
-                </a:lnTo>
-                <a:lnTo>
-                  <a:pt x="979589" y="1977542"/>
-                </a:lnTo>
-                <a:lnTo>
-                  <a:pt x="984224" y="1984971"/>
-                </a:lnTo>
-                <a:lnTo>
-                  <a:pt x="989317" y="1989607"/>
-                </a:lnTo>
-                <a:lnTo>
-                  <a:pt x="995832" y="1992401"/>
-                </a:lnTo>
-                <a:lnTo>
-                  <a:pt x="1005446" y="1994776"/>
-                </a:lnTo>
-                <a:lnTo>
-                  <a:pt x="1015149" y="1994319"/>
-                </a:lnTo>
-                <a:lnTo>
-                  <a:pt x="1024343" y="1991156"/>
-                </a:lnTo>
-                <a:lnTo>
-                  <a:pt x="1032408" y="1985441"/>
-                </a:lnTo>
-                <a:lnTo>
-                  <a:pt x="1138986" y="1880984"/>
-                </a:lnTo>
-                <a:lnTo>
-                  <a:pt x="1371155" y="1653463"/>
-                </a:lnTo>
-                <a:lnTo>
-                  <a:pt x="1377657" y="1655292"/>
-                </a:lnTo>
-                <a:lnTo>
-                  <a:pt x="2005520" y="1848002"/>
-                </a:lnTo>
-                <a:lnTo>
-                  <a:pt x="2013089" y="1849285"/>
-                </a:lnTo>
-                <a:lnTo>
-                  <a:pt x="2047684" y="1823758"/>
-                </a:lnTo>
-                <a:lnTo>
-                  <a:pt x="2048611" y="1815947"/>
-                </a:lnTo>
-                <a:lnTo>
-                  <a:pt x="2048611" y="1770011"/>
-                </a:lnTo>
-                <a:lnTo>
-                  <a:pt x="2048611" y="158356"/>
-                </a:lnTo>
-                <a:lnTo>
-                  <a:pt x="2048611" y="157886"/>
-                </a:lnTo>
-                <a:lnTo>
-                  <a:pt x="2048611" y="33921"/>
-                </a:lnTo>
-                <a:close/>
-              </a:path>
-            </a:pathLst>
-          </a:custGeom>
-          <a:solidFill>
-            <a:srgbClr val="FFFFFF"/>
-          </a:solidFill>
-        </p:spPr>
-        <p:txBody>
-          <a:bodyPr wrap="square" lIns="0" tIns="0" rIns="0" bIns="0" rtlCol="0"/>
-          <a:lstStyle/>
-          <a:p>
-            <a:endParaRPr/>
-          </a:p>
-        </p:txBody>
-      </p:sp>
-      <p:sp>
-        <p:nvSpPr>
-          <p:cNvPr id="5" name="object 5"/>
-          <p:cNvSpPr txBox="1"/>
-          <p:nvPr/>
-        </p:nvSpPr>
-        <p:spPr>
-          <a:xfrm>
-            <a:off x="351231" y="6555080"/>
-            <a:ext cx="988694" cy="149225"/>
-          </a:xfrm>
-          <a:prstGeom prst="rect">
-            <a:avLst/>
-          </a:prstGeom>
-        </p:spPr>
-        <p:txBody>
-          <a:bodyPr vert="horz" wrap="square" lIns="0" tIns="13335" rIns="0" bIns="0" rtlCol="0">
-            <a:spAutoFit/>
-          </a:bodyPr>
-          <a:lstStyle/>
-          <a:p>
-            <a:pPr marL="12700">
-              <a:lnSpc>
-                <a:spcPct val="100000"/>
-              </a:lnSpc>
-              <a:spcBef>
-                <a:spcPts val="105"/>
-              </a:spcBef>
-            </a:pPr>
-            <a:r>
-              <a:rPr sz="800" dirty="0">
-                <a:solidFill>
-                  <a:srgbClr val="FFFFFF"/>
-                </a:solidFill>
-                <a:latin typeface="Tahoma"/>
-                <a:cs typeface="Tahoma"/>
-              </a:rPr>
-              <a:t>©</a:t>
-            </a:r>
-            <a:r>
-              <a:rPr sz="800" spc="-30" dirty="0">
-                <a:solidFill>
-                  <a:srgbClr val="FFFFFF"/>
-                </a:solidFill>
-                <a:latin typeface="Tahoma"/>
-                <a:cs typeface="Tahoma"/>
-              </a:rPr>
-              <a:t> </a:t>
-            </a:r>
-            <a:r>
-              <a:rPr sz="800" dirty="0">
-                <a:solidFill>
-                  <a:srgbClr val="FFFFFF"/>
-                </a:solidFill>
-                <a:latin typeface="Tahoma"/>
-                <a:cs typeface="Tahoma"/>
-              </a:rPr>
-              <a:t>2022</a:t>
-            </a:r>
-            <a:r>
-              <a:rPr sz="800" spc="-35" dirty="0">
-                <a:solidFill>
-                  <a:srgbClr val="FFFFFF"/>
-                </a:solidFill>
-                <a:latin typeface="Tahoma"/>
-                <a:cs typeface="Tahoma"/>
-              </a:rPr>
-              <a:t> </a:t>
-            </a:r>
-            <a:r>
-              <a:rPr sz="800" dirty="0">
-                <a:solidFill>
-                  <a:srgbClr val="FFFFFF"/>
-                </a:solidFill>
-                <a:latin typeface="Tahoma"/>
-                <a:cs typeface="Tahoma"/>
-              </a:rPr>
-              <a:t>Netmind</a:t>
-            </a:r>
-            <a:r>
-              <a:rPr sz="800" spc="-5" dirty="0">
-                <a:solidFill>
-                  <a:srgbClr val="FFFFFF"/>
-                </a:solidFill>
-                <a:latin typeface="Tahoma"/>
-                <a:cs typeface="Tahoma"/>
-              </a:rPr>
-              <a:t> </a:t>
-            </a:r>
-            <a:r>
-              <a:rPr sz="800" spc="-25" dirty="0">
-                <a:solidFill>
-                  <a:srgbClr val="FFFFFF"/>
-                </a:solidFill>
-                <a:latin typeface="Tahoma"/>
-                <a:cs typeface="Tahoma"/>
-              </a:rPr>
-              <a:t>SLU</a:t>
-            </a:r>
-            <a:endParaRPr sz="800">
-              <a:latin typeface="Tahoma"/>
-              <a:cs typeface="Tahoma"/>
-            </a:endParaRPr>
-          </a:p>
-        </p:txBody>
-      </p:sp>
-      <p:sp>
-        <p:nvSpPr>
-          <p:cNvPr id="6" name="object 6"/>
-          <p:cNvSpPr txBox="1"/>
-          <p:nvPr/>
-        </p:nvSpPr>
-        <p:spPr>
-          <a:xfrm>
-            <a:off x="11719420" y="6555080"/>
-            <a:ext cx="187591" cy="136576"/>
-          </a:xfrm>
-          <a:prstGeom prst="rect">
-            <a:avLst/>
-          </a:prstGeom>
-        </p:spPr>
-        <p:txBody>
-          <a:bodyPr vert="horz" wrap="square" lIns="0" tIns="13335" rIns="0" bIns="0" rtlCol="0">
-            <a:spAutoFit/>
-          </a:bodyPr>
-          <a:lstStyle/>
-          <a:p>
-            <a:pPr marL="38100">
-              <a:lnSpc>
-                <a:spcPct val="100000"/>
-              </a:lnSpc>
-              <a:spcBef>
-                <a:spcPts val="105"/>
-              </a:spcBef>
-            </a:pPr>
-            <a:fld id="{81D60167-4931-47E6-BA6A-407CBD079E47}" type="slidenum">
-              <a:rPr sz="800" dirty="0">
-                <a:solidFill>
-                  <a:srgbClr val="FFFFFF"/>
-                </a:solidFill>
-                <a:latin typeface="Tahoma"/>
-                <a:cs typeface="Tahoma"/>
-              </a:rPr>
-              <a:t>16</a:t>
-            </a:fld>
-            <a:endParaRPr sz="800">
-              <a:latin typeface="Tahoma"/>
-              <a:cs typeface="Tahoma"/>
-            </a:endParaRPr>
-          </a:p>
-        </p:txBody>
-      </p:sp>
     </p:spTree>
+    <p:extLst>
+      <p:ext uri="{BB962C8B-B14F-4D97-AF65-F5344CB8AC3E}">
+        <p14:creationId xmlns:p14="http://schemas.microsoft.com/office/powerpoint/2010/main" val="2209758354"/>
+      </p:ext>
+    </p:extLst>
   </p:cSld>
   <p:clrMapOvr>
     <a:masterClrMapping/>
@@ -17372,6 +21012,651 @@
               <a:rPr lang="es-ES" sz="800" dirty="0"/>
               <a:t> SLU</a:t>
             </a:r>
+          </a:p>
+        </p:txBody>
+      </p:sp>
+    </p:spTree>
+  </p:cSld>
+  <p:clrMapOvr>
+    <a:masterClrMapping/>
+  </p:clrMapOvr>
+</p:sld>
+</file>
+
+<file path=ppt/slides/slide20.xml><?xml version="1.0" encoding="utf-8"?>
+<p:sld xmlns:a="http://schemas.openxmlformats.org/drawingml/2006/main" xmlns:r="http://schemas.openxmlformats.org/officeDocument/2006/relationships" xmlns:p="http://schemas.openxmlformats.org/presentationml/2006/main">
+  <p:cSld>
+    <p:spTree>
+      <p:nvGrpSpPr>
+        <p:cNvPr id="1" name=""/>
+        <p:cNvGrpSpPr/>
+        <p:nvPr/>
+      </p:nvGrpSpPr>
+      <p:grpSpPr>
+        <a:xfrm>
+          <a:off x="0" y="0"/>
+          <a:ext cx="0" cy="0"/>
+          <a:chOff x="0" y="0"/>
+          <a:chExt cx="0" cy="0"/>
+        </a:xfrm>
+      </p:grpSpPr>
+      <p:sp>
+        <p:nvSpPr>
+          <p:cNvPr id="2" name="object 2"/>
+          <p:cNvSpPr txBox="1">
+            <a:spLocks noGrp="1"/>
+          </p:cNvSpPr>
+          <p:nvPr>
+            <p:ph type="title"/>
+          </p:nvPr>
+        </p:nvSpPr>
+        <p:spPr>
+          <a:xfrm>
+            <a:off x="3493770" y="4126483"/>
+            <a:ext cx="5174615" cy="756920"/>
+          </a:xfrm>
+          <a:prstGeom prst="rect">
+            <a:avLst/>
+          </a:prstGeom>
+        </p:spPr>
+        <p:txBody>
+          <a:bodyPr vert="horz" wrap="square" lIns="0" tIns="12700" rIns="0" bIns="0" rtlCol="0">
+            <a:spAutoFit/>
+          </a:bodyPr>
+          <a:lstStyle/>
+          <a:p>
+            <a:pPr marL="12700" algn="ctr">
+              <a:lnSpc>
+                <a:spcPct val="100000"/>
+              </a:lnSpc>
+              <a:spcBef>
+                <a:spcPts val="100"/>
+              </a:spcBef>
+            </a:pPr>
+            <a:r>
+              <a:rPr lang="es-ES" sz="4800" b="0" dirty="0">
+                <a:latin typeface="Tahoma"/>
+                <a:cs typeface="Tahoma"/>
+              </a:rPr>
+              <a:t>FIN Reto 3</a:t>
+            </a:r>
+            <a:endParaRPr sz="4800" dirty="0">
+              <a:latin typeface="Tahoma"/>
+              <a:cs typeface="Tahoma"/>
+            </a:endParaRPr>
+          </a:p>
+        </p:txBody>
+      </p:sp>
+      <p:pic>
+        <p:nvPicPr>
+          <p:cNvPr id="3" name="object 3"/>
+          <p:cNvPicPr/>
+          <p:nvPr/>
+        </p:nvPicPr>
+        <p:blipFill>
+          <a:blip r:embed="rId2" cstate="print"/>
+          <a:stretch>
+            <a:fillRect/>
+          </a:stretch>
+        </p:blipFill>
+        <p:spPr>
+          <a:xfrm>
+            <a:off x="5387250" y="3660535"/>
+            <a:ext cx="67203" cy="66513"/>
+          </a:xfrm>
+          <a:prstGeom prst="rect">
+            <a:avLst/>
+          </a:prstGeom>
+        </p:spPr>
+      </p:pic>
+      <p:sp>
+        <p:nvSpPr>
+          <p:cNvPr id="4" name="object 4"/>
+          <p:cNvSpPr/>
+          <p:nvPr/>
+        </p:nvSpPr>
+        <p:spPr>
+          <a:xfrm>
+            <a:off x="5062880" y="1432267"/>
+            <a:ext cx="2049145" cy="2182495"/>
+          </a:xfrm>
+          <a:custGeom>
+            <a:avLst/>
+            <a:gdLst/>
+            <a:ahLst/>
+            <a:cxnLst/>
+            <a:rect l="l" t="t" r="r" b="b"/>
+            <a:pathLst>
+              <a:path w="2049145" h="2182495">
+                <a:moveTo>
+                  <a:pt x="489813" y="1596783"/>
+                </a:moveTo>
+                <a:lnTo>
+                  <a:pt x="462521" y="1563522"/>
+                </a:lnTo>
+                <a:lnTo>
+                  <a:pt x="455955" y="1562900"/>
+                </a:lnTo>
+                <a:lnTo>
+                  <a:pt x="449465" y="1563509"/>
+                </a:lnTo>
+                <a:lnTo>
+                  <a:pt x="9728" y="1996109"/>
+                </a:lnTo>
+                <a:lnTo>
+                  <a:pt x="0" y="2020023"/>
+                </a:lnTo>
+                <a:lnTo>
+                  <a:pt x="2425" y="2032812"/>
+                </a:lnTo>
+                <a:lnTo>
+                  <a:pt x="9728" y="2043938"/>
+                </a:lnTo>
+                <a:lnTo>
+                  <a:pt x="20637" y="2050986"/>
+                </a:lnTo>
+                <a:lnTo>
+                  <a:pt x="33413" y="2053336"/>
+                </a:lnTo>
+                <a:lnTo>
+                  <a:pt x="46278" y="2050986"/>
+                </a:lnTo>
+                <a:lnTo>
+                  <a:pt x="480072" y="1620481"/>
+                </a:lnTo>
+                <a:lnTo>
+                  <a:pt x="489813" y="1596783"/>
+                </a:lnTo>
+                <a:close/>
+              </a:path>
+              <a:path w="2049145" h="2182495">
+                <a:moveTo>
+                  <a:pt x="727976" y="1924621"/>
+                </a:moveTo>
+                <a:lnTo>
+                  <a:pt x="700900" y="1891385"/>
+                </a:lnTo>
+                <a:lnTo>
+                  <a:pt x="694131" y="1890699"/>
+                </a:lnTo>
+                <a:lnTo>
+                  <a:pt x="687539" y="1891385"/>
+                </a:lnTo>
+                <a:lnTo>
+                  <a:pt x="446684" y="2124735"/>
+                </a:lnTo>
+                <a:lnTo>
+                  <a:pt x="436956" y="2148636"/>
+                </a:lnTo>
+                <a:lnTo>
+                  <a:pt x="439394" y="2161425"/>
+                </a:lnTo>
+                <a:lnTo>
+                  <a:pt x="446684" y="2172551"/>
+                </a:lnTo>
+                <a:lnTo>
+                  <a:pt x="457796" y="2179612"/>
+                </a:lnTo>
+                <a:lnTo>
+                  <a:pt x="470547" y="2181961"/>
+                </a:lnTo>
+                <a:lnTo>
+                  <a:pt x="483298" y="2179612"/>
+                </a:lnTo>
+                <a:lnTo>
+                  <a:pt x="718235" y="1948294"/>
+                </a:lnTo>
+                <a:lnTo>
+                  <a:pt x="727976" y="1924621"/>
+                </a:lnTo>
+                <a:close/>
+              </a:path>
+              <a:path w="2049145" h="2182495">
+                <a:moveTo>
+                  <a:pt x="1499958" y="1907197"/>
+                </a:moveTo>
+                <a:lnTo>
+                  <a:pt x="1497533" y="1894408"/>
+                </a:lnTo>
+                <a:lnTo>
+                  <a:pt x="1490230" y="1883283"/>
+                </a:lnTo>
+                <a:lnTo>
+                  <a:pt x="1479194" y="1875967"/>
+                </a:lnTo>
+                <a:lnTo>
+                  <a:pt x="1466545" y="1873529"/>
+                </a:lnTo>
+                <a:lnTo>
+                  <a:pt x="1453819" y="1875967"/>
+                </a:lnTo>
+                <a:lnTo>
+                  <a:pt x="1442516" y="1883283"/>
+                </a:lnTo>
+                <a:lnTo>
+                  <a:pt x="1218222" y="2108009"/>
+                </a:lnTo>
+                <a:lnTo>
+                  <a:pt x="1210919" y="2119147"/>
+                </a:lnTo>
+                <a:lnTo>
+                  <a:pt x="1208493" y="2131923"/>
+                </a:lnTo>
+                <a:lnTo>
+                  <a:pt x="1210919" y="2144712"/>
+                </a:lnTo>
+                <a:lnTo>
+                  <a:pt x="1218222" y="2155837"/>
+                </a:lnTo>
+                <a:lnTo>
+                  <a:pt x="1229321" y="2162899"/>
+                </a:lnTo>
+                <a:lnTo>
+                  <a:pt x="1242098" y="2165248"/>
+                </a:lnTo>
+                <a:lnTo>
+                  <a:pt x="1254861" y="2162899"/>
+                </a:lnTo>
+                <a:lnTo>
+                  <a:pt x="1265974" y="2155837"/>
+                </a:lnTo>
+                <a:lnTo>
+                  <a:pt x="1490230" y="1931111"/>
+                </a:lnTo>
+                <a:lnTo>
+                  <a:pt x="1497533" y="1919973"/>
+                </a:lnTo>
+                <a:lnTo>
+                  <a:pt x="1499958" y="1907197"/>
+                </a:lnTo>
+                <a:close/>
+              </a:path>
+              <a:path w="2049145" h="2182495">
+                <a:moveTo>
+                  <a:pt x="2048611" y="33921"/>
+                </a:moveTo>
+                <a:lnTo>
+                  <a:pt x="2047430" y="25107"/>
+                </a:lnTo>
+                <a:lnTo>
+                  <a:pt x="2044039" y="17018"/>
+                </a:lnTo>
+                <a:lnTo>
+                  <a:pt x="2038642" y="10071"/>
+                </a:lnTo>
+                <a:lnTo>
+                  <a:pt x="2031466" y="4635"/>
+                </a:lnTo>
+                <a:lnTo>
+                  <a:pt x="2027301" y="1397"/>
+                </a:lnTo>
+                <a:lnTo>
+                  <a:pt x="2021725" y="0"/>
+                </a:lnTo>
+                <a:lnTo>
+                  <a:pt x="2009686" y="0"/>
+                </a:lnTo>
+                <a:lnTo>
+                  <a:pt x="2003653" y="1397"/>
+                </a:lnTo>
+                <a:lnTo>
+                  <a:pt x="1998586" y="4635"/>
+                </a:lnTo>
+                <a:lnTo>
+                  <a:pt x="1981873" y="14541"/>
+                </a:lnTo>
+                <a:lnTo>
+                  <a:pt x="1981873" y="158356"/>
+                </a:lnTo>
+                <a:lnTo>
+                  <a:pt x="1981873" y="1770011"/>
+                </a:lnTo>
+                <a:lnTo>
+                  <a:pt x="1601711" y="1653463"/>
+                </a:lnTo>
+                <a:lnTo>
+                  <a:pt x="1297914" y="1560334"/>
+                </a:lnTo>
+                <a:lnTo>
+                  <a:pt x="1297914" y="1630705"/>
+                </a:lnTo>
+                <a:lnTo>
+                  <a:pt x="1042606" y="1880984"/>
+                </a:lnTo>
+                <a:lnTo>
+                  <a:pt x="1042606" y="1829892"/>
+                </a:lnTo>
+                <a:lnTo>
+                  <a:pt x="1042606" y="1552676"/>
+                </a:lnTo>
+                <a:lnTo>
+                  <a:pt x="1297914" y="1630705"/>
+                </a:lnTo>
+                <a:lnTo>
+                  <a:pt x="1297914" y="1560334"/>
+                </a:lnTo>
+                <a:lnTo>
+                  <a:pt x="1272971" y="1552676"/>
+                </a:lnTo>
+                <a:lnTo>
+                  <a:pt x="1062520" y="1488160"/>
+                </a:lnTo>
+                <a:lnTo>
+                  <a:pt x="1071791" y="1475155"/>
+                </a:lnTo>
+                <a:lnTo>
+                  <a:pt x="1744078" y="502424"/>
+                </a:lnTo>
+                <a:lnTo>
+                  <a:pt x="1981873" y="158356"/>
+                </a:lnTo>
+                <a:lnTo>
+                  <a:pt x="1981873" y="14541"/>
+                </a:lnTo>
+                <a:lnTo>
+                  <a:pt x="1872068" y="79603"/>
+                </a:lnTo>
+                <a:lnTo>
+                  <a:pt x="1872068" y="157886"/>
+                </a:lnTo>
+                <a:lnTo>
+                  <a:pt x="1651977" y="386791"/>
+                </a:lnTo>
+                <a:lnTo>
+                  <a:pt x="1651977" y="517258"/>
+                </a:lnTo>
+                <a:lnTo>
+                  <a:pt x="980986" y="1487690"/>
+                </a:lnTo>
+                <a:lnTo>
+                  <a:pt x="977290" y="1493266"/>
+                </a:lnTo>
+                <a:lnTo>
+                  <a:pt x="974953" y="1500212"/>
+                </a:lnTo>
+                <a:lnTo>
+                  <a:pt x="974953" y="1829892"/>
+                </a:lnTo>
+                <a:lnTo>
+                  <a:pt x="750684" y="1420825"/>
+                </a:lnTo>
+                <a:lnTo>
+                  <a:pt x="792670" y="1377188"/>
+                </a:lnTo>
+                <a:lnTo>
+                  <a:pt x="1634363" y="502424"/>
+                </a:lnTo>
+                <a:lnTo>
+                  <a:pt x="1651977" y="517258"/>
+                </a:lnTo>
+                <a:lnTo>
+                  <a:pt x="1651977" y="386791"/>
+                </a:lnTo>
+                <a:lnTo>
+                  <a:pt x="699693" y="1377188"/>
+                </a:lnTo>
+                <a:lnTo>
+                  <a:pt x="116306" y="1198410"/>
+                </a:lnTo>
+                <a:lnTo>
+                  <a:pt x="1872068" y="157886"/>
+                </a:lnTo>
+                <a:lnTo>
+                  <a:pt x="1872068" y="79603"/>
+                </a:lnTo>
+                <a:lnTo>
+                  <a:pt x="16675" y="1178902"/>
+                </a:lnTo>
+                <a:lnTo>
+                  <a:pt x="457" y="1211884"/>
+                </a:lnTo>
+                <a:lnTo>
+                  <a:pt x="2908" y="1221409"/>
+                </a:lnTo>
+                <a:lnTo>
+                  <a:pt x="7924" y="1229537"/>
+                </a:lnTo>
+                <a:lnTo>
+                  <a:pt x="15113" y="1235925"/>
+                </a:lnTo>
+                <a:lnTo>
+                  <a:pt x="24091" y="1240218"/>
+                </a:lnTo>
+                <a:lnTo>
+                  <a:pt x="686727" y="1443583"/>
+                </a:lnTo>
+                <a:lnTo>
+                  <a:pt x="979589" y="1977542"/>
+                </a:lnTo>
+                <a:lnTo>
+                  <a:pt x="984224" y="1984971"/>
+                </a:lnTo>
+                <a:lnTo>
+                  <a:pt x="989317" y="1989607"/>
+                </a:lnTo>
+                <a:lnTo>
+                  <a:pt x="995832" y="1992401"/>
+                </a:lnTo>
+                <a:lnTo>
+                  <a:pt x="1005446" y="1994776"/>
+                </a:lnTo>
+                <a:lnTo>
+                  <a:pt x="1015149" y="1994319"/>
+                </a:lnTo>
+                <a:lnTo>
+                  <a:pt x="1024343" y="1991156"/>
+                </a:lnTo>
+                <a:lnTo>
+                  <a:pt x="1032408" y="1985441"/>
+                </a:lnTo>
+                <a:lnTo>
+                  <a:pt x="1138986" y="1880984"/>
+                </a:lnTo>
+                <a:lnTo>
+                  <a:pt x="1371155" y="1653463"/>
+                </a:lnTo>
+                <a:lnTo>
+                  <a:pt x="1377657" y="1655292"/>
+                </a:lnTo>
+                <a:lnTo>
+                  <a:pt x="2005520" y="1848002"/>
+                </a:lnTo>
+                <a:lnTo>
+                  <a:pt x="2013089" y="1849285"/>
+                </a:lnTo>
+                <a:lnTo>
+                  <a:pt x="2047684" y="1823758"/>
+                </a:lnTo>
+                <a:lnTo>
+                  <a:pt x="2048611" y="1815947"/>
+                </a:lnTo>
+                <a:lnTo>
+                  <a:pt x="2048611" y="1770011"/>
+                </a:lnTo>
+                <a:lnTo>
+                  <a:pt x="2048611" y="158356"/>
+                </a:lnTo>
+                <a:lnTo>
+                  <a:pt x="2048611" y="157886"/>
+                </a:lnTo>
+                <a:lnTo>
+                  <a:pt x="2048611" y="33921"/>
+                </a:lnTo>
+                <a:close/>
+              </a:path>
+            </a:pathLst>
+          </a:custGeom>
+          <a:solidFill>
+            <a:srgbClr val="FFFFFF"/>
+          </a:solidFill>
+        </p:spPr>
+        <p:txBody>
+          <a:bodyPr wrap="square" lIns="0" tIns="0" rIns="0" bIns="0" rtlCol="0"/>
+          <a:lstStyle/>
+          <a:p>
+            <a:endParaRPr/>
+          </a:p>
+        </p:txBody>
+      </p:sp>
+      <p:sp>
+        <p:nvSpPr>
+          <p:cNvPr id="5" name="object 5"/>
+          <p:cNvSpPr txBox="1"/>
+          <p:nvPr/>
+        </p:nvSpPr>
+        <p:spPr>
+          <a:xfrm>
+            <a:off x="351231" y="6555080"/>
+            <a:ext cx="988694" cy="136576"/>
+          </a:xfrm>
+          <a:prstGeom prst="rect">
+            <a:avLst/>
+          </a:prstGeom>
+        </p:spPr>
+        <p:txBody>
+          <a:bodyPr vert="horz" wrap="square" lIns="0" tIns="13335" rIns="0" bIns="0" rtlCol="0">
+            <a:spAutoFit/>
+          </a:bodyPr>
+          <a:lstStyle/>
+          <a:p>
+            <a:pPr marL="12700">
+              <a:lnSpc>
+                <a:spcPct val="100000"/>
+              </a:lnSpc>
+              <a:spcBef>
+                <a:spcPts val="105"/>
+              </a:spcBef>
+            </a:pPr>
+            <a:r>
+              <a:rPr sz="800" dirty="0">
+                <a:solidFill>
+                  <a:srgbClr val="FFFFFF"/>
+                </a:solidFill>
+                <a:latin typeface="Tahoma"/>
+                <a:cs typeface="Tahoma"/>
+              </a:rPr>
+              <a:t>©</a:t>
+            </a:r>
+            <a:r>
+              <a:rPr sz="800" spc="-30" dirty="0">
+                <a:solidFill>
+                  <a:srgbClr val="FFFFFF"/>
+                </a:solidFill>
+                <a:latin typeface="Tahoma"/>
+                <a:cs typeface="Tahoma"/>
+              </a:rPr>
+              <a:t> </a:t>
+            </a:r>
+            <a:r>
+              <a:rPr sz="800" dirty="0">
+                <a:solidFill>
+                  <a:srgbClr val="FFFFFF"/>
+                </a:solidFill>
+                <a:latin typeface="Tahoma"/>
+                <a:cs typeface="Tahoma"/>
+              </a:rPr>
+              <a:t>202</a:t>
+            </a:r>
+            <a:r>
+              <a:rPr lang="es-ES" sz="800" dirty="0">
+                <a:solidFill>
+                  <a:srgbClr val="FFFFFF"/>
+                </a:solidFill>
+                <a:latin typeface="Tahoma"/>
+                <a:cs typeface="Tahoma"/>
+              </a:rPr>
+              <a:t>3</a:t>
+            </a:r>
+            <a:r>
+              <a:rPr sz="800" spc="-35" dirty="0">
+                <a:solidFill>
+                  <a:srgbClr val="FFFFFF"/>
+                </a:solidFill>
+                <a:latin typeface="Tahoma"/>
+                <a:cs typeface="Tahoma"/>
+              </a:rPr>
+              <a:t> </a:t>
+            </a:r>
+            <a:r>
+              <a:rPr sz="800" dirty="0">
+                <a:solidFill>
+                  <a:srgbClr val="FFFFFF"/>
+                </a:solidFill>
+                <a:latin typeface="Tahoma"/>
+                <a:cs typeface="Tahoma"/>
+              </a:rPr>
+              <a:t>Netmind</a:t>
+            </a:r>
+            <a:r>
+              <a:rPr sz="800" spc="-5" dirty="0">
+                <a:solidFill>
+                  <a:srgbClr val="FFFFFF"/>
+                </a:solidFill>
+                <a:latin typeface="Tahoma"/>
+                <a:cs typeface="Tahoma"/>
+              </a:rPr>
+              <a:t> </a:t>
+            </a:r>
+            <a:r>
+              <a:rPr sz="800" spc="-25" dirty="0">
+                <a:solidFill>
+                  <a:srgbClr val="FFFFFF"/>
+                </a:solidFill>
+                <a:latin typeface="Tahoma"/>
+                <a:cs typeface="Tahoma"/>
+              </a:rPr>
+              <a:t>SLU</a:t>
+            </a:r>
+            <a:endParaRPr sz="800" dirty="0">
+              <a:latin typeface="Tahoma"/>
+              <a:cs typeface="Tahoma"/>
+            </a:endParaRPr>
+          </a:p>
+        </p:txBody>
+      </p:sp>
+      <p:sp>
+        <p:nvSpPr>
+          <p:cNvPr id="6" name="object 6"/>
+          <p:cNvSpPr txBox="1"/>
+          <p:nvPr/>
+        </p:nvSpPr>
+        <p:spPr>
+          <a:xfrm>
+            <a:off x="11719420" y="6555080"/>
+            <a:ext cx="187591" cy="136576"/>
+          </a:xfrm>
+          <a:prstGeom prst="rect">
+            <a:avLst/>
+          </a:prstGeom>
+        </p:spPr>
+        <p:txBody>
+          <a:bodyPr vert="horz" wrap="square" lIns="0" tIns="13335" rIns="0" bIns="0" rtlCol="0">
+            <a:spAutoFit/>
+          </a:bodyPr>
+          <a:lstStyle/>
+          <a:p>
+            <a:pPr marL="38100">
+              <a:lnSpc>
+                <a:spcPct val="100000"/>
+              </a:lnSpc>
+              <a:spcBef>
+                <a:spcPts val="105"/>
+              </a:spcBef>
+            </a:pPr>
+            <a:fld id="{81D60167-4931-47E6-BA6A-407CBD079E47}" type="slidenum">
+              <a:rPr sz="800" dirty="0">
+                <a:solidFill>
+                  <a:srgbClr val="FFFFFF"/>
+                </a:solidFill>
+                <a:latin typeface="Tahoma"/>
+                <a:cs typeface="Tahoma"/>
+              </a:rPr>
+              <a:t>20</a:t>
+            </a:fld>
+            <a:endParaRPr sz="800">
+              <a:latin typeface="Tahoma"/>
+              <a:cs typeface="Tahoma"/>
+            </a:endParaRPr>
           </a:p>
         </p:txBody>
       </p:sp>
@@ -17542,7 +21827,7 @@
         <p:spPr>
           <a:xfrm>
             <a:off x="567639" y="1129664"/>
-            <a:ext cx="10272395" cy="2210435"/>
+            <a:ext cx="10272395" cy="3019416"/>
           </a:xfrm>
           <a:prstGeom prst="rect">
             <a:avLst/>
@@ -18323,12 +22608,128 @@
                 <a:latin typeface="Tahoma"/>
                 <a:cs typeface="Tahoma"/>
               </a:rPr>
-              <a:t> entrega.</a:t>
-            </a:r>
-            <a:endParaRPr sz="2000" dirty="0">
+              <a:t> </a:t>
+            </a:r>
+            <a:r>
+              <a:rPr sz="2000" spc="-10" dirty="0" err="1">
+                <a:solidFill>
+                  <a:schemeClr val="tx2"/>
+                </a:solidFill>
+                <a:latin typeface="Tahoma"/>
+                <a:cs typeface="Tahoma"/>
+              </a:rPr>
+              <a:t>entrega</a:t>
+            </a:r>
+            <a:r>
+              <a:rPr sz="2000" spc="-10" dirty="0">
+                <a:solidFill>
+                  <a:schemeClr val="tx2"/>
+                </a:solidFill>
+                <a:latin typeface="Tahoma"/>
+                <a:cs typeface="Tahoma"/>
+              </a:rPr>
+              <a:t>.</a:t>
+            </a:r>
+            <a:endParaRPr lang="es-ES" sz="2000" spc="-10" dirty="0">
               <a:solidFill>
                 <a:schemeClr val="tx2"/>
               </a:solidFill>
+              <a:latin typeface="Tahoma"/>
+              <a:cs typeface="Tahoma"/>
+            </a:endParaRPr>
+          </a:p>
+          <a:p>
+            <a:pPr marL="241300" indent="-228600">
+              <a:lnSpc>
+                <a:spcPct val="100000"/>
+              </a:lnSpc>
+              <a:spcBef>
+                <a:spcPts val="725"/>
+              </a:spcBef>
+              <a:buFont typeface="Arial"/>
+              <a:buChar char="•"/>
+              <a:tabLst>
+                <a:tab pos="240665" algn="l"/>
+                <a:tab pos="241300" algn="l"/>
+              </a:tabLst>
+            </a:pPr>
+            <a:r>
+              <a:rPr lang="es-ES" sz="2000" spc="-10" dirty="0" err="1">
+                <a:solidFill>
+                  <a:schemeClr val="tx2"/>
+                </a:solidFill>
+                <a:latin typeface="Tahoma"/>
+                <a:cs typeface="Tahoma"/>
+              </a:rPr>
+              <a:t>Respositorio</a:t>
+            </a:r>
+            <a:r>
+              <a:rPr lang="es-ES" sz="2000" spc="-10" dirty="0">
+                <a:solidFill>
+                  <a:schemeClr val="tx2"/>
+                </a:solidFill>
+                <a:latin typeface="Tahoma"/>
+                <a:cs typeface="Tahoma"/>
+              </a:rPr>
+              <a:t> GitHub:</a:t>
+            </a:r>
+          </a:p>
+          <a:p>
+            <a:pPr marL="12700" algn="ctr">
+              <a:lnSpc>
+                <a:spcPct val="100000"/>
+              </a:lnSpc>
+              <a:spcBef>
+                <a:spcPts val="725"/>
+              </a:spcBef>
+              <a:tabLst>
+                <a:tab pos="240665" algn="l"/>
+                <a:tab pos="241300" algn="l"/>
+              </a:tabLst>
+            </a:pPr>
+            <a:r>
+              <a:rPr lang="es-ES" sz="2000" dirty="0" err="1">
+                <a:solidFill>
+                  <a:srgbClr val="0071B0"/>
+                </a:solidFill>
+                <a:highlight>
+                  <a:srgbClr val="FCA838"/>
+                </a:highlight>
+                <a:hlinkClick r:id="rId2">
+                  <a:extLst>
+                    <a:ext uri="{A12FA001-AC4F-418D-AE19-62706E023703}">
+                      <ahyp:hlinkClr xmlns:ahyp="http://schemas.microsoft.com/office/drawing/2018/hyperlinkcolor" val="tx"/>
+                    </a:ext>
+                  </a:extLst>
+                </a:hlinkClick>
+              </a:rPr>
+              <a:t>CrabNebulaS</a:t>
+            </a:r>
+            <a:r>
+              <a:rPr lang="es-ES" sz="2000" dirty="0">
+                <a:solidFill>
+                  <a:srgbClr val="0071B0"/>
+                </a:solidFill>
+                <a:highlight>
+                  <a:srgbClr val="FCA838"/>
+                </a:highlight>
+                <a:hlinkClick r:id="rId2">
+                  <a:extLst>
+                    <a:ext uri="{A12FA001-AC4F-418D-AE19-62706E023703}">
+                      <ahyp:hlinkClr xmlns:ahyp="http://schemas.microsoft.com/office/drawing/2018/hyperlinkcolor" val="tx"/>
+                    </a:ext>
+                  </a:extLst>
+                </a:hlinkClick>
+              </a:rPr>
+              <a:t>/Reto2 (github.com)</a:t>
+            </a:r>
+            <a:endParaRPr sz="2000" dirty="0">
+              <a:solidFill>
+                <a:srgbClr val="0071B0"/>
+              </a:solidFill>
+              <a:highlight>
+                <a:srgbClr val="FCA838"/>
+              </a:highlight>
               <a:latin typeface="Tahoma"/>
               <a:cs typeface="Tahoma"/>
             </a:endParaRPr>
@@ -30401,10 +34802,10 @@
       </p:cxnSp>
       <p:pic>
         <p:nvPicPr>
-          <p:cNvPr id="3" name="Imagen 2">
+          <p:cNvPr id="4" name="Imagen 3">
             <a:extLst>
               <a:ext uri="{FF2B5EF4-FFF2-40B4-BE49-F238E27FC236}">
-                <a16:creationId xmlns:a16="http://schemas.microsoft.com/office/drawing/2014/main" id="{4E62A4FB-298E-DDA4-5DBD-DAE0ECD0FD51}"/>
+                <a16:creationId xmlns:a16="http://schemas.microsoft.com/office/drawing/2014/main" id="{DCA1BCBE-765D-8D66-F54A-C73E8496A8A1}"/>
               </a:ext>
             </a:extLst>
           </p:cNvPr>
@@ -30421,8 +34822,8 @@
         </p:blipFill>
         <p:spPr>
           <a:xfrm>
-            <a:off x="2964123" y="161286"/>
-            <a:ext cx="7197071" cy="6572698"/>
+            <a:off x="10240837" y="0"/>
+            <a:ext cx="1626124" cy="6858000"/>
           </a:xfrm>
           <a:prstGeom prst="rect">
             <a:avLst/>
@@ -30431,10 +34832,10 @@
       </p:pic>
       <p:pic>
         <p:nvPicPr>
-          <p:cNvPr id="5" name="Imagen 4">
+          <p:cNvPr id="12" name="Imagen 11">
             <a:extLst>
               <a:ext uri="{FF2B5EF4-FFF2-40B4-BE49-F238E27FC236}">
-                <a16:creationId xmlns:a16="http://schemas.microsoft.com/office/drawing/2014/main" id="{E295F7DC-BDEE-3CEE-EDB7-204596EC0B0A}"/>
+                <a16:creationId xmlns:a16="http://schemas.microsoft.com/office/drawing/2014/main" id="{550C7C74-1E39-E855-8687-ED515166B8BA}"/>
               </a:ext>
             </a:extLst>
           </p:cNvPr>
@@ -30451,8 +34852,8 @@
         </p:blipFill>
         <p:spPr>
           <a:xfrm>
-            <a:off x="10096246" y="371713"/>
-            <a:ext cx="1933575" cy="6134100"/>
+            <a:off x="3095337" y="226447"/>
+            <a:ext cx="6960103" cy="6307185"/>
           </a:xfrm>
           <a:prstGeom prst="rect">
             <a:avLst/>

--- a/docs/R3 - Reto Caso Práctico [Equipo 2] - CRITERIOS ACEPTACIÓN.pptx
+++ b/docs/R3 - Reto Caso Práctico [Equipo 2] - CRITERIOS ACEPTACIÓN.pptx
@@ -7776,7 +7776,7 @@
         </p:spPr>
         <p:txBody>
           <a:bodyPr>
-            <a:normAutofit fontScale="40000" lnSpcReduction="20000"/>
+            <a:normAutofit fontScale="32500" lnSpcReduction="20000"/>
           </a:bodyPr>
           <a:lstStyle>
             <a:lvl1pPr marL="449263" indent="-449263" algn="l" defTabSz="914400" rtl="0" eaLnBrk="1" latinLnBrk="0" hangingPunct="1">
@@ -8221,13 +8221,76 @@
             </a:pPr>
             <a:r>
               <a:rPr lang="es-ES" dirty="0"/>
-              <a:t>Se genera una excepción </a:t>
+              <a:t>No se encuentra el cliente (“Cliente NO encontrado!”).</a:t>
+            </a:r>
+          </a:p>
+          <a:p>
+            <a:pPr lvl="2">
+              <a:buFont typeface="Courier New" panose="02070309020205020404" pitchFamily="49" charset="0"/>
+              <a:buChar char="o"/>
+            </a:pPr>
+            <a:r>
+              <a:rPr lang="es-ES" dirty="0"/>
+              <a:t>Se genera una </a:t>
+            </a:r>
+            <a:r>
+              <a:rPr lang="es-ES"/>
+              <a:t>excepción interna </a:t>
             </a:r>
             <a:r>
               <a:rPr lang="es-ES" dirty="0" err="1"/>
               <a:t>ClienteException</a:t>
             </a:r>
-            <a:endParaRPr lang="es-ES" dirty="0"/>
+            <a:r>
+              <a:rPr lang="es-ES" dirty="0"/>
+              <a:t> en ClientesController.java </a:t>
+            </a:r>
+            <a:r>
+              <a:rPr lang="es-ES" dirty="0">
+                <a:sym typeface="Wingdings" panose="05000000000000000000" pitchFamily="2" charset="2"/>
+              </a:rPr>
+              <a:t></a:t>
+            </a:r>
+            <a:r>
+              <a:rPr lang="es-ES" dirty="0" err="1">
+                <a:sym typeface="Wingdings" panose="05000000000000000000" pitchFamily="2" charset="2"/>
+              </a:rPr>
+              <a:t>mostrarDetalle</a:t>
+            </a:r>
+            <a:r>
+              <a:rPr lang="es-ES" dirty="0">
+                <a:sym typeface="Wingdings" panose="05000000000000000000" pitchFamily="2" charset="2"/>
+              </a:rPr>
+              <a:t>(</a:t>
+            </a:r>
+            <a:r>
+              <a:rPr lang="es-ES" dirty="0" err="1">
+                <a:sym typeface="Wingdings" panose="05000000000000000000" pitchFamily="2" charset="2"/>
+              </a:rPr>
+              <a:t>Integer</a:t>
+            </a:r>
+            <a:r>
+              <a:rPr lang="es-ES" dirty="0">
+                <a:sym typeface="Wingdings" panose="05000000000000000000" pitchFamily="2" charset="2"/>
+              </a:rPr>
+              <a:t> </a:t>
+            </a:r>
+            <a:r>
+              <a:rPr lang="es-ES" dirty="0" err="1">
+                <a:sym typeface="Wingdings" panose="05000000000000000000" pitchFamily="2" charset="2"/>
+              </a:rPr>
+              <a:t>uid</a:t>
+            </a:r>
+            <a:r>
+              <a:rPr lang="es-ES" dirty="0">
+                <a:sym typeface="Wingdings" panose="05000000000000000000" pitchFamily="2" charset="2"/>
+              </a:rPr>
+              <a:t>)</a:t>
+            </a:r>
+            <a:r>
+              <a:rPr lang="es-ES" dirty="0"/>
+              <a:t> que no devuelve, por lo que es transparente para nuestro test.</a:t>
+            </a:r>
           </a:p>
           <a:p>
             <a:pPr marL="0" indent="0">
@@ -37698,15 +37761,6 @@
 </file>
 
 <file path=customXml/item2.xml><?xml version="1.0" encoding="utf-8"?>
-<p:properties xmlns:p="http://schemas.microsoft.com/office/2006/metadata/properties" xmlns:xsi="http://www.w3.org/2001/XMLSchema-instance" xmlns:pc="http://schemas.microsoft.com/office/infopath/2007/PartnerControls">
-  <documentManagement>
-    <Status_x0020_Development xmlns="975b7f9a-800d-415b-98b3-08f16f55d7f0">To-Do</Status_x0020_Development>
-    <_Flow_SignoffStatus xmlns="975b7f9a-800d-415b-98b3-08f16f55d7f0" xsi:nil="true"/>
-  </documentManagement>
-</p:properties>
-</file>
-
-<file path=customXml/item3.xml><?xml version="1.0" encoding="utf-8"?>
 <ct:contentTypeSchema xmlns:ct="http://schemas.microsoft.com/office/2006/metadata/contentType" xmlns:ma="http://schemas.microsoft.com/office/2006/metadata/properties/metaAttributes" ct:_="" ma:_="" ma:contentTypeName="Documento" ma:contentTypeID="0x0101008FB666A76BAB7B428301D6190BC85A20" ma:contentTypeVersion="15" ma:contentTypeDescription="Crear nuevo documento." ma:contentTypeScope="" ma:versionID="866ae61b60d406a07f042717c7cfadc9">
   <xsd:schema xmlns:xsd="http://www.w3.org/2001/XMLSchema" xmlns:xs="http://www.w3.org/2001/XMLSchema" xmlns:p="http://schemas.microsoft.com/office/2006/metadata/properties" xmlns:ns2="975b7f9a-800d-415b-98b3-08f16f55d7f0" xmlns:ns3="241fe39d-e5a7-4413-ac3b-f4a3728cd94d" targetNamespace="http://schemas.microsoft.com/office/2006/metadata/properties" ma:root="true" ma:fieldsID="438263c34cbfa58323e0b878b493a1b0" ns2:_="" ns3:_="">
     <xsd:import namespace="975b7f9a-800d-415b-98b3-08f16f55d7f0"/>
@@ -37945,6 +37999,15 @@
 </ct:contentTypeSchema>
 </file>
 
+<file path=customXml/item3.xml><?xml version="1.0" encoding="utf-8"?>
+<p:properties xmlns:p="http://schemas.microsoft.com/office/2006/metadata/properties" xmlns:xsi="http://www.w3.org/2001/XMLSchema-instance" xmlns:pc="http://schemas.microsoft.com/office/infopath/2007/PartnerControls">
+  <documentManagement>
+    <Status_x0020_Development xmlns="975b7f9a-800d-415b-98b3-08f16f55d7f0">To-Do</Status_x0020_Development>
+    <_Flow_SignoffStatus xmlns="975b7f9a-800d-415b-98b3-08f16f55d7f0" xsi:nil="true"/>
+  </documentManagement>
+</p:properties>
+</file>
+
 <file path=customXml/itemProps1.xml><?xml version="1.0" encoding="utf-8"?>
 <ds:datastoreItem xmlns:ds="http://schemas.openxmlformats.org/officeDocument/2006/customXml" ds:itemID="{4D88B97B-74C7-4A34-8B59-6617B59ED0AA}">
   <ds:schemaRefs>
@@ -37954,23 +38017,6 @@
 </file>
 
 <file path=customXml/itemProps2.xml><?xml version="1.0" encoding="utf-8"?>
-<ds:datastoreItem xmlns:ds="http://schemas.openxmlformats.org/officeDocument/2006/customXml" ds:itemID="{2F5F5825-31DA-4AB4-947F-B9359FF0B510}">
-  <ds:schemaRefs>
-    <ds:schemaRef ds:uri="http://purl.org/dc/terms/"/>
-    <ds:schemaRef ds:uri="http://purl.org/dc/dcmitype/"/>
-    <ds:schemaRef ds:uri="http://schemas.openxmlformats.org/package/2006/metadata/core-properties"/>
-    <ds:schemaRef ds:uri="http://schemas.microsoft.com/office/2006/metadata/properties"/>
-    <ds:schemaRef ds:uri="http://schemas.microsoft.com/office/2006/documentManagement/types"/>
-    <ds:schemaRef ds:uri="http://www.w3.org/XML/1998/namespace"/>
-    <ds:schemaRef ds:uri="975b7f9a-800d-415b-98b3-08f16f55d7f0"/>
-    <ds:schemaRef ds:uri="http://purl.org/dc/elements/1.1/"/>
-    <ds:schemaRef ds:uri="http://schemas.microsoft.com/office/infopath/2007/PartnerControls"/>
-    <ds:schemaRef ds:uri="241fe39d-e5a7-4413-ac3b-f4a3728cd94d"/>
-  </ds:schemaRefs>
-</ds:datastoreItem>
-</file>
-
-<file path=customXml/itemProps3.xml><?xml version="1.0" encoding="utf-8"?>
 <ds:datastoreItem xmlns:ds="http://schemas.openxmlformats.org/officeDocument/2006/customXml" ds:itemID="{BE1BD0F2-D04D-44B4-98C9-C4E6C25DD414}">
   <ds:schemaRefs>
     <ds:schemaRef ds:uri="http://schemas.microsoft.com/office/2006/metadata/contentType"/>
@@ -37987,4 +38033,21 @@
     <ds:schemaRef ds:uri="http://schemas.microsoft.com/internal/obd"/>
   </ds:schemaRefs>
 </ds:datastoreItem>
+</file>
+
+<file path=customXml/itemProps3.xml><?xml version="1.0" encoding="utf-8"?>
+<ds:datastoreItem xmlns:ds="http://schemas.openxmlformats.org/officeDocument/2006/customXml" ds:itemID="{2F5F5825-31DA-4AB4-947F-B9359FF0B510}">
+  <ds:schemaRefs>
+    <ds:schemaRef ds:uri="http://purl.org/dc/terms/"/>
+    <ds:schemaRef ds:uri="http://purl.org/dc/dcmitype/"/>
+    <ds:schemaRef ds:uri="http://schemas.openxmlformats.org/package/2006/metadata/core-properties"/>
+    <ds:schemaRef ds:uri="http://schemas.microsoft.com/office/2006/metadata/properties"/>
+    <ds:schemaRef ds:uri="http://schemas.microsoft.com/office/2006/documentManagement/types"/>
+    <ds:schemaRef ds:uri="http://www.w3.org/XML/1998/namespace"/>
+    <ds:schemaRef ds:uri="975b7f9a-800d-415b-98b3-08f16f55d7f0"/>
+    <ds:schemaRef ds:uri="http://purl.org/dc/elements/1.1/"/>
+    <ds:schemaRef ds:uri="http://schemas.microsoft.com/office/infopath/2007/PartnerControls"/>
+    <ds:schemaRef ds:uri="241fe39d-e5a7-4413-ac3b-f4a3728cd94d"/>
+  </ds:schemaRefs>
+</ds:datastoreItem>
 </file>